--- a/Version Image.pptx
+++ b/Version Image.pptx
@@ -7,6 +7,10 @@
   <p:sldIdLst>
     <p:sldId id="256" r:id="rId2"/>
     <p:sldId id="257" r:id="rId3"/>
+    <p:sldId id="258" r:id="rId4"/>
+    <p:sldId id="259" r:id="rId5"/>
+    <p:sldId id="260" r:id="rId6"/>
+    <p:sldId id="261" r:id="rId7"/>
   </p:sldIdLst>
   <p:sldSz cx="12192000" cy="6858000"/>
   <p:notesSz cx="6858000" cy="9144000"/>
@@ -105,6 +109,11 @@
       </a:defRPr>
     </a:lvl9pPr>
   </p:defaultTextStyle>
+  <p:extLst>
+    <p:ext uri="{EFAFB233-063F-42B5-8137-9DF3F51BA10A}">
+      <p15:sldGuideLst xmlns:p15="http://schemas.microsoft.com/office/powerpoint/2012/main"/>
+    </p:ext>
+  </p:extLst>
 </p:presentation>
 </file>
 
@@ -255,7 +264,7 @@
           <a:p>
             <a:fld id="{AB0F58AF-9DE2-420D-BF91-0CC287647970}" type="datetimeFigureOut">
               <a:rPr kumimoji="1" lang="ja-JP" altLang="en-US" smtClean="0"/>
-              <a:t>2021/8/8</a:t>
+              <a:t>2021/8/14</a:t>
             </a:fld>
             <a:endParaRPr kumimoji="1" lang="ja-JP" altLang="en-US"/>
           </a:p>
@@ -485,7 +494,7 @@
           <a:p>
             <a:fld id="{AB0F58AF-9DE2-420D-BF91-0CC287647970}" type="datetimeFigureOut">
               <a:rPr kumimoji="1" lang="ja-JP" altLang="en-US" smtClean="0"/>
-              <a:t>2021/8/8</a:t>
+              <a:t>2021/8/14</a:t>
             </a:fld>
             <a:endParaRPr kumimoji="1" lang="ja-JP" altLang="en-US"/>
           </a:p>
@@ -725,7 +734,7 @@
           <a:p>
             <a:fld id="{AB0F58AF-9DE2-420D-BF91-0CC287647970}" type="datetimeFigureOut">
               <a:rPr kumimoji="1" lang="ja-JP" altLang="en-US" smtClean="0"/>
-              <a:t>2021/8/8</a:t>
+              <a:t>2021/8/14</a:t>
             </a:fld>
             <a:endParaRPr kumimoji="1" lang="ja-JP" altLang="en-US"/>
           </a:p>
@@ -955,7 +964,7 @@
           <a:p>
             <a:fld id="{AB0F58AF-9DE2-420D-BF91-0CC287647970}" type="datetimeFigureOut">
               <a:rPr kumimoji="1" lang="ja-JP" altLang="en-US" smtClean="0"/>
-              <a:t>2021/8/8</a:t>
+              <a:t>2021/8/14</a:t>
             </a:fld>
             <a:endParaRPr kumimoji="1" lang="ja-JP" altLang="en-US"/>
           </a:p>
@@ -1230,7 +1239,7 @@
           <a:p>
             <a:fld id="{AB0F58AF-9DE2-420D-BF91-0CC287647970}" type="datetimeFigureOut">
               <a:rPr kumimoji="1" lang="ja-JP" altLang="en-US" smtClean="0"/>
-              <a:t>2021/8/8</a:t>
+              <a:t>2021/8/14</a:t>
             </a:fld>
             <a:endParaRPr kumimoji="1" lang="ja-JP" altLang="en-US"/>
           </a:p>
@@ -1559,7 +1568,7 @@
           <a:p>
             <a:fld id="{AB0F58AF-9DE2-420D-BF91-0CC287647970}" type="datetimeFigureOut">
               <a:rPr kumimoji="1" lang="ja-JP" altLang="en-US" smtClean="0"/>
-              <a:t>2021/8/8</a:t>
+              <a:t>2021/8/14</a:t>
             </a:fld>
             <a:endParaRPr kumimoji="1" lang="ja-JP" altLang="en-US"/>
           </a:p>
@@ -2035,7 +2044,7 @@
           <a:p>
             <a:fld id="{AB0F58AF-9DE2-420D-BF91-0CC287647970}" type="datetimeFigureOut">
               <a:rPr kumimoji="1" lang="ja-JP" altLang="en-US" smtClean="0"/>
-              <a:t>2021/8/8</a:t>
+              <a:t>2021/8/14</a:t>
             </a:fld>
             <a:endParaRPr kumimoji="1" lang="ja-JP" altLang="en-US"/>
           </a:p>
@@ -2176,7 +2185,7 @@
           <a:p>
             <a:fld id="{AB0F58AF-9DE2-420D-BF91-0CC287647970}" type="datetimeFigureOut">
               <a:rPr kumimoji="1" lang="ja-JP" altLang="en-US" smtClean="0"/>
-              <a:t>2021/8/8</a:t>
+              <a:t>2021/8/14</a:t>
             </a:fld>
             <a:endParaRPr kumimoji="1" lang="ja-JP" altLang="en-US"/>
           </a:p>
@@ -2289,7 +2298,7 @@
           <a:p>
             <a:fld id="{AB0F58AF-9DE2-420D-BF91-0CC287647970}" type="datetimeFigureOut">
               <a:rPr kumimoji="1" lang="ja-JP" altLang="en-US" smtClean="0"/>
-              <a:t>2021/8/8</a:t>
+              <a:t>2021/8/14</a:t>
             </a:fld>
             <a:endParaRPr kumimoji="1" lang="ja-JP" altLang="en-US"/>
           </a:p>
@@ -2632,7 +2641,7 @@
           <a:p>
             <a:fld id="{AB0F58AF-9DE2-420D-BF91-0CC287647970}" type="datetimeFigureOut">
               <a:rPr kumimoji="1" lang="ja-JP" altLang="en-US" smtClean="0"/>
-              <a:t>2021/8/8</a:t>
+              <a:t>2021/8/14</a:t>
             </a:fld>
             <a:endParaRPr kumimoji="1" lang="ja-JP" altLang="en-US"/>
           </a:p>
@@ -2920,7 +2929,7 @@
           <a:p>
             <a:fld id="{AB0F58AF-9DE2-420D-BF91-0CC287647970}" type="datetimeFigureOut">
               <a:rPr kumimoji="1" lang="ja-JP" altLang="en-US" smtClean="0"/>
-              <a:t>2021/8/8</a:t>
+              <a:t>2021/8/14</a:t>
             </a:fld>
             <a:endParaRPr kumimoji="1" lang="ja-JP" altLang="en-US"/>
           </a:p>
@@ -3193,7 +3202,7 @@
           <a:p>
             <a:fld id="{AB0F58AF-9DE2-420D-BF91-0CC287647970}" type="datetimeFigureOut">
               <a:rPr kumimoji="1" lang="ja-JP" altLang="en-US" smtClean="0"/>
-              <a:t>2021/8/8</a:t>
+              <a:t>2021/8/14</a:t>
             </a:fld>
             <a:endParaRPr kumimoji="1" lang="ja-JP" altLang="en-US"/>
           </a:p>
@@ -3957,8 +3966,8 @@
           <a:lstStyle/>
           <a:p>
             <a:r>
-              <a:rPr kumimoji="1" lang="en-US" altLang="ja-JP" dirty="0"/>
-              <a:t>Ver 1.0</a:t>
+              <a:rPr lang="en-US" altLang="ja-JP" dirty="0" err="1"/>
+              <a:t>edge_shape.m</a:t>
             </a:r>
             <a:endParaRPr kumimoji="1" lang="ja-JP" altLang="en-US" dirty="0"/>
           </a:p>
@@ -4904,6 +4913,5031 @@
     <p:extLst>
       <p:ext uri="{BB962C8B-B14F-4D97-AF65-F5344CB8AC3E}">
         <p14:creationId xmlns:p14="http://schemas.microsoft.com/office/powerpoint/2010/main" val="3144571604"/>
+      </p:ext>
+    </p:extLst>
+  </p:cSld>
+  <p:clrMapOvr>
+    <a:masterClrMapping/>
+  </p:clrMapOvr>
+</p:sld>
+</file>
+
+<file path=ppt/slides/slide3.xml><?xml version="1.0" encoding="utf-8"?>
+<p:sld xmlns:a="http://schemas.openxmlformats.org/drawingml/2006/main" xmlns:r="http://schemas.openxmlformats.org/officeDocument/2006/relationships" xmlns:p="http://schemas.openxmlformats.org/presentationml/2006/main">
+  <p:cSld>
+    <p:spTree>
+      <p:nvGrpSpPr>
+        <p:cNvPr id="1" name=""/>
+        <p:cNvGrpSpPr/>
+        <p:nvPr/>
+      </p:nvGrpSpPr>
+      <p:grpSpPr>
+        <a:xfrm>
+          <a:off x="0" y="0"/>
+          <a:ext cx="0" cy="0"/>
+          <a:chOff x="0" y="0"/>
+          <a:chExt cx="0" cy="0"/>
+        </a:xfrm>
+      </p:grpSpPr>
+      <mc:AlternateContent xmlns:mc="http://schemas.openxmlformats.org/markup-compatibility/2006">
+        <mc:Choice xmlns:a14="http://schemas.microsoft.com/office/drawing/2010/main" Requires="a14">
+          <p:sp>
+            <p:nvSpPr>
+              <p:cNvPr id="7" name="テキスト ボックス 6">
+                <a:extLst>
+                  <a:ext uri="{FF2B5EF4-FFF2-40B4-BE49-F238E27FC236}">
+                    <a16:creationId xmlns:a16="http://schemas.microsoft.com/office/drawing/2014/main" id="{758FD9B7-0E08-4107-A90A-D5ABAF31CF8C}"/>
+                  </a:ext>
+                </a:extLst>
+              </p:cNvPr>
+              <p:cNvSpPr txBox="1"/>
+              <p:nvPr/>
+            </p:nvSpPr>
+            <p:spPr>
+              <a:xfrm>
+                <a:off x="2248138" y="4025163"/>
+                <a:ext cx="395236" cy="369332"/>
+              </a:xfrm>
+              <a:prstGeom prst="rect">
+                <a:avLst/>
+              </a:prstGeom>
+              <a:noFill/>
+            </p:spPr>
+            <p:txBody>
+              <a:bodyPr wrap="none" rtlCol="0">
+                <a:spAutoFit/>
+              </a:bodyPr>
+              <a:lstStyle/>
+              <a:p>
+                <a14:m>
+                  <m:oMathPara xmlns:m="http://schemas.openxmlformats.org/officeDocument/2006/math">
+                    <m:oMathParaPr>
+                      <m:jc m:val="centerGroup"/>
+                    </m:oMathParaPr>
+                    <m:oMath xmlns:m="http://schemas.openxmlformats.org/officeDocument/2006/math">
+                      <m:r>
+                        <a:rPr kumimoji="1" lang="en-US" altLang="ja-JP" b="0" i="1" smtClean="0">
+                          <a:latin typeface="Cambria Math" panose="02040503050406030204" pitchFamily="18" charset="0"/>
+                        </a:rPr>
+                        <m:t>𝛼</m:t>
+                      </m:r>
+                    </m:oMath>
+                  </m:oMathPara>
+                </a14:m>
+                <a:endParaRPr kumimoji="1" lang="ja-JP" altLang="en-US" dirty="0"/>
+              </a:p>
+            </p:txBody>
+          </p:sp>
+        </mc:Choice>
+        <mc:Fallback>
+          <p:sp>
+            <p:nvSpPr>
+              <p:cNvPr id="7" name="テキスト ボックス 6">
+                <a:extLst>
+                  <a:ext uri="{FF2B5EF4-FFF2-40B4-BE49-F238E27FC236}">
+                    <a16:creationId xmlns:a16="http://schemas.microsoft.com/office/drawing/2014/main" id="{758FD9B7-0E08-4107-A90A-D5ABAF31CF8C}"/>
+                  </a:ext>
+                </a:extLst>
+              </p:cNvPr>
+              <p:cNvSpPr txBox="1">
+                <a:spLocks noRot="1" noChangeAspect="1" noMove="1" noResize="1" noEditPoints="1" noAdjustHandles="1" noChangeArrowheads="1" noChangeShapeType="1" noTextEdit="1"/>
+              </p:cNvSpPr>
+              <p:nvPr/>
+            </p:nvSpPr>
+            <p:spPr>
+              <a:xfrm>
+                <a:off x="2248138" y="4025163"/>
+                <a:ext cx="395236" cy="369332"/>
+              </a:xfrm>
+              <a:prstGeom prst="rect">
+                <a:avLst/>
+              </a:prstGeom>
+              <a:blipFill>
+                <a:blip r:embed="rId2"/>
+                <a:stretch>
+                  <a:fillRect/>
+                </a:stretch>
+              </a:blipFill>
+            </p:spPr>
+            <p:txBody>
+              <a:bodyPr/>
+              <a:lstStyle/>
+              <a:p>
+                <a:r>
+                  <a:rPr lang="ja-JP" altLang="en-US">
+                    <a:noFill/>
+                  </a:rPr>
+                  <a:t> </a:t>
+                </a:r>
+              </a:p>
+            </p:txBody>
+          </p:sp>
+        </mc:Fallback>
+      </mc:AlternateContent>
+      <p:sp>
+        <p:nvSpPr>
+          <p:cNvPr id="2" name="タイトル 1">
+            <a:extLst>
+              <a:ext uri="{FF2B5EF4-FFF2-40B4-BE49-F238E27FC236}">
+                <a16:creationId xmlns:a16="http://schemas.microsoft.com/office/drawing/2014/main" id="{834DA01E-3121-4057-AF3A-FA01AD3953E5}"/>
+              </a:ext>
+            </a:extLst>
+          </p:cNvPr>
+          <p:cNvSpPr>
+            <a:spLocks noGrp="1"/>
+          </p:cNvSpPr>
+          <p:nvPr>
+            <p:ph type="title"/>
+          </p:nvPr>
+        </p:nvSpPr>
+        <p:spPr/>
+        <p:txBody>
+          <a:bodyPr/>
+          <a:lstStyle/>
+          <a:p>
+            <a:r>
+              <a:rPr lang="en-US" altLang="ja-JP" dirty="0" err="1"/>
+              <a:t>edge_shape.m</a:t>
+            </a:r>
+            <a:endParaRPr kumimoji="1" lang="ja-JP" altLang="en-US" dirty="0"/>
+          </a:p>
+        </p:txBody>
+      </p:sp>
+      <p:sp>
+        <p:nvSpPr>
+          <p:cNvPr id="3" name="平行四辺形 2">
+            <a:extLst>
+              <a:ext uri="{FF2B5EF4-FFF2-40B4-BE49-F238E27FC236}">
+                <a16:creationId xmlns:a16="http://schemas.microsoft.com/office/drawing/2014/main" id="{0E698500-385F-4499-BDE3-376E4C797908}"/>
+              </a:ext>
+            </a:extLst>
+          </p:cNvPr>
+          <p:cNvSpPr/>
+          <p:nvPr/>
+        </p:nvSpPr>
+        <p:spPr>
+          <a:xfrm>
+            <a:off x="1627463" y="2768367"/>
+            <a:ext cx="3431097" cy="1551964"/>
+          </a:xfrm>
+          <a:prstGeom prst="parallelogram">
+            <a:avLst/>
+          </a:prstGeom>
+          <a:noFill/>
+          <a:ln>
+            <a:solidFill>
+              <a:schemeClr val="tx1"/>
+            </a:solidFill>
+          </a:ln>
+        </p:spPr>
+        <p:style>
+          <a:lnRef idx="2">
+            <a:schemeClr val="accent1">
+              <a:shade val="50000"/>
+            </a:schemeClr>
+          </a:lnRef>
+          <a:fillRef idx="1">
+            <a:schemeClr val="accent1"/>
+          </a:fillRef>
+          <a:effectRef idx="0">
+            <a:schemeClr val="accent1"/>
+          </a:effectRef>
+          <a:fontRef idx="minor">
+            <a:schemeClr val="lt1"/>
+          </a:fontRef>
+        </p:style>
+        <p:txBody>
+          <a:bodyPr rtlCol="0" anchor="ctr"/>
+          <a:lstStyle/>
+          <a:p>
+            <a:pPr algn="ctr"/>
+            <a:endParaRPr kumimoji="1" lang="ja-JP" altLang="en-US"/>
+          </a:p>
+        </p:txBody>
+      </p:sp>
+      <p:sp>
+        <p:nvSpPr>
+          <p:cNvPr id="4" name="平行四辺形 3">
+            <a:extLst>
+              <a:ext uri="{FF2B5EF4-FFF2-40B4-BE49-F238E27FC236}">
+                <a16:creationId xmlns:a16="http://schemas.microsoft.com/office/drawing/2014/main" id="{259E2934-BFA6-4522-8832-5DB56082F7E7}"/>
+              </a:ext>
+            </a:extLst>
+          </p:cNvPr>
+          <p:cNvSpPr/>
+          <p:nvPr/>
+        </p:nvSpPr>
+        <p:spPr>
+          <a:xfrm rot="5238414" flipH="1">
+            <a:off x="1569374" y="1932444"/>
+            <a:ext cx="2246984" cy="2701017"/>
+          </a:xfrm>
+          <a:prstGeom prst="parallelogram">
+            <a:avLst>
+              <a:gd name="adj" fmla="val 38887"/>
+            </a:avLst>
+          </a:prstGeom>
+          <a:noFill/>
+          <a:ln>
+            <a:solidFill>
+              <a:schemeClr val="tx1"/>
+            </a:solidFill>
+          </a:ln>
+        </p:spPr>
+        <p:style>
+          <a:lnRef idx="2">
+            <a:schemeClr val="accent1">
+              <a:shade val="50000"/>
+            </a:schemeClr>
+          </a:lnRef>
+          <a:fillRef idx="1">
+            <a:schemeClr val="accent1"/>
+          </a:fillRef>
+          <a:effectRef idx="0">
+            <a:schemeClr val="accent1"/>
+          </a:effectRef>
+          <a:fontRef idx="minor">
+            <a:schemeClr val="lt1"/>
+          </a:fontRef>
+        </p:style>
+        <p:txBody>
+          <a:bodyPr rtlCol="0" anchor="ctr"/>
+          <a:lstStyle/>
+          <a:p>
+            <a:pPr algn="ctr"/>
+            <a:endParaRPr kumimoji="1" lang="ja-JP" altLang="en-US" dirty="0"/>
+          </a:p>
+        </p:txBody>
+      </p:sp>
+      <p:sp>
+        <p:nvSpPr>
+          <p:cNvPr id="6" name="円弧 5">
+            <a:extLst>
+              <a:ext uri="{FF2B5EF4-FFF2-40B4-BE49-F238E27FC236}">
+                <a16:creationId xmlns:a16="http://schemas.microsoft.com/office/drawing/2014/main" id="{D24081CA-8138-4110-B11C-0D625D4563D5}"/>
+              </a:ext>
+            </a:extLst>
+          </p:cNvPr>
+          <p:cNvSpPr/>
+          <p:nvPr/>
+        </p:nvSpPr>
+        <p:spPr>
+          <a:xfrm>
+            <a:off x="947955" y="3640823"/>
+            <a:ext cx="1359016" cy="1359016"/>
+          </a:xfrm>
+          <a:prstGeom prst="arc">
+            <a:avLst>
+              <a:gd name="adj1" fmla="val 20688850"/>
+              <a:gd name="adj2" fmla="val 0"/>
+            </a:avLst>
+          </a:prstGeom>
+          <a:ln w="19050">
+            <a:solidFill>
+              <a:schemeClr val="tx1"/>
+            </a:solidFill>
+          </a:ln>
+        </p:spPr>
+        <p:style>
+          <a:lnRef idx="1">
+            <a:schemeClr val="accent1"/>
+          </a:lnRef>
+          <a:fillRef idx="0">
+            <a:schemeClr val="accent1"/>
+          </a:fillRef>
+          <a:effectRef idx="0">
+            <a:schemeClr val="accent1"/>
+          </a:effectRef>
+          <a:fontRef idx="minor">
+            <a:schemeClr val="tx1"/>
+          </a:fontRef>
+        </p:style>
+        <p:txBody>
+          <a:bodyPr rtlCol="0" anchor="ctr"/>
+          <a:lstStyle/>
+          <a:p>
+            <a:pPr algn="ctr"/>
+            <a:endParaRPr kumimoji="1" lang="ja-JP" altLang="en-US"/>
+          </a:p>
+        </p:txBody>
+      </p:sp>
+      <mc:AlternateContent xmlns:mc="http://schemas.openxmlformats.org/markup-compatibility/2006">
+        <mc:Choice xmlns:a14="http://schemas.microsoft.com/office/drawing/2010/main" Requires="a14">
+          <p:sp>
+            <p:nvSpPr>
+              <p:cNvPr id="8" name="テキスト ボックス 7">
+                <a:extLst>
+                  <a:ext uri="{FF2B5EF4-FFF2-40B4-BE49-F238E27FC236}">
+                    <a16:creationId xmlns:a16="http://schemas.microsoft.com/office/drawing/2014/main" id="{3CF4F7A7-633C-4CF7-ADD9-99BBBB019ADD}"/>
+                  </a:ext>
+                </a:extLst>
+              </p:cNvPr>
+              <p:cNvSpPr txBox="1"/>
+              <p:nvPr/>
+            </p:nvSpPr>
+            <p:spPr>
+              <a:xfrm>
+                <a:off x="3498209" y="1727914"/>
+                <a:ext cx="999569" cy="369332"/>
+              </a:xfrm>
+              <a:prstGeom prst="rect">
+                <a:avLst/>
+              </a:prstGeom>
+              <a:noFill/>
+            </p:spPr>
+            <p:txBody>
+              <a:bodyPr wrap="none" rtlCol="0">
+                <a:spAutoFit/>
+              </a:bodyPr>
+              <a:lstStyle/>
+              <a:p>
+                <a:r>
+                  <a:rPr kumimoji="1" lang="en-US" altLang="ja-JP" dirty="0"/>
+                  <a:t>Plane </a:t>
+                </a:r>
+                <a14:m>
+                  <m:oMath xmlns:m="http://schemas.openxmlformats.org/officeDocument/2006/math">
+                    <m:r>
+                      <a:rPr kumimoji="1" lang="en-US" altLang="ja-JP" b="0" i="1" smtClean="0">
+                        <a:latin typeface="Cambria Math" panose="02040503050406030204" pitchFamily="18" charset="0"/>
+                      </a:rPr>
+                      <m:t>𝛼</m:t>
+                    </m:r>
+                  </m:oMath>
+                </a14:m>
+                <a:endParaRPr kumimoji="1" lang="ja-JP" altLang="en-US" dirty="0"/>
+              </a:p>
+            </p:txBody>
+          </p:sp>
+        </mc:Choice>
+        <mc:Fallback>
+          <p:sp>
+            <p:nvSpPr>
+              <p:cNvPr id="8" name="テキスト ボックス 7">
+                <a:extLst>
+                  <a:ext uri="{FF2B5EF4-FFF2-40B4-BE49-F238E27FC236}">
+                    <a16:creationId xmlns:a16="http://schemas.microsoft.com/office/drawing/2014/main" id="{3CF4F7A7-633C-4CF7-ADD9-99BBBB019ADD}"/>
+                  </a:ext>
+                </a:extLst>
+              </p:cNvPr>
+              <p:cNvSpPr txBox="1">
+                <a:spLocks noRot="1" noChangeAspect="1" noMove="1" noResize="1" noEditPoints="1" noAdjustHandles="1" noChangeArrowheads="1" noChangeShapeType="1" noTextEdit="1"/>
+              </p:cNvSpPr>
+              <p:nvPr/>
+            </p:nvSpPr>
+            <p:spPr>
+              <a:xfrm>
+                <a:off x="3498209" y="1727914"/>
+                <a:ext cx="999569" cy="369332"/>
+              </a:xfrm>
+              <a:prstGeom prst="rect">
+                <a:avLst/>
+              </a:prstGeom>
+              <a:blipFill>
+                <a:blip r:embed="rId3"/>
+                <a:stretch>
+                  <a:fillRect l="-5488" t="-6557" b="-26230"/>
+                </a:stretch>
+              </a:blipFill>
+            </p:spPr>
+            <p:txBody>
+              <a:bodyPr/>
+              <a:lstStyle/>
+              <a:p>
+                <a:r>
+                  <a:rPr lang="ja-JP" altLang="en-US">
+                    <a:noFill/>
+                  </a:rPr>
+                  <a:t> </a:t>
+                </a:r>
+              </a:p>
+            </p:txBody>
+          </p:sp>
+        </mc:Fallback>
+      </mc:AlternateContent>
+      <p:sp>
+        <p:nvSpPr>
+          <p:cNvPr id="9" name="フリーフォーム: 図形 8">
+            <a:extLst>
+              <a:ext uri="{FF2B5EF4-FFF2-40B4-BE49-F238E27FC236}">
+                <a16:creationId xmlns:a16="http://schemas.microsoft.com/office/drawing/2014/main" id="{0E78024A-015D-475B-9454-63FC3B9EAAA9}"/>
+              </a:ext>
+            </a:extLst>
+          </p:cNvPr>
+          <p:cNvSpPr/>
+          <p:nvPr/>
+        </p:nvSpPr>
+        <p:spPr>
+          <a:xfrm flipH="1">
+            <a:off x="6096000" y="576743"/>
+            <a:ext cx="628294" cy="2852257"/>
+          </a:xfrm>
+          <a:custGeom>
+            <a:avLst/>
+            <a:gdLst>
+              <a:gd name="connsiteX0" fmla="*/ 617195 w 628294"/>
+              <a:gd name="connsiteY0" fmla="*/ 0 h 2852257"/>
+              <a:gd name="connsiteX1" fmla="*/ 11099 w 628294"/>
+              <a:gd name="connsiteY1" fmla="*/ 0 h 2852257"/>
+              <a:gd name="connsiteX2" fmla="*/ 0 w 628294"/>
+              <a:gd name="connsiteY2" fmla="*/ 12694 h 2852257"/>
+              <a:gd name="connsiteX3" fmla="*/ 14239 w 628294"/>
+              <a:gd name="connsiteY3" fmla="*/ 28979 h 2852257"/>
+              <a:gd name="connsiteX4" fmla="*/ 114590 w 628294"/>
+              <a:gd name="connsiteY4" fmla="*/ 1426129 h 2852257"/>
+              <a:gd name="connsiteX5" fmla="*/ 14239 w 628294"/>
+              <a:gd name="connsiteY5" fmla="*/ 2823278 h 2852257"/>
+              <a:gd name="connsiteX6" fmla="*/ 0 w 628294"/>
+              <a:gd name="connsiteY6" fmla="*/ 2839564 h 2852257"/>
+              <a:gd name="connsiteX7" fmla="*/ 11099 w 628294"/>
+              <a:gd name="connsiteY7" fmla="*/ 2852257 h 2852257"/>
+              <a:gd name="connsiteX8" fmla="*/ 617195 w 628294"/>
+              <a:gd name="connsiteY8" fmla="*/ 2852257 h 2852257"/>
+              <a:gd name="connsiteX9" fmla="*/ 628294 w 628294"/>
+              <a:gd name="connsiteY9" fmla="*/ 2839564 h 2852257"/>
+              <a:gd name="connsiteX10" fmla="*/ 614055 w 628294"/>
+              <a:gd name="connsiteY10" fmla="*/ 2823278 h 2852257"/>
+              <a:gd name="connsiteX11" fmla="*/ 513704 w 628294"/>
+              <a:gd name="connsiteY11" fmla="*/ 1426129 h 2852257"/>
+              <a:gd name="connsiteX12" fmla="*/ 614055 w 628294"/>
+              <a:gd name="connsiteY12" fmla="*/ 28979 h 2852257"/>
+              <a:gd name="connsiteX13" fmla="*/ 628294 w 628294"/>
+              <a:gd name="connsiteY13" fmla="*/ 12694 h 2852257"/>
+            </a:gdLst>
+            <a:ahLst/>
+            <a:cxnLst>
+              <a:cxn ang="0">
+                <a:pos x="connsiteX0" y="connsiteY0"/>
+              </a:cxn>
+              <a:cxn ang="0">
+                <a:pos x="connsiteX1" y="connsiteY1"/>
+              </a:cxn>
+              <a:cxn ang="0">
+                <a:pos x="connsiteX2" y="connsiteY2"/>
+              </a:cxn>
+              <a:cxn ang="0">
+                <a:pos x="connsiteX3" y="connsiteY3"/>
+              </a:cxn>
+              <a:cxn ang="0">
+                <a:pos x="connsiteX4" y="connsiteY4"/>
+              </a:cxn>
+              <a:cxn ang="0">
+                <a:pos x="connsiteX5" y="connsiteY5"/>
+              </a:cxn>
+              <a:cxn ang="0">
+                <a:pos x="connsiteX6" y="connsiteY6"/>
+              </a:cxn>
+              <a:cxn ang="0">
+                <a:pos x="connsiteX7" y="connsiteY7"/>
+              </a:cxn>
+              <a:cxn ang="0">
+                <a:pos x="connsiteX8" y="connsiteY8"/>
+              </a:cxn>
+              <a:cxn ang="0">
+                <a:pos x="connsiteX9" y="connsiteY9"/>
+              </a:cxn>
+              <a:cxn ang="0">
+                <a:pos x="connsiteX10" y="connsiteY10"/>
+              </a:cxn>
+              <a:cxn ang="0">
+                <a:pos x="connsiteX11" y="connsiteY11"/>
+              </a:cxn>
+              <a:cxn ang="0">
+                <a:pos x="connsiteX12" y="connsiteY12"/>
+              </a:cxn>
+              <a:cxn ang="0">
+                <a:pos x="connsiteX13" y="connsiteY13"/>
+              </a:cxn>
+            </a:cxnLst>
+            <a:rect l="l" t="t" r="r" b="b"/>
+            <a:pathLst>
+              <a:path w="628294" h="2852257">
+                <a:moveTo>
+                  <a:pt x="617195" y="0"/>
+                </a:moveTo>
+                <a:lnTo>
+                  <a:pt x="11099" y="0"/>
+                </a:lnTo>
+                <a:lnTo>
+                  <a:pt x="0" y="12694"/>
+                </a:lnTo>
+                <a:lnTo>
+                  <a:pt x="14239" y="28979"/>
+                </a:lnTo>
+                <a:cubicBezTo>
+                  <a:pt x="71526" y="161982"/>
+                  <a:pt x="114590" y="737059"/>
+                  <a:pt x="114590" y="1426129"/>
+                </a:cubicBezTo>
+                <a:cubicBezTo>
+                  <a:pt x="114590" y="2115198"/>
+                  <a:pt x="71526" y="2690276"/>
+                  <a:pt x="14239" y="2823278"/>
+                </a:cubicBezTo>
+                <a:lnTo>
+                  <a:pt x="0" y="2839564"/>
+                </a:lnTo>
+                <a:lnTo>
+                  <a:pt x="11099" y="2852257"/>
+                </a:lnTo>
+                <a:lnTo>
+                  <a:pt x="617195" y="2852257"/>
+                </a:lnTo>
+                <a:lnTo>
+                  <a:pt x="628294" y="2839564"/>
+                </a:lnTo>
+                <a:lnTo>
+                  <a:pt x="614055" y="2823278"/>
+                </a:lnTo>
+                <a:cubicBezTo>
+                  <a:pt x="556768" y="2690276"/>
+                  <a:pt x="513704" y="2115198"/>
+                  <a:pt x="513704" y="1426129"/>
+                </a:cubicBezTo>
+                <a:cubicBezTo>
+                  <a:pt x="513704" y="737059"/>
+                  <a:pt x="556768" y="161982"/>
+                  <a:pt x="614055" y="28979"/>
+                </a:cubicBezTo>
+                <a:lnTo>
+                  <a:pt x="628294" y="12694"/>
+                </a:lnTo>
+                <a:close/>
+              </a:path>
+            </a:pathLst>
+          </a:custGeom>
+          <a:solidFill>
+            <a:schemeClr val="bg1"/>
+          </a:solidFill>
+          <a:ln>
+            <a:solidFill>
+              <a:schemeClr val="tx1"/>
+            </a:solidFill>
+          </a:ln>
+        </p:spPr>
+        <p:style>
+          <a:lnRef idx="2">
+            <a:schemeClr val="accent1">
+              <a:shade val="50000"/>
+            </a:schemeClr>
+          </a:lnRef>
+          <a:fillRef idx="1">
+            <a:schemeClr val="accent1"/>
+          </a:fillRef>
+          <a:effectRef idx="0">
+            <a:schemeClr val="accent1"/>
+          </a:effectRef>
+          <a:fontRef idx="minor">
+            <a:schemeClr val="lt1"/>
+          </a:fontRef>
+        </p:style>
+        <p:txBody>
+          <a:bodyPr wrap="square" rtlCol="0" anchor="ctr">
+            <a:noAutofit/>
+          </a:bodyPr>
+          <a:lstStyle/>
+          <a:p>
+            <a:pPr algn="ctr"/>
+            <a:endParaRPr kumimoji="1" lang="ja-JP" altLang="en-US"/>
+          </a:p>
+        </p:txBody>
+      </p:sp>
+      <p:cxnSp>
+        <p:nvCxnSpPr>
+          <p:cNvPr id="11" name="直線コネクタ 10">
+            <a:extLst>
+              <a:ext uri="{FF2B5EF4-FFF2-40B4-BE49-F238E27FC236}">
+                <a16:creationId xmlns:a16="http://schemas.microsoft.com/office/drawing/2014/main" id="{63ED6695-4507-44DE-BC5C-1F1EA620E250}"/>
+              </a:ext>
+            </a:extLst>
+          </p:cNvPr>
+          <p:cNvCxnSpPr/>
+          <p:nvPr/>
+        </p:nvCxnSpPr>
+        <p:spPr>
+          <a:xfrm>
+            <a:off x="6400800" y="562062"/>
+            <a:ext cx="0" cy="2866938"/>
+          </a:xfrm>
+          <a:prstGeom prst="line">
+            <a:avLst/>
+          </a:prstGeom>
+          <a:ln w="19050">
+            <a:solidFill>
+              <a:schemeClr val="tx1"/>
+            </a:solidFill>
+            <a:prstDash val="dash"/>
+          </a:ln>
+        </p:spPr>
+        <p:style>
+          <a:lnRef idx="1">
+            <a:schemeClr val="accent1"/>
+          </a:lnRef>
+          <a:fillRef idx="0">
+            <a:schemeClr val="accent1"/>
+          </a:fillRef>
+          <a:effectRef idx="0">
+            <a:schemeClr val="accent1"/>
+          </a:effectRef>
+          <a:fontRef idx="minor">
+            <a:schemeClr val="tx1"/>
+          </a:fontRef>
+        </p:style>
+      </p:cxnSp>
+      <p:sp>
+        <p:nvSpPr>
+          <p:cNvPr id="12" name="テキスト ボックス 11">
+            <a:extLst>
+              <a:ext uri="{FF2B5EF4-FFF2-40B4-BE49-F238E27FC236}">
+                <a16:creationId xmlns:a16="http://schemas.microsoft.com/office/drawing/2014/main" id="{5496CC22-7AF8-40FC-8275-D887ABB0C1FC}"/>
+              </a:ext>
+            </a:extLst>
+          </p:cNvPr>
+          <p:cNvSpPr txBox="1"/>
+          <p:nvPr/>
+        </p:nvSpPr>
+        <p:spPr>
+          <a:xfrm>
+            <a:off x="7189859" y="5155859"/>
+            <a:ext cx="4458272" cy="1200329"/>
+          </a:xfrm>
+          <a:prstGeom prst="rect">
+            <a:avLst/>
+          </a:prstGeom>
+          <a:noFill/>
+        </p:spPr>
+        <p:txBody>
+          <a:bodyPr wrap="none" rtlCol="0">
+            <a:spAutoFit/>
+          </a:bodyPr>
+          <a:lstStyle/>
+          <a:p>
+            <a:r>
+              <a:rPr kumimoji="1" lang="en-US" altLang="ja-JP" dirty="0"/>
+              <a:t>The center line.</a:t>
+            </a:r>
+          </a:p>
+          <a:p>
+            <a:r>
+              <a:rPr lang="en-US" altLang="ja-JP" dirty="0"/>
+              <a:t>I decide that it only bents to z direction; </a:t>
+            </a:r>
+          </a:p>
+          <a:p>
+            <a:r>
+              <a:rPr lang="en-US" altLang="ja-JP" dirty="0"/>
+              <a:t>t</a:t>
+            </a:r>
+            <a:r>
+              <a:rPr kumimoji="1" lang="en-US" altLang="ja-JP" dirty="0"/>
+              <a:t>his line does not bent x and y direction.</a:t>
+            </a:r>
+          </a:p>
+          <a:p>
+            <a:endParaRPr kumimoji="1" lang="ja-JP" altLang="en-US" dirty="0"/>
+          </a:p>
+        </p:txBody>
+      </p:sp>
+      <p:cxnSp>
+        <p:nvCxnSpPr>
+          <p:cNvPr id="14" name="直線矢印コネクタ 13">
+            <a:extLst>
+              <a:ext uri="{FF2B5EF4-FFF2-40B4-BE49-F238E27FC236}">
+                <a16:creationId xmlns:a16="http://schemas.microsoft.com/office/drawing/2014/main" id="{2D601AB2-1C06-4C23-8C35-4EAA3BD11196}"/>
+              </a:ext>
+            </a:extLst>
+          </p:cNvPr>
+          <p:cNvCxnSpPr/>
+          <p:nvPr/>
+        </p:nvCxnSpPr>
+        <p:spPr>
+          <a:xfrm>
+            <a:off x="5722690" y="3636629"/>
+            <a:ext cx="746620" cy="0"/>
+          </a:xfrm>
+          <a:prstGeom prst="straightConnector1">
+            <a:avLst/>
+          </a:prstGeom>
+          <a:ln>
+            <a:solidFill>
+              <a:schemeClr val="tx1"/>
+            </a:solidFill>
+            <a:tailEnd type="triangle"/>
+          </a:ln>
+        </p:spPr>
+        <p:style>
+          <a:lnRef idx="1">
+            <a:schemeClr val="accent1"/>
+          </a:lnRef>
+          <a:fillRef idx="0">
+            <a:schemeClr val="accent1"/>
+          </a:fillRef>
+          <a:effectRef idx="0">
+            <a:schemeClr val="accent1"/>
+          </a:effectRef>
+          <a:fontRef idx="minor">
+            <a:schemeClr val="tx1"/>
+          </a:fontRef>
+        </p:style>
+      </p:cxnSp>
+      <p:cxnSp>
+        <p:nvCxnSpPr>
+          <p:cNvPr id="15" name="直線矢印コネクタ 14">
+            <a:extLst>
+              <a:ext uri="{FF2B5EF4-FFF2-40B4-BE49-F238E27FC236}">
+                <a16:creationId xmlns:a16="http://schemas.microsoft.com/office/drawing/2014/main" id="{EC309A6C-5146-4EB0-B513-27F4D34B7C58}"/>
+              </a:ext>
+            </a:extLst>
+          </p:cNvPr>
+          <p:cNvCxnSpPr>
+            <a:cxnSpLocks/>
+          </p:cNvCxnSpPr>
+          <p:nvPr/>
+        </p:nvCxnSpPr>
+        <p:spPr>
+          <a:xfrm flipV="1">
+            <a:off x="5875090" y="2919369"/>
+            <a:ext cx="0" cy="869660"/>
+          </a:xfrm>
+          <a:prstGeom prst="straightConnector1">
+            <a:avLst/>
+          </a:prstGeom>
+          <a:ln>
+            <a:solidFill>
+              <a:schemeClr val="tx1"/>
+            </a:solidFill>
+            <a:tailEnd type="triangle"/>
+          </a:ln>
+        </p:spPr>
+        <p:style>
+          <a:lnRef idx="1">
+            <a:schemeClr val="accent1"/>
+          </a:lnRef>
+          <a:fillRef idx="0">
+            <a:schemeClr val="accent1"/>
+          </a:fillRef>
+          <a:effectRef idx="0">
+            <a:schemeClr val="accent1"/>
+          </a:effectRef>
+          <a:fontRef idx="minor">
+            <a:schemeClr val="tx1"/>
+          </a:fontRef>
+        </p:style>
+      </p:cxnSp>
+      <p:sp>
+        <p:nvSpPr>
+          <p:cNvPr id="17" name="テキスト ボックス 16">
+            <a:extLst>
+              <a:ext uri="{FF2B5EF4-FFF2-40B4-BE49-F238E27FC236}">
+                <a16:creationId xmlns:a16="http://schemas.microsoft.com/office/drawing/2014/main" id="{B88689F5-CCC7-48A2-B19C-261647086CC3}"/>
+              </a:ext>
+            </a:extLst>
+          </p:cNvPr>
+          <p:cNvSpPr txBox="1"/>
+          <p:nvPr/>
+        </p:nvSpPr>
+        <p:spPr>
+          <a:xfrm>
+            <a:off x="6316911" y="3625937"/>
+            <a:ext cx="298480" cy="369332"/>
+          </a:xfrm>
+          <a:prstGeom prst="rect">
+            <a:avLst/>
+          </a:prstGeom>
+          <a:noFill/>
+        </p:spPr>
+        <p:txBody>
+          <a:bodyPr wrap="none" rtlCol="0">
+            <a:spAutoFit/>
+          </a:bodyPr>
+          <a:lstStyle/>
+          <a:p>
+            <a:r>
+              <a:rPr lang="en-US" altLang="ja-JP" dirty="0"/>
+              <a:t>y</a:t>
+            </a:r>
+            <a:endParaRPr kumimoji="1" lang="ja-JP" altLang="en-US" dirty="0"/>
+          </a:p>
+        </p:txBody>
+      </p:sp>
+      <p:sp>
+        <p:nvSpPr>
+          <p:cNvPr id="18" name="テキスト ボックス 17">
+            <a:extLst>
+              <a:ext uri="{FF2B5EF4-FFF2-40B4-BE49-F238E27FC236}">
+                <a16:creationId xmlns:a16="http://schemas.microsoft.com/office/drawing/2014/main" id="{E68880CE-35AD-4BE6-A626-45CBA233706A}"/>
+              </a:ext>
+            </a:extLst>
+          </p:cNvPr>
+          <p:cNvSpPr txBox="1"/>
+          <p:nvPr/>
+        </p:nvSpPr>
+        <p:spPr>
+          <a:xfrm>
+            <a:off x="5688670" y="2560730"/>
+            <a:ext cx="296876" cy="369332"/>
+          </a:xfrm>
+          <a:prstGeom prst="rect">
+            <a:avLst/>
+          </a:prstGeom>
+          <a:noFill/>
+        </p:spPr>
+        <p:txBody>
+          <a:bodyPr wrap="none" rtlCol="0">
+            <a:spAutoFit/>
+          </a:bodyPr>
+          <a:lstStyle/>
+          <a:p>
+            <a:r>
+              <a:rPr kumimoji="1" lang="en-US" altLang="ja-JP" dirty="0"/>
+              <a:t>x</a:t>
+            </a:r>
+            <a:endParaRPr kumimoji="1" lang="ja-JP" altLang="en-US" dirty="0"/>
+          </a:p>
+        </p:txBody>
+      </p:sp>
+      <mc:AlternateContent xmlns:mc="http://schemas.openxmlformats.org/markup-compatibility/2006">
+        <mc:Choice xmlns:a14="http://schemas.microsoft.com/office/drawing/2010/main" Requires="a14">
+          <p:sp>
+            <p:nvSpPr>
+              <p:cNvPr id="19" name="テキスト ボックス 18">
+                <a:extLst>
+                  <a:ext uri="{FF2B5EF4-FFF2-40B4-BE49-F238E27FC236}">
+                    <a16:creationId xmlns:a16="http://schemas.microsoft.com/office/drawing/2014/main" id="{0400C9D3-1A55-4882-971A-A5D2E1EE4655}"/>
+                  </a:ext>
+                </a:extLst>
+              </p:cNvPr>
+              <p:cNvSpPr txBox="1"/>
+              <p:nvPr/>
+            </p:nvSpPr>
+            <p:spPr>
+              <a:xfrm>
+                <a:off x="7483474" y="3810603"/>
+                <a:ext cx="4094006" cy="646331"/>
+              </a:xfrm>
+              <a:prstGeom prst="rect">
+                <a:avLst/>
+              </a:prstGeom>
+              <a:noFill/>
+            </p:spPr>
+            <p:txBody>
+              <a:bodyPr wrap="none" rtlCol="0">
+                <a:spAutoFit/>
+              </a:bodyPr>
+              <a:lstStyle/>
+              <a:p>
+                <a:r>
+                  <a:rPr kumimoji="1" lang="en-US" altLang="ja-JP" dirty="0"/>
+                  <a:t>The edge line.</a:t>
+                </a:r>
+              </a:p>
+              <a:p>
+                <a:r>
+                  <a:rPr lang="en-US" altLang="ja-JP" dirty="0"/>
+                  <a:t>This is only to be described with </a:t>
+                </a:r>
+                <a14:m>
+                  <m:oMath xmlns:m="http://schemas.openxmlformats.org/officeDocument/2006/math">
+                    <m:r>
+                      <a:rPr lang="en-US" altLang="ja-JP" b="0" i="1" smtClean="0">
+                        <a:latin typeface="Cambria Math" panose="02040503050406030204" pitchFamily="18" charset="0"/>
+                      </a:rPr>
+                      <m:t>𝑓</m:t>
+                    </m:r>
+                    <m:r>
+                      <a:rPr lang="en-US" altLang="ja-JP" b="0" i="1" smtClean="0">
+                        <a:latin typeface="Cambria Math" panose="02040503050406030204" pitchFamily="18" charset="0"/>
+                      </a:rPr>
+                      <m:t>(</m:t>
+                    </m:r>
+                    <m:r>
+                      <a:rPr lang="en-US" altLang="ja-JP" b="0" i="1" smtClean="0">
+                        <a:latin typeface="Cambria Math" panose="02040503050406030204" pitchFamily="18" charset="0"/>
+                      </a:rPr>
+                      <m:t>𝑙</m:t>
+                    </m:r>
+                    <m:r>
+                      <a:rPr lang="en-US" altLang="ja-JP" b="0" i="1" smtClean="0">
+                        <a:latin typeface="Cambria Math" panose="02040503050406030204" pitchFamily="18" charset="0"/>
+                      </a:rPr>
+                      <m:t>)</m:t>
+                    </m:r>
+                  </m:oMath>
+                </a14:m>
+                <a:endParaRPr kumimoji="1" lang="ja-JP" altLang="en-US" dirty="0"/>
+              </a:p>
+            </p:txBody>
+          </p:sp>
+        </mc:Choice>
+        <mc:Fallback>
+          <p:sp>
+            <p:nvSpPr>
+              <p:cNvPr id="19" name="テキスト ボックス 18">
+                <a:extLst>
+                  <a:ext uri="{FF2B5EF4-FFF2-40B4-BE49-F238E27FC236}">
+                    <a16:creationId xmlns:a16="http://schemas.microsoft.com/office/drawing/2014/main" id="{0400C9D3-1A55-4882-971A-A5D2E1EE4655}"/>
+                  </a:ext>
+                </a:extLst>
+              </p:cNvPr>
+              <p:cNvSpPr txBox="1">
+                <a:spLocks noRot="1" noChangeAspect="1" noMove="1" noResize="1" noEditPoints="1" noAdjustHandles="1" noChangeArrowheads="1" noChangeShapeType="1" noTextEdit="1"/>
+              </p:cNvSpPr>
+              <p:nvPr/>
+            </p:nvSpPr>
+            <p:spPr>
+              <a:xfrm>
+                <a:off x="7483474" y="3810603"/>
+                <a:ext cx="4094006" cy="646331"/>
+              </a:xfrm>
+              <a:prstGeom prst="rect">
+                <a:avLst/>
+              </a:prstGeom>
+              <a:blipFill>
+                <a:blip r:embed="rId4"/>
+                <a:stretch>
+                  <a:fillRect l="-1341" t="-4717" b="-15094"/>
+                </a:stretch>
+              </a:blipFill>
+            </p:spPr>
+            <p:txBody>
+              <a:bodyPr/>
+              <a:lstStyle/>
+              <a:p>
+                <a:r>
+                  <a:rPr lang="ja-JP" altLang="en-US">
+                    <a:noFill/>
+                  </a:rPr>
+                  <a:t> </a:t>
+                </a:r>
+              </a:p>
+            </p:txBody>
+          </p:sp>
+        </mc:Fallback>
+      </mc:AlternateContent>
+      <p:cxnSp>
+        <p:nvCxnSpPr>
+          <p:cNvPr id="21" name="直線コネクタ 20">
+            <a:extLst>
+              <a:ext uri="{FF2B5EF4-FFF2-40B4-BE49-F238E27FC236}">
+                <a16:creationId xmlns:a16="http://schemas.microsoft.com/office/drawing/2014/main" id="{7CC31D7D-9800-4C4D-89A5-E203CE8C8882}"/>
+              </a:ext>
+            </a:extLst>
+          </p:cNvPr>
+          <p:cNvCxnSpPr/>
+          <p:nvPr/>
+        </p:nvCxnSpPr>
+        <p:spPr>
+          <a:xfrm>
+            <a:off x="6400800" y="1317072"/>
+            <a:ext cx="212987" cy="0"/>
+          </a:xfrm>
+          <a:prstGeom prst="line">
+            <a:avLst/>
+          </a:prstGeom>
+          <a:ln w="12700">
+            <a:solidFill>
+              <a:schemeClr val="tx1"/>
+            </a:solidFill>
+          </a:ln>
+        </p:spPr>
+        <p:style>
+          <a:lnRef idx="1">
+            <a:schemeClr val="accent1"/>
+          </a:lnRef>
+          <a:fillRef idx="0">
+            <a:schemeClr val="accent1"/>
+          </a:fillRef>
+          <a:effectRef idx="0">
+            <a:schemeClr val="accent1"/>
+          </a:effectRef>
+          <a:fontRef idx="minor">
+            <a:schemeClr val="tx1"/>
+          </a:fontRef>
+        </p:style>
+      </p:cxnSp>
+      <p:sp>
+        <p:nvSpPr>
+          <p:cNvPr id="22" name="フリーフォーム: 図形 21">
+            <a:extLst>
+              <a:ext uri="{FF2B5EF4-FFF2-40B4-BE49-F238E27FC236}">
+                <a16:creationId xmlns:a16="http://schemas.microsoft.com/office/drawing/2014/main" id="{CE887509-8B2E-49AA-9392-83FE36C45E70}"/>
+              </a:ext>
+            </a:extLst>
+          </p:cNvPr>
+          <p:cNvSpPr/>
+          <p:nvPr/>
+        </p:nvSpPr>
+        <p:spPr>
+          <a:xfrm>
+            <a:off x="6283354" y="562062"/>
+            <a:ext cx="109057" cy="746621"/>
+          </a:xfrm>
+          <a:custGeom>
+            <a:avLst/>
+            <a:gdLst>
+              <a:gd name="connsiteX0" fmla="*/ 109057 w 109057"/>
+              <a:gd name="connsiteY0" fmla="*/ 0 h 746621"/>
+              <a:gd name="connsiteX1" fmla="*/ 0 w 109057"/>
+              <a:gd name="connsiteY1" fmla="*/ 385894 h 746621"/>
+              <a:gd name="connsiteX2" fmla="*/ 109057 w 109057"/>
+              <a:gd name="connsiteY2" fmla="*/ 746621 h 746621"/>
+            </a:gdLst>
+            <a:ahLst/>
+            <a:cxnLst>
+              <a:cxn ang="0">
+                <a:pos x="connsiteX0" y="connsiteY0"/>
+              </a:cxn>
+              <a:cxn ang="0">
+                <a:pos x="connsiteX1" y="connsiteY1"/>
+              </a:cxn>
+              <a:cxn ang="0">
+                <a:pos x="connsiteX2" y="connsiteY2"/>
+              </a:cxn>
+            </a:cxnLst>
+            <a:rect l="l" t="t" r="r" b="b"/>
+            <a:pathLst>
+              <a:path w="109057" h="746621">
+                <a:moveTo>
+                  <a:pt x="109057" y="0"/>
+                </a:moveTo>
+                <a:cubicBezTo>
+                  <a:pt x="54528" y="130728"/>
+                  <a:pt x="0" y="261457"/>
+                  <a:pt x="0" y="385894"/>
+                </a:cubicBezTo>
+                <a:cubicBezTo>
+                  <a:pt x="0" y="510331"/>
+                  <a:pt x="109057" y="746621"/>
+                  <a:pt x="109057" y="746621"/>
+                </a:cubicBezTo>
+              </a:path>
+            </a:pathLst>
+          </a:custGeom>
+          <a:noFill/>
+          <a:ln>
+            <a:solidFill>
+              <a:schemeClr val="tx1"/>
+            </a:solidFill>
+          </a:ln>
+        </p:spPr>
+        <p:style>
+          <a:lnRef idx="2">
+            <a:schemeClr val="accent1">
+              <a:shade val="50000"/>
+            </a:schemeClr>
+          </a:lnRef>
+          <a:fillRef idx="1">
+            <a:schemeClr val="accent1"/>
+          </a:fillRef>
+          <a:effectRef idx="0">
+            <a:schemeClr val="accent1"/>
+          </a:effectRef>
+          <a:fontRef idx="minor">
+            <a:schemeClr val="lt1"/>
+          </a:fontRef>
+        </p:style>
+        <p:txBody>
+          <a:bodyPr rtlCol="0" anchor="ctr"/>
+          <a:lstStyle/>
+          <a:p>
+            <a:pPr algn="ctr"/>
+            <a:endParaRPr kumimoji="1" lang="ja-JP" altLang="en-US"/>
+          </a:p>
+        </p:txBody>
+      </p:sp>
+      <mc:AlternateContent xmlns:mc="http://schemas.openxmlformats.org/markup-compatibility/2006">
+        <mc:Choice xmlns:a14="http://schemas.microsoft.com/office/drawing/2010/main" Requires="a14">
+          <p:sp>
+            <p:nvSpPr>
+              <p:cNvPr id="23" name="テキスト ボックス 22">
+                <a:extLst>
+                  <a:ext uri="{FF2B5EF4-FFF2-40B4-BE49-F238E27FC236}">
+                    <a16:creationId xmlns:a16="http://schemas.microsoft.com/office/drawing/2014/main" id="{32237B34-4252-47A4-9B90-E06A2CAD9258}"/>
+                  </a:ext>
+                </a:extLst>
+              </p:cNvPr>
+              <p:cNvSpPr txBox="1"/>
+              <p:nvPr/>
+            </p:nvSpPr>
+            <p:spPr>
+              <a:xfrm>
+                <a:off x="6080313" y="594457"/>
+                <a:ext cx="329834" cy="369332"/>
+              </a:xfrm>
+              <a:prstGeom prst="rect">
+                <a:avLst/>
+              </a:prstGeom>
+              <a:noFill/>
+            </p:spPr>
+            <p:txBody>
+              <a:bodyPr wrap="none" rtlCol="0">
+                <a:spAutoFit/>
+              </a:bodyPr>
+              <a:lstStyle/>
+              <a:p>
+                <a14:m>
+                  <m:oMathPara xmlns:m="http://schemas.openxmlformats.org/officeDocument/2006/math">
+                    <m:oMathParaPr>
+                      <m:jc m:val="centerGroup"/>
+                    </m:oMathParaPr>
+                    <m:oMath xmlns:m="http://schemas.openxmlformats.org/officeDocument/2006/math">
+                      <m:r>
+                        <a:rPr kumimoji="1" lang="en-US" altLang="ja-JP" b="0" i="1" smtClean="0">
+                          <a:latin typeface="Cambria Math" panose="02040503050406030204" pitchFamily="18" charset="0"/>
+                        </a:rPr>
+                        <m:t>𝑙</m:t>
+                      </m:r>
+                    </m:oMath>
+                  </m:oMathPara>
+                </a14:m>
+                <a:endParaRPr kumimoji="1" lang="ja-JP" altLang="en-US" dirty="0"/>
+              </a:p>
+            </p:txBody>
+          </p:sp>
+        </mc:Choice>
+        <mc:Fallback>
+          <p:sp>
+            <p:nvSpPr>
+              <p:cNvPr id="23" name="テキスト ボックス 22">
+                <a:extLst>
+                  <a:ext uri="{FF2B5EF4-FFF2-40B4-BE49-F238E27FC236}">
+                    <a16:creationId xmlns:a16="http://schemas.microsoft.com/office/drawing/2014/main" id="{32237B34-4252-47A4-9B90-E06A2CAD9258}"/>
+                  </a:ext>
+                </a:extLst>
+              </p:cNvPr>
+              <p:cNvSpPr txBox="1">
+                <a:spLocks noRot="1" noChangeAspect="1" noMove="1" noResize="1" noEditPoints="1" noAdjustHandles="1" noChangeArrowheads="1" noChangeShapeType="1" noTextEdit="1"/>
+              </p:cNvSpPr>
+              <p:nvPr/>
+            </p:nvSpPr>
+            <p:spPr>
+              <a:xfrm>
+                <a:off x="6080313" y="594457"/>
+                <a:ext cx="329834" cy="369332"/>
+              </a:xfrm>
+              <a:prstGeom prst="rect">
+                <a:avLst/>
+              </a:prstGeom>
+              <a:blipFill>
+                <a:blip r:embed="rId5"/>
+                <a:stretch>
+                  <a:fillRect/>
+                </a:stretch>
+              </a:blipFill>
+            </p:spPr>
+            <p:txBody>
+              <a:bodyPr/>
+              <a:lstStyle/>
+              <a:p>
+                <a:r>
+                  <a:rPr lang="ja-JP" altLang="en-US">
+                    <a:noFill/>
+                  </a:rPr>
+                  <a:t> </a:t>
+                </a:r>
+              </a:p>
+            </p:txBody>
+          </p:sp>
+        </mc:Fallback>
+      </mc:AlternateContent>
+      <mc:AlternateContent xmlns:mc="http://schemas.openxmlformats.org/markup-compatibility/2006">
+        <mc:Choice xmlns:a14="http://schemas.microsoft.com/office/drawing/2010/main" Requires="a14">
+          <p:sp>
+            <p:nvSpPr>
+              <p:cNvPr id="24" name="テキスト ボックス 23">
+                <a:extLst>
+                  <a:ext uri="{FF2B5EF4-FFF2-40B4-BE49-F238E27FC236}">
+                    <a16:creationId xmlns:a16="http://schemas.microsoft.com/office/drawing/2014/main" id="{CD722A61-E7D7-4F60-8F9F-14FE2A28D947}"/>
+                  </a:ext>
+                </a:extLst>
+              </p:cNvPr>
+              <p:cNvSpPr txBox="1"/>
+              <p:nvPr/>
+            </p:nvSpPr>
+            <p:spPr>
+              <a:xfrm>
+                <a:off x="6934225" y="457508"/>
+                <a:ext cx="470898" cy="276999"/>
+              </a:xfrm>
+              <a:prstGeom prst="rect">
+                <a:avLst/>
+              </a:prstGeom>
+              <a:noFill/>
+            </p:spPr>
+            <p:txBody>
+              <a:bodyPr wrap="none" lIns="0" tIns="0" rIns="0" bIns="0" rtlCol="0">
+                <a:spAutoFit/>
+              </a:bodyPr>
+              <a:lstStyle/>
+              <a:p>
+                <a14:m>
+                  <m:oMathPara xmlns:m="http://schemas.openxmlformats.org/officeDocument/2006/math">
+                    <m:oMathParaPr>
+                      <m:jc m:val="centerGroup"/>
+                    </m:oMathParaPr>
+                    <m:oMath xmlns:m="http://schemas.openxmlformats.org/officeDocument/2006/math">
+                      <m:r>
+                        <a:rPr kumimoji="1" lang="en-US" altLang="ja-JP" b="0" i="1" smtClean="0">
+                          <a:latin typeface="Cambria Math" panose="02040503050406030204" pitchFamily="18" charset="0"/>
+                        </a:rPr>
+                        <m:t>𝑓</m:t>
+                      </m:r>
+                      <m:r>
+                        <a:rPr kumimoji="1" lang="en-US" altLang="ja-JP" b="0" i="1" smtClean="0">
+                          <a:latin typeface="Cambria Math" panose="02040503050406030204" pitchFamily="18" charset="0"/>
+                        </a:rPr>
+                        <m:t>(</m:t>
+                      </m:r>
+                      <m:r>
+                        <a:rPr kumimoji="1" lang="en-US" altLang="ja-JP" b="0" i="1" smtClean="0">
+                          <a:latin typeface="Cambria Math" panose="02040503050406030204" pitchFamily="18" charset="0"/>
+                        </a:rPr>
+                        <m:t>𝑙</m:t>
+                      </m:r>
+                      <m:r>
+                        <a:rPr kumimoji="1" lang="en-US" altLang="ja-JP" b="0" i="1" smtClean="0">
+                          <a:latin typeface="Cambria Math" panose="02040503050406030204" pitchFamily="18" charset="0"/>
+                        </a:rPr>
+                        <m:t>)</m:t>
+                      </m:r>
+                    </m:oMath>
+                  </m:oMathPara>
+                </a14:m>
+                <a:endParaRPr kumimoji="1" lang="ja-JP" altLang="en-US" dirty="0"/>
+              </a:p>
+            </p:txBody>
+          </p:sp>
+        </mc:Choice>
+        <mc:Fallback>
+          <p:sp>
+            <p:nvSpPr>
+              <p:cNvPr id="24" name="テキスト ボックス 23">
+                <a:extLst>
+                  <a:ext uri="{FF2B5EF4-FFF2-40B4-BE49-F238E27FC236}">
+                    <a16:creationId xmlns:a16="http://schemas.microsoft.com/office/drawing/2014/main" id="{CD722A61-E7D7-4F60-8F9F-14FE2A28D947}"/>
+                  </a:ext>
+                </a:extLst>
+              </p:cNvPr>
+              <p:cNvSpPr txBox="1">
+                <a:spLocks noRot="1" noChangeAspect="1" noMove="1" noResize="1" noEditPoints="1" noAdjustHandles="1" noChangeArrowheads="1" noChangeShapeType="1" noTextEdit="1"/>
+              </p:cNvSpPr>
+              <p:nvPr/>
+            </p:nvSpPr>
+            <p:spPr>
+              <a:xfrm>
+                <a:off x="6934225" y="457508"/>
+                <a:ext cx="470898" cy="276999"/>
+              </a:xfrm>
+              <a:prstGeom prst="rect">
+                <a:avLst/>
+              </a:prstGeom>
+              <a:blipFill>
+                <a:blip r:embed="rId6"/>
+                <a:stretch>
+                  <a:fillRect l="-15584" t="-2222" r="-16883" b="-35556"/>
+                </a:stretch>
+              </a:blipFill>
+            </p:spPr>
+            <p:txBody>
+              <a:bodyPr/>
+              <a:lstStyle/>
+              <a:p>
+                <a:r>
+                  <a:rPr lang="ja-JP" altLang="en-US">
+                    <a:noFill/>
+                  </a:rPr>
+                  <a:t> </a:t>
+                </a:r>
+              </a:p>
+            </p:txBody>
+          </p:sp>
+        </mc:Fallback>
+      </mc:AlternateContent>
+      <p:cxnSp>
+        <p:nvCxnSpPr>
+          <p:cNvPr id="28" name="直線矢印コネクタ 27">
+            <a:extLst>
+              <a:ext uri="{FF2B5EF4-FFF2-40B4-BE49-F238E27FC236}">
+                <a16:creationId xmlns:a16="http://schemas.microsoft.com/office/drawing/2014/main" id="{1B9C523D-F1F8-450E-8C06-685D39D42838}"/>
+              </a:ext>
+            </a:extLst>
+          </p:cNvPr>
+          <p:cNvCxnSpPr>
+            <a:cxnSpLocks/>
+            <a:stCxn id="24" idx="2"/>
+          </p:cNvCxnSpPr>
+          <p:nvPr/>
+        </p:nvCxnSpPr>
+        <p:spPr>
+          <a:xfrm flipH="1">
+            <a:off x="6507294" y="734507"/>
+            <a:ext cx="662380" cy="523842"/>
+          </a:xfrm>
+          <a:prstGeom prst="straightConnector1">
+            <a:avLst/>
+          </a:prstGeom>
+          <a:ln>
+            <a:tailEnd type="triangle"/>
+          </a:ln>
+        </p:spPr>
+        <p:style>
+          <a:lnRef idx="1">
+            <a:schemeClr val="dk1"/>
+          </a:lnRef>
+          <a:fillRef idx="0">
+            <a:schemeClr val="dk1"/>
+          </a:fillRef>
+          <a:effectRef idx="0">
+            <a:schemeClr val="dk1"/>
+          </a:effectRef>
+          <a:fontRef idx="minor">
+            <a:schemeClr val="tx1"/>
+          </a:fontRef>
+        </p:style>
+      </p:cxnSp>
+      <p:sp>
+        <p:nvSpPr>
+          <p:cNvPr id="30" name="フリーフォーム: 図形 29">
+            <a:extLst>
+              <a:ext uri="{FF2B5EF4-FFF2-40B4-BE49-F238E27FC236}">
+                <a16:creationId xmlns:a16="http://schemas.microsoft.com/office/drawing/2014/main" id="{2AD80647-2D44-429D-8C83-D53368F1B248}"/>
+              </a:ext>
+            </a:extLst>
+          </p:cNvPr>
+          <p:cNvSpPr/>
+          <p:nvPr/>
+        </p:nvSpPr>
+        <p:spPr>
+          <a:xfrm>
+            <a:off x="2440743" y="2483141"/>
+            <a:ext cx="956798" cy="1163391"/>
+          </a:xfrm>
+          <a:custGeom>
+            <a:avLst/>
+            <a:gdLst>
+              <a:gd name="connsiteX0" fmla="*/ 805796 w 956798"/>
+              <a:gd name="connsiteY0" fmla="*/ 0 h 1163391"/>
+              <a:gd name="connsiteX1" fmla="*/ 235345 w 956798"/>
+              <a:gd name="connsiteY1" fmla="*/ 352338 h 1163391"/>
+              <a:gd name="connsiteX2" fmla="*/ 453 w 956798"/>
+              <a:gd name="connsiteY2" fmla="*/ 855677 h 1163391"/>
+              <a:gd name="connsiteX3" fmla="*/ 285679 w 956798"/>
+              <a:gd name="connsiteY3" fmla="*/ 1140903 h 1163391"/>
+              <a:gd name="connsiteX4" fmla="*/ 956798 w 956798"/>
+              <a:gd name="connsiteY4" fmla="*/ 1124125 h 1163391"/>
+            </a:gdLst>
+            <a:ahLst/>
+            <a:cxnLst>
+              <a:cxn ang="0">
+                <a:pos x="connsiteX0" y="connsiteY0"/>
+              </a:cxn>
+              <a:cxn ang="0">
+                <a:pos x="connsiteX1" y="connsiteY1"/>
+              </a:cxn>
+              <a:cxn ang="0">
+                <a:pos x="connsiteX2" y="connsiteY2"/>
+              </a:cxn>
+              <a:cxn ang="0">
+                <a:pos x="connsiteX3" y="connsiteY3"/>
+              </a:cxn>
+              <a:cxn ang="0">
+                <a:pos x="connsiteX4" y="connsiteY4"/>
+              </a:cxn>
+            </a:cxnLst>
+            <a:rect l="l" t="t" r="r" b="b"/>
+            <a:pathLst>
+              <a:path w="956798" h="1163391">
+                <a:moveTo>
+                  <a:pt x="805796" y="0"/>
+                </a:moveTo>
+                <a:cubicBezTo>
+                  <a:pt x="587682" y="104862"/>
+                  <a:pt x="369569" y="209725"/>
+                  <a:pt x="235345" y="352338"/>
+                </a:cubicBezTo>
+                <a:cubicBezTo>
+                  <a:pt x="101121" y="494951"/>
+                  <a:pt x="-7936" y="724250"/>
+                  <a:pt x="453" y="855677"/>
+                </a:cubicBezTo>
+                <a:cubicBezTo>
+                  <a:pt x="8842" y="987104"/>
+                  <a:pt x="126288" y="1096162"/>
+                  <a:pt x="285679" y="1140903"/>
+                </a:cubicBezTo>
+                <a:cubicBezTo>
+                  <a:pt x="445070" y="1185644"/>
+                  <a:pt x="700934" y="1154884"/>
+                  <a:pt x="956798" y="1124125"/>
+                </a:cubicBezTo>
+              </a:path>
+            </a:pathLst>
+          </a:custGeom>
+          <a:ln w="12700">
+            <a:prstDash val="dash"/>
+          </a:ln>
+        </p:spPr>
+        <p:style>
+          <a:lnRef idx="1">
+            <a:schemeClr val="dk1"/>
+          </a:lnRef>
+          <a:fillRef idx="0">
+            <a:schemeClr val="dk1"/>
+          </a:fillRef>
+          <a:effectRef idx="0">
+            <a:schemeClr val="dk1"/>
+          </a:effectRef>
+          <a:fontRef idx="minor">
+            <a:schemeClr val="tx1"/>
+          </a:fontRef>
+        </p:style>
+        <p:txBody>
+          <a:bodyPr rtlCol="0" anchor="ctr"/>
+          <a:lstStyle/>
+          <a:p>
+            <a:pPr algn="ctr"/>
+            <a:endParaRPr kumimoji="1" lang="ja-JP" altLang="en-US"/>
+          </a:p>
+        </p:txBody>
+      </p:sp>
+      <p:sp>
+        <p:nvSpPr>
+          <p:cNvPr id="31" name="フリーフォーム: 図形 30">
+            <a:extLst>
+              <a:ext uri="{FF2B5EF4-FFF2-40B4-BE49-F238E27FC236}">
+                <a16:creationId xmlns:a16="http://schemas.microsoft.com/office/drawing/2014/main" id="{7E314109-2EBC-4A11-A281-1F075DF4D552}"/>
+              </a:ext>
+            </a:extLst>
+          </p:cNvPr>
+          <p:cNvSpPr/>
+          <p:nvPr/>
+        </p:nvSpPr>
+        <p:spPr>
+          <a:xfrm>
+            <a:off x="3127986" y="2877424"/>
+            <a:ext cx="965842" cy="1283515"/>
+          </a:xfrm>
+          <a:custGeom>
+            <a:avLst/>
+            <a:gdLst>
+              <a:gd name="connsiteX0" fmla="*/ 965842 w 965842"/>
+              <a:gd name="connsiteY0" fmla="*/ 0 h 1283515"/>
+              <a:gd name="connsiteX1" fmla="*/ 353445 w 965842"/>
+              <a:gd name="connsiteY1" fmla="*/ 134224 h 1283515"/>
+              <a:gd name="connsiteX2" fmla="*/ 17886 w 965842"/>
+              <a:gd name="connsiteY2" fmla="*/ 570451 h 1283515"/>
+              <a:gd name="connsiteX3" fmla="*/ 135331 w 965842"/>
+              <a:gd name="connsiteY3" fmla="*/ 1090569 h 1283515"/>
+              <a:gd name="connsiteX4" fmla="*/ 881952 w 965842"/>
+              <a:gd name="connsiteY4" fmla="*/ 1283515 h 1283515"/>
+            </a:gdLst>
+            <a:ahLst/>
+            <a:cxnLst>
+              <a:cxn ang="0">
+                <a:pos x="connsiteX0" y="connsiteY0"/>
+              </a:cxn>
+              <a:cxn ang="0">
+                <a:pos x="connsiteX1" y="connsiteY1"/>
+              </a:cxn>
+              <a:cxn ang="0">
+                <a:pos x="connsiteX2" y="connsiteY2"/>
+              </a:cxn>
+              <a:cxn ang="0">
+                <a:pos x="connsiteX3" y="connsiteY3"/>
+              </a:cxn>
+              <a:cxn ang="0">
+                <a:pos x="connsiteX4" y="connsiteY4"/>
+              </a:cxn>
+            </a:cxnLst>
+            <a:rect l="l" t="t" r="r" b="b"/>
+            <a:pathLst>
+              <a:path w="965842" h="1283515">
+                <a:moveTo>
+                  <a:pt x="965842" y="0"/>
+                </a:moveTo>
+                <a:cubicBezTo>
+                  <a:pt x="738640" y="19574"/>
+                  <a:pt x="511438" y="39149"/>
+                  <a:pt x="353445" y="134224"/>
+                </a:cubicBezTo>
+                <a:cubicBezTo>
+                  <a:pt x="195452" y="229299"/>
+                  <a:pt x="54238" y="411060"/>
+                  <a:pt x="17886" y="570451"/>
+                </a:cubicBezTo>
+                <a:cubicBezTo>
+                  <a:pt x="-18466" y="729842"/>
+                  <a:pt x="-8680" y="971725"/>
+                  <a:pt x="135331" y="1090569"/>
+                </a:cubicBezTo>
+                <a:cubicBezTo>
+                  <a:pt x="279342" y="1209413"/>
+                  <a:pt x="580647" y="1246464"/>
+                  <a:pt x="881952" y="1283515"/>
+                </a:cubicBezTo>
+              </a:path>
+            </a:pathLst>
+          </a:custGeom>
+          <a:ln w="12700"/>
+        </p:spPr>
+        <p:style>
+          <a:lnRef idx="1">
+            <a:schemeClr val="dk1"/>
+          </a:lnRef>
+          <a:fillRef idx="0">
+            <a:schemeClr val="dk1"/>
+          </a:fillRef>
+          <a:effectRef idx="0">
+            <a:schemeClr val="dk1"/>
+          </a:effectRef>
+          <a:fontRef idx="minor">
+            <a:schemeClr val="tx1"/>
+          </a:fontRef>
+        </p:style>
+        <p:txBody>
+          <a:bodyPr rtlCol="0" anchor="ctr"/>
+          <a:lstStyle/>
+          <a:p>
+            <a:pPr algn="ctr"/>
+            <a:endParaRPr kumimoji="1" lang="ja-JP" altLang="en-US"/>
+          </a:p>
+        </p:txBody>
+      </p:sp>
+      <p:cxnSp>
+        <p:nvCxnSpPr>
+          <p:cNvPr id="35" name="直線矢印コネクタ 34">
+            <a:extLst>
+              <a:ext uri="{FF2B5EF4-FFF2-40B4-BE49-F238E27FC236}">
+                <a16:creationId xmlns:a16="http://schemas.microsoft.com/office/drawing/2014/main" id="{25D85D94-4C16-4DEF-96B9-00BFFDF1ACF8}"/>
+              </a:ext>
+            </a:extLst>
+          </p:cNvPr>
+          <p:cNvCxnSpPr>
+            <a:cxnSpLocks/>
+          </p:cNvCxnSpPr>
+          <p:nvPr/>
+        </p:nvCxnSpPr>
+        <p:spPr>
+          <a:xfrm flipH="1">
+            <a:off x="1518408" y="2157957"/>
+            <a:ext cx="897413" cy="3143885"/>
+          </a:xfrm>
+          <a:prstGeom prst="straightConnector1">
+            <a:avLst/>
+          </a:prstGeom>
+          <a:ln>
+            <a:tailEnd type="triangle"/>
+          </a:ln>
+        </p:spPr>
+        <p:style>
+          <a:lnRef idx="1">
+            <a:schemeClr val="dk1"/>
+          </a:lnRef>
+          <a:fillRef idx="0">
+            <a:schemeClr val="dk1"/>
+          </a:fillRef>
+          <a:effectRef idx="0">
+            <a:schemeClr val="dk1"/>
+          </a:effectRef>
+          <a:fontRef idx="minor">
+            <a:schemeClr val="tx1"/>
+          </a:fontRef>
+        </p:style>
+      </p:cxnSp>
+      <p:sp>
+        <p:nvSpPr>
+          <p:cNvPr id="37" name="テキスト ボックス 36">
+            <a:extLst>
+              <a:ext uri="{FF2B5EF4-FFF2-40B4-BE49-F238E27FC236}">
+                <a16:creationId xmlns:a16="http://schemas.microsoft.com/office/drawing/2014/main" id="{51AF4329-7D74-43F3-81D4-F61C2CECDF74}"/>
+              </a:ext>
+            </a:extLst>
+          </p:cNvPr>
+          <p:cNvSpPr txBox="1"/>
+          <p:nvPr/>
+        </p:nvSpPr>
+        <p:spPr>
+          <a:xfrm>
+            <a:off x="1524003" y="5268178"/>
+            <a:ext cx="296876" cy="369332"/>
+          </a:xfrm>
+          <a:prstGeom prst="rect">
+            <a:avLst/>
+          </a:prstGeom>
+          <a:noFill/>
+        </p:spPr>
+        <p:txBody>
+          <a:bodyPr wrap="none" rtlCol="0">
+            <a:spAutoFit/>
+          </a:bodyPr>
+          <a:lstStyle/>
+          <a:p>
+            <a:r>
+              <a:rPr kumimoji="1" lang="en-US" altLang="ja-JP" dirty="0"/>
+              <a:t>x</a:t>
+            </a:r>
+            <a:endParaRPr kumimoji="1" lang="ja-JP" altLang="en-US" dirty="0"/>
+          </a:p>
+        </p:txBody>
+      </p:sp>
+      <p:cxnSp>
+        <p:nvCxnSpPr>
+          <p:cNvPr id="39" name="直線矢印コネクタ 38">
+            <a:extLst>
+              <a:ext uri="{FF2B5EF4-FFF2-40B4-BE49-F238E27FC236}">
+                <a16:creationId xmlns:a16="http://schemas.microsoft.com/office/drawing/2014/main" id="{1ACAF78F-4E6D-4238-A8BC-2E56C34E7C2E}"/>
+              </a:ext>
+            </a:extLst>
+          </p:cNvPr>
+          <p:cNvCxnSpPr>
+            <a:stCxn id="30" idx="1"/>
+            <a:endCxn id="31" idx="1"/>
+          </p:cNvCxnSpPr>
+          <p:nvPr/>
+        </p:nvCxnSpPr>
+        <p:spPr>
+          <a:xfrm>
+            <a:off x="2676088" y="2835479"/>
+            <a:ext cx="805343" cy="176169"/>
+          </a:xfrm>
+          <a:prstGeom prst="straightConnector1">
+            <a:avLst/>
+          </a:prstGeom>
+          <a:ln w="12700">
+            <a:solidFill>
+              <a:schemeClr val="tx1"/>
+            </a:solidFill>
+            <a:headEnd type="arrow" w="med" len="med"/>
+            <a:tailEnd type="arrow" w="med" len="med"/>
+          </a:ln>
+        </p:spPr>
+        <p:style>
+          <a:lnRef idx="1">
+            <a:schemeClr val="accent1"/>
+          </a:lnRef>
+          <a:fillRef idx="0">
+            <a:schemeClr val="accent1"/>
+          </a:fillRef>
+          <a:effectRef idx="0">
+            <a:schemeClr val="accent1"/>
+          </a:effectRef>
+          <a:fontRef idx="minor">
+            <a:schemeClr val="tx1"/>
+          </a:fontRef>
+        </p:style>
+      </p:cxnSp>
+      <mc:AlternateContent xmlns:mc="http://schemas.openxmlformats.org/markup-compatibility/2006">
+        <mc:Choice xmlns:a14="http://schemas.microsoft.com/office/drawing/2010/main" Requires="a14">
+          <p:sp>
+            <p:nvSpPr>
+              <p:cNvPr id="40" name="テキスト ボックス 39">
+                <a:extLst>
+                  <a:ext uri="{FF2B5EF4-FFF2-40B4-BE49-F238E27FC236}">
+                    <a16:creationId xmlns:a16="http://schemas.microsoft.com/office/drawing/2014/main" id="{55888503-A057-41F1-9046-44FCB18CBEA6}"/>
+                  </a:ext>
+                </a:extLst>
+              </p:cNvPr>
+              <p:cNvSpPr txBox="1"/>
+              <p:nvPr/>
+            </p:nvSpPr>
+            <p:spPr>
+              <a:xfrm>
+                <a:off x="2786657" y="2947313"/>
+                <a:ext cx="470898" cy="276999"/>
+              </a:xfrm>
+              <a:prstGeom prst="rect">
+                <a:avLst/>
+              </a:prstGeom>
+              <a:noFill/>
+            </p:spPr>
+            <p:txBody>
+              <a:bodyPr wrap="square" lIns="0" tIns="0" rIns="0" bIns="0" rtlCol="0">
+                <a:spAutoFit/>
+              </a:bodyPr>
+              <a:lstStyle/>
+              <a:p>
+                <a14:m>
+                  <m:oMathPara xmlns:m="http://schemas.openxmlformats.org/officeDocument/2006/math">
+                    <m:oMathParaPr>
+                      <m:jc m:val="centerGroup"/>
+                    </m:oMathParaPr>
+                    <m:oMath xmlns:m="http://schemas.openxmlformats.org/officeDocument/2006/math">
+                      <m:r>
+                        <a:rPr kumimoji="1" lang="en-US" altLang="ja-JP" b="0" i="1" smtClean="0">
+                          <a:latin typeface="Cambria Math" panose="02040503050406030204" pitchFamily="18" charset="0"/>
+                        </a:rPr>
+                        <m:t>𝑓</m:t>
+                      </m:r>
+                      <m:r>
+                        <a:rPr kumimoji="1" lang="en-US" altLang="ja-JP" b="0" i="1" smtClean="0">
+                          <a:latin typeface="Cambria Math" panose="02040503050406030204" pitchFamily="18" charset="0"/>
+                        </a:rPr>
+                        <m:t>(</m:t>
+                      </m:r>
+                      <m:r>
+                        <a:rPr kumimoji="1" lang="en-US" altLang="ja-JP" b="0" i="1" smtClean="0">
+                          <a:latin typeface="Cambria Math" panose="02040503050406030204" pitchFamily="18" charset="0"/>
+                        </a:rPr>
+                        <m:t>𝑙</m:t>
+                      </m:r>
+                      <m:r>
+                        <a:rPr kumimoji="1" lang="en-US" altLang="ja-JP" b="0" i="1" smtClean="0">
+                          <a:latin typeface="Cambria Math" panose="02040503050406030204" pitchFamily="18" charset="0"/>
+                        </a:rPr>
+                        <m:t>)</m:t>
+                      </m:r>
+                    </m:oMath>
+                  </m:oMathPara>
+                </a14:m>
+                <a:endParaRPr kumimoji="1" lang="ja-JP" altLang="en-US" dirty="0"/>
+              </a:p>
+            </p:txBody>
+          </p:sp>
+        </mc:Choice>
+        <mc:Fallback>
+          <p:sp>
+            <p:nvSpPr>
+              <p:cNvPr id="40" name="テキスト ボックス 39">
+                <a:extLst>
+                  <a:ext uri="{FF2B5EF4-FFF2-40B4-BE49-F238E27FC236}">
+                    <a16:creationId xmlns:a16="http://schemas.microsoft.com/office/drawing/2014/main" id="{55888503-A057-41F1-9046-44FCB18CBEA6}"/>
+                  </a:ext>
+                </a:extLst>
+              </p:cNvPr>
+              <p:cNvSpPr txBox="1">
+                <a:spLocks noRot="1" noChangeAspect="1" noMove="1" noResize="1" noEditPoints="1" noAdjustHandles="1" noChangeArrowheads="1" noChangeShapeType="1" noTextEdit="1"/>
+              </p:cNvSpPr>
+              <p:nvPr/>
+            </p:nvSpPr>
+            <p:spPr>
+              <a:xfrm>
+                <a:off x="2786657" y="2947313"/>
+                <a:ext cx="470898" cy="276999"/>
+              </a:xfrm>
+              <a:prstGeom prst="rect">
+                <a:avLst/>
+              </a:prstGeom>
+              <a:blipFill>
+                <a:blip r:embed="rId7"/>
+                <a:stretch>
+                  <a:fillRect l="-15584" t="-2174" r="-16883" b="-32609"/>
+                </a:stretch>
+              </a:blipFill>
+            </p:spPr>
+            <p:txBody>
+              <a:bodyPr/>
+              <a:lstStyle/>
+              <a:p>
+                <a:r>
+                  <a:rPr lang="ja-JP" altLang="en-US">
+                    <a:noFill/>
+                  </a:rPr>
+                  <a:t> </a:t>
+                </a:r>
+              </a:p>
+            </p:txBody>
+          </p:sp>
+        </mc:Fallback>
+      </mc:AlternateContent>
+      <p:cxnSp>
+        <p:nvCxnSpPr>
+          <p:cNvPr id="44" name="直線矢印コネクタ 43">
+            <a:extLst>
+              <a:ext uri="{FF2B5EF4-FFF2-40B4-BE49-F238E27FC236}">
+                <a16:creationId xmlns:a16="http://schemas.microsoft.com/office/drawing/2014/main" id="{2D109392-3E99-4535-9CC6-F2AE3C615D00}"/>
+              </a:ext>
+            </a:extLst>
+          </p:cNvPr>
+          <p:cNvCxnSpPr>
+            <a:stCxn id="12" idx="1"/>
+          </p:cNvCxnSpPr>
+          <p:nvPr/>
+        </p:nvCxnSpPr>
+        <p:spPr>
+          <a:xfrm flipH="1" flipV="1">
+            <a:off x="3397541" y="3625940"/>
+            <a:ext cx="3792318" cy="2130084"/>
+          </a:xfrm>
+          <a:prstGeom prst="straightConnector1">
+            <a:avLst/>
+          </a:prstGeom>
+          <a:ln>
+            <a:tailEnd type="triangle"/>
+          </a:ln>
+        </p:spPr>
+        <p:style>
+          <a:lnRef idx="1">
+            <a:schemeClr val="accent1"/>
+          </a:lnRef>
+          <a:fillRef idx="0">
+            <a:schemeClr val="accent1"/>
+          </a:fillRef>
+          <a:effectRef idx="0">
+            <a:schemeClr val="accent1"/>
+          </a:effectRef>
+          <a:fontRef idx="minor">
+            <a:schemeClr val="tx1"/>
+          </a:fontRef>
+        </p:style>
+      </p:cxnSp>
+      <p:cxnSp>
+        <p:nvCxnSpPr>
+          <p:cNvPr id="46" name="直線矢印コネクタ 45">
+            <a:extLst>
+              <a:ext uri="{FF2B5EF4-FFF2-40B4-BE49-F238E27FC236}">
+                <a16:creationId xmlns:a16="http://schemas.microsoft.com/office/drawing/2014/main" id="{11D43789-B760-48C9-8794-2BFE65158C09}"/>
+              </a:ext>
+            </a:extLst>
+          </p:cNvPr>
+          <p:cNvCxnSpPr>
+            <a:stCxn id="12" idx="1"/>
+          </p:cNvCxnSpPr>
+          <p:nvPr/>
+        </p:nvCxnSpPr>
+        <p:spPr>
+          <a:xfrm flipH="1" flipV="1">
+            <a:off x="6466151" y="2907944"/>
+            <a:ext cx="723708" cy="2848080"/>
+          </a:xfrm>
+          <a:prstGeom prst="straightConnector1">
+            <a:avLst/>
+          </a:prstGeom>
+          <a:ln>
+            <a:tailEnd type="triangle"/>
+          </a:ln>
+        </p:spPr>
+        <p:style>
+          <a:lnRef idx="1">
+            <a:schemeClr val="accent1"/>
+          </a:lnRef>
+          <a:fillRef idx="0">
+            <a:schemeClr val="accent1"/>
+          </a:fillRef>
+          <a:effectRef idx="0">
+            <a:schemeClr val="accent1"/>
+          </a:effectRef>
+          <a:fontRef idx="minor">
+            <a:schemeClr val="tx1"/>
+          </a:fontRef>
+        </p:style>
+      </p:cxnSp>
+      <p:cxnSp>
+        <p:nvCxnSpPr>
+          <p:cNvPr id="48" name="直線矢印コネクタ 47">
+            <a:extLst>
+              <a:ext uri="{FF2B5EF4-FFF2-40B4-BE49-F238E27FC236}">
+                <a16:creationId xmlns:a16="http://schemas.microsoft.com/office/drawing/2014/main" id="{D8F69D19-414F-4A41-863D-24C24B336E3A}"/>
+              </a:ext>
+            </a:extLst>
+          </p:cNvPr>
+          <p:cNvCxnSpPr>
+            <a:stCxn id="19" idx="1"/>
+            <a:endCxn id="31" idx="3"/>
+          </p:cNvCxnSpPr>
+          <p:nvPr/>
+        </p:nvCxnSpPr>
+        <p:spPr>
+          <a:xfrm flipH="1" flipV="1">
+            <a:off x="3263317" y="3967993"/>
+            <a:ext cx="4220157" cy="165776"/>
+          </a:xfrm>
+          <a:prstGeom prst="straightConnector1">
+            <a:avLst/>
+          </a:prstGeom>
+          <a:ln>
+            <a:tailEnd type="triangle"/>
+          </a:ln>
+        </p:spPr>
+        <p:style>
+          <a:lnRef idx="1">
+            <a:schemeClr val="accent2"/>
+          </a:lnRef>
+          <a:fillRef idx="0">
+            <a:schemeClr val="accent2"/>
+          </a:fillRef>
+          <a:effectRef idx="0">
+            <a:schemeClr val="accent2"/>
+          </a:effectRef>
+          <a:fontRef idx="minor">
+            <a:schemeClr val="tx1"/>
+          </a:fontRef>
+        </p:style>
+      </p:cxnSp>
+      <p:cxnSp>
+        <p:nvCxnSpPr>
+          <p:cNvPr id="50" name="直線矢印コネクタ 49">
+            <a:extLst>
+              <a:ext uri="{FF2B5EF4-FFF2-40B4-BE49-F238E27FC236}">
+                <a16:creationId xmlns:a16="http://schemas.microsoft.com/office/drawing/2014/main" id="{CE450019-77BA-40FF-874A-5462352E61BC}"/>
+              </a:ext>
+            </a:extLst>
+          </p:cNvPr>
+          <p:cNvCxnSpPr>
+            <a:stCxn id="19" idx="1"/>
+            <a:endCxn id="9" idx="4"/>
+          </p:cNvCxnSpPr>
+          <p:nvPr/>
+        </p:nvCxnSpPr>
+        <p:spPr>
+          <a:xfrm flipH="1" flipV="1">
+            <a:off x="6609704" y="2002872"/>
+            <a:ext cx="873770" cy="2130897"/>
+          </a:xfrm>
+          <a:prstGeom prst="straightConnector1">
+            <a:avLst/>
+          </a:prstGeom>
+          <a:ln>
+            <a:tailEnd type="triangle"/>
+          </a:ln>
+        </p:spPr>
+        <p:style>
+          <a:lnRef idx="1">
+            <a:schemeClr val="accent2"/>
+          </a:lnRef>
+          <a:fillRef idx="0">
+            <a:schemeClr val="accent2"/>
+          </a:fillRef>
+          <a:effectRef idx="0">
+            <a:schemeClr val="accent2"/>
+          </a:effectRef>
+          <a:fontRef idx="minor">
+            <a:schemeClr val="tx1"/>
+          </a:fontRef>
+        </p:style>
+      </p:cxnSp>
+      <p:grpSp>
+        <p:nvGrpSpPr>
+          <p:cNvPr id="53" name="グループ化 52">
+            <a:extLst>
+              <a:ext uri="{FF2B5EF4-FFF2-40B4-BE49-F238E27FC236}">
+                <a16:creationId xmlns:a16="http://schemas.microsoft.com/office/drawing/2014/main" id="{E7DCFA49-ADA9-4539-A008-510E6CBEE201}"/>
+              </a:ext>
+            </a:extLst>
+          </p:cNvPr>
+          <p:cNvGrpSpPr/>
+          <p:nvPr/>
+        </p:nvGrpSpPr>
+        <p:grpSpPr>
+          <a:xfrm>
+            <a:off x="1447852" y="4978092"/>
+            <a:ext cx="892701" cy="369332"/>
+            <a:chOff x="1463056" y="4710037"/>
+            <a:chExt cx="892701" cy="369332"/>
+          </a:xfrm>
+        </p:grpSpPr>
+        <p:cxnSp>
+          <p:nvCxnSpPr>
+            <p:cNvPr id="51" name="直線矢印コネクタ 50">
+              <a:extLst>
+                <a:ext uri="{FF2B5EF4-FFF2-40B4-BE49-F238E27FC236}">
+                  <a16:creationId xmlns:a16="http://schemas.microsoft.com/office/drawing/2014/main" id="{72C93492-0CE1-4617-BCB1-B3B7E8CE9418}"/>
+                </a:ext>
+              </a:extLst>
+            </p:cNvPr>
+            <p:cNvCxnSpPr/>
+            <p:nvPr/>
+          </p:nvCxnSpPr>
+          <p:spPr>
+            <a:xfrm>
+              <a:off x="1463056" y="4720729"/>
+              <a:ext cx="746620" cy="0"/>
+            </a:xfrm>
+            <a:prstGeom prst="straightConnector1">
+              <a:avLst/>
+            </a:prstGeom>
+            <a:ln>
+              <a:solidFill>
+                <a:schemeClr val="tx1"/>
+              </a:solidFill>
+              <a:tailEnd type="triangle"/>
+            </a:ln>
+          </p:spPr>
+          <p:style>
+            <a:lnRef idx="1">
+              <a:schemeClr val="accent1"/>
+            </a:lnRef>
+            <a:fillRef idx="0">
+              <a:schemeClr val="accent1"/>
+            </a:fillRef>
+            <a:effectRef idx="0">
+              <a:schemeClr val="accent1"/>
+            </a:effectRef>
+            <a:fontRef idx="minor">
+              <a:schemeClr val="tx1"/>
+            </a:fontRef>
+          </p:style>
+        </p:cxnSp>
+        <p:sp>
+          <p:nvSpPr>
+            <p:cNvPr id="52" name="テキスト ボックス 51">
+              <a:extLst>
+                <a:ext uri="{FF2B5EF4-FFF2-40B4-BE49-F238E27FC236}">
+                  <a16:creationId xmlns:a16="http://schemas.microsoft.com/office/drawing/2014/main" id="{A831B575-B239-427C-8F08-92BF281CC2A8}"/>
+                </a:ext>
+              </a:extLst>
+            </p:cNvPr>
+            <p:cNvSpPr txBox="1"/>
+            <p:nvPr/>
+          </p:nvSpPr>
+          <p:spPr>
+            <a:xfrm>
+              <a:off x="2057277" y="4710037"/>
+              <a:ext cx="298480" cy="369332"/>
+            </a:xfrm>
+            <a:prstGeom prst="rect">
+              <a:avLst/>
+            </a:prstGeom>
+            <a:noFill/>
+          </p:spPr>
+          <p:txBody>
+            <a:bodyPr wrap="none" rtlCol="0">
+              <a:spAutoFit/>
+            </a:bodyPr>
+            <a:lstStyle/>
+            <a:p>
+              <a:r>
+                <a:rPr lang="en-US" altLang="ja-JP" dirty="0"/>
+                <a:t>y</a:t>
+              </a:r>
+              <a:endParaRPr kumimoji="1" lang="ja-JP" altLang="en-US" dirty="0"/>
+            </a:p>
+          </p:txBody>
+        </p:sp>
+      </p:grpSp>
+      <p:grpSp>
+        <p:nvGrpSpPr>
+          <p:cNvPr id="57" name="グループ化 56">
+            <a:extLst>
+              <a:ext uri="{FF2B5EF4-FFF2-40B4-BE49-F238E27FC236}">
+                <a16:creationId xmlns:a16="http://schemas.microsoft.com/office/drawing/2014/main" id="{E52AFD2F-79D7-4257-8A71-BD0A5F2B3451}"/>
+              </a:ext>
+            </a:extLst>
+          </p:cNvPr>
+          <p:cNvGrpSpPr/>
+          <p:nvPr/>
+        </p:nvGrpSpPr>
+        <p:grpSpPr>
+          <a:xfrm>
+            <a:off x="1348254" y="4410987"/>
+            <a:ext cx="290464" cy="744872"/>
+            <a:chOff x="1348254" y="4410987"/>
+            <a:chExt cx="290464" cy="744872"/>
+          </a:xfrm>
+        </p:grpSpPr>
+        <p:cxnSp>
+          <p:nvCxnSpPr>
+            <p:cNvPr id="55" name="直線矢印コネクタ 54">
+              <a:extLst>
+                <a:ext uri="{FF2B5EF4-FFF2-40B4-BE49-F238E27FC236}">
+                  <a16:creationId xmlns:a16="http://schemas.microsoft.com/office/drawing/2014/main" id="{CB8A680B-1148-471B-B7D8-6A1DBBA7EF6D}"/>
+                </a:ext>
+              </a:extLst>
+            </p:cNvPr>
+            <p:cNvCxnSpPr/>
+            <p:nvPr/>
+          </p:nvCxnSpPr>
+          <p:spPr>
+            <a:xfrm flipV="1">
+              <a:off x="1602296" y="4468659"/>
+              <a:ext cx="0" cy="687200"/>
+            </a:xfrm>
+            <a:prstGeom prst="straightConnector1">
+              <a:avLst/>
+            </a:prstGeom>
+            <a:ln>
+              <a:tailEnd type="triangle"/>
+            </a:ln>
+          </p:spPr>
+          <p:style>
+            <a:lnRef idx="1">
+              <a:schemeClr val="dk1"/>
+            </a:lnRef>
+            <a:fillRef idx="0">
+              <a:schemeClr val="dk1"/>
+            </a:fillRef>
+            <a:effectRef idx="0">
+              <a:schemeClr val="dk1"/>
+            </a:effectRef>
+            <a:fontRef idx="minor">
+              <a:schemeClr val="tx1"/>
+            </a:fontRef>
+          </p:style>
+        </p:cxnSp>
+        <p:sp>
+          <p:nvSpPr>
+            <p:cNvPr id="56" name="テキスト ボックス 55">
+              <a:extLst>
+                <a:ext uri="{FF2B5EF4-FFF2-40B4-BE49-F238E27FC236}">
+                  <a16:creationId xmlns:a16="http://schemas.microsoft.com/office/drawing/2014/main" id="{7B588CC6-9BD2-4652-B2CC-2AAB4F9E323F}"/>
+                </a:ext>
+              </a:extLst>
+            </p:cNvPr>
+            <p:cNvSpPr txBox="1"/>
+            <p:nvPr/>
+          </p:nvSpPr>
+          <p:spPr>
+            <a:xfrm>
+              <a:off x="1348254" y="4410987"/>
+              <a:ext cx="290464" cy="369332"/>
+            </a:xfrm>
+            <a:prstGeom prst="rect">
+              <a:avLst/>
+            </a:prstGeom>
+            <a:noFill/>
+          </p:spPr>
+          <p:txBody>
+            <a:bodyPr wrap="none" rtlCol="0">
+              <a:spAutoFit/>
+            </a:bodyPr>
+            <a:lstStyle/>
+            <a:p>
+              <a:r>
+                <a:rPr kumimoji="1" lang="en-US" altLang="ja-JP" dirty="0"/>
+                <a:t>z</a:t>
+              </a:r>
+              <a:endParaRPr kumimoji="1" lang="ja-JP" altLang="en-US" dirty="0"/>
+            </a:p>
+          </p:txBody>
+        </p:sp>
+      </p:grpSp>
+      <p:cxnSp>
+        <p:nvCxnSpPr>
+          <p:cNvPr id="59" name="直線矢印コネクタ 58">
+            <a:extLst>
+              <a:ext uri="{FF2B5EF4-FFF2-40B4-BE49-F238E27FC236}">
+                <a16:creationId xmlns:a16="http://schemas.microsoft.com/office/drawing/2014/main" id="{ADC0615A-28A6-40CF-B03C-3CAB4B2A7414}"/>
+              </a:ext>
+            </a:extLst>
+          </p:cNvPr>
+          <p:cNvCxnSpPr>
+            <a:cxnSpLocks/>
+          </p:cNvCxnSpPr>
+          <p:nvPr/>
+        </p:nvCxnSpPr>
+        <p:spPr>
+          <a:xfrm flipV="1">
+            <a:off x="1155529" y="3161853"/>
+            <a:ext cx="3675731" cy="1398145"/>
+          </a:xfrm>
+          <a:prstGeom prst="straightConnector1">
+            <a:avLst/>
+          </a:prstGeom>
+          <a:ln>
+            <a:solidFill>
+              <a:schemeClr val="tx1"/>
+            </a:solidFill>
+            <a:tailEnd type="triangle"/>
+          </a:ln>
+        </p:spPr>
+        <p:style>
+          <a:lnRef idx="1">
+            <a:schemeClr val="accent1"/>
+          </a:lnRef>
+          <a:fillRef idx="0">
+            <a:schemeClr val="accent1"/>
+          </a:fillRef>
+          <a:effectRef idx="0">
+            <a:schemeClr val="accent1"/>
+          </a:effectRef>
+          <a:fontRef idx="minor">
+            <a:schemeClr val="tx1"/>
+          </a:fontRef>
+        </p:style>
+      </p:cxnSp>
+      <p:sp>
+        <p:nvSpPr>
+          <p:cNvPr id="60" name="テキスト ボックス 59">
+            <a:extLst>
+              <a:ext uri="{FF2B5EF4-FFF2-40B4-BE49-F238E27FC236}">
+                <a16:creationId xmlns:a16="http://schemas.microsoft.com/office/drawing/2014/main" id="{E9BBE2E4-332E-4767-86D9-254049B195F2}"/>
+              </a:ext>
+            </a:extLst>
+          </p:cNvPr>
+          <p:cNvSpPr txBox="1"/>
+          <p:nvPr/>
+        </p:nvSpPr>
+        <p:spPr>
+          <a:xfrm>
+            <a:off x="4537479" y="2901705"/>
+            <a:ext cx="333746" cy="369332"/>
+          </a:xfrm>
+          <a:prstGeom prst="rect">
+            <a:avLst/>
+          </a:prstGeom>
+          <a:noFill/>
+        </p:spPr>
+        <p:txBody>
+          <a:bodyPr wrap="none" rtlCol="0">
+            <a:spAutoFit/>
+          </a:bodyPr>
+          <a:lstStyle/>
+          <a:p>
+            <a:r>
+              <a:rPr kumimoji="1" lang="en-US" altLang="ja-JP" dirty="0"/>
+              <a:t>Y</a:t>
+            </a:r>
+            <a:endParaRPr kumimoji="1" lang="ja-JP" altLang="en-US" dirty="0"/>
+          </a:p>
+        </p:txBody>
+      </p:sp>
+    </p:spTree>
+    <p:extLst>
+      <p:ext uri="{BB962C8B-B14F-4D97-AF65-F5344CB8AC3E}">
+        <p14:creationId xmlns:p14="http://schemas.microsoft.com/office/powerpoint/2010/main" val="710285787"/>
+      </p:ext>
+    </p:extLst>
+  </p:cSld>
+  <p:clrMapOvr>
+    <a:masterClrMapping/>
+  </p:clrMapOvr>
+</p:sld>
+</file>
+
+<file path=ppt/slides/slide4.xml><?xml version="1.0" encoding="utf-8"?>
+<p:sld xmlns:a="http://schemas.openxmlformats.org/drawingml/2006/main" xmlns:r="http://schemas.openxmlformats.org/officeDocument/2006/relationships" xmlns:p="http://schemas.openxmlformats.org/presentationml/2006/main">
+  <p:cSld>
+    <p:spTree>
+      <p:nvGrpSpPr>
+        <p:cNvPr id="1" name=""/>
+        <p:cNvGrpSpPr/>
+        <p:nvPr/>
+      </p:nvGrpSpPr>
+      <p:grpSpPr>
+        <a:xfrm>
+          <a:off x="0" y="0"/>
+          <a:ext cx="0" cy="0"/>
+          <a:chOff x="0" y="0"/>
+          <a:chExt cx="0" cy="0"/>
+        </a:xfrm>
+      </p:grpSpPr>
+      <p:sp>
+        <p:nvSpPr>
+          <p:cNvPr id="2" name="タイトル 1">
+            <a:extLst>
+              <a:ext uri="{FF2B5EF4-FFF2-40B4-BE49-F238E27FC236}">
+                <a16:creationId xmlns:a16="http://schemas.microsoft.com/office/drawing/2014/main" id="{0F830CBD-5450-4DC7-A21C-FA6D11932894}"/>
+              </a:ext>
+            </a:extLst>
+          </p:cNvPr>
+          <p:cNvSpPr>
+            <a:spLocks noGrp="1"/>
+          </p:cNvSpPr>
+          <p:nvPr>
+            <p:ph type="title"/>
+          </p:nvPr>
+        </p:nvSpPr>
+        <p:spPr/>
+        <p:txBody>
+          <a:bodyPr/>
+          <a:lstStyle/>
+          <a:p>
+            <a:r>
+              <a:rPr lang="en-US" altLang="ja-JP" dirty="0" err="1"/>
+              <a:t>edge_shape.m</a:t>
+            </a:r>
+            <a:endParaRPr kumimoji="1" lang="ja-JP" altLang="en-US" dirty="0"/>
+          </a:p>
+        </p:txBody>
+      </p:sp>
+      <p:grpSp>
+        <p:nvGrpSpPr>
+          <p:cNvPr id="35" name="グループ化 34">
+            <a:extLst>
+              <a:ext uri="{FF2B5EF4-FFF2-40B4-BE49-F238E27FC236}">
+                <a16:creationId xmlns:a16="http://schemas.microsoft.com/office/drawing/2014/main" id="{268F0156-8B76-4D4A-8038-941DDE82733F}"/>
+              </a:ext>
+            </a:extLst>
+          </p:cNvPr>
+          <p:cNvGrpSpPr/>
+          <p:nvPr/>
+        </p:nvGrpSpPr>
+        <p:grpSpPr>
+          <a:xfrm>
+            <a:off x="1511654" y="5035044"/>
+            <a:ext cx="3016473" cy="369332"/>
+            <a:chOff x="1463056" y="4703138"/>
+            <a:chExt cx="3016473" cy="369332"/>
+          </a:xfrm>
+        </p:grpSpPr>
+        <p:cxnSp>
+          <p:nvCxnSpPr>
+            <p:cNvPr id="36" name="直線矢印コネクタ 35">
+              <a:extLst>
+                <a:ext uri="{FF2B5EF4-FFF2-40B4-BE49-F238E27FC236}">
+                  <a16:creationId xmlns:a16="http://schemas.microsoft.com/office/drawing/2014/main" id="{A463EC31-2681-46C7-B2B2-9EF34B035736}"/>
+                </a:ext>
+              </a:extLst>
+            </p:cNvPr>
+            <p:cNvCxnSpPr>
+              <a:cxnSpLocks/>
+            </p:cNvCxnSpPr>
+            <p:nvPr/>
+          </p:nvCxnSpPr>
+          <p:spPr>
+            <a:xfrm>
+              <a:off x="1463056" y="4720729"/>
+              <a:ext cx="2813756" cy="0"/>
+            </a:xfrm>
+            <a:prstGeom prst="straightConnector1">
+              <a:avLst/>
+            </a:prstGeom>
+            <a:ln>
+              <a:solidFill>
+                <a:schemeClr val="tx1"/>
+              </a:solidFill>
+              <a:tailEnd type="triangle"/>
+            </a:ln>
+          </p:spPr>
+          <p:style>
+            <a:lnRef idx="1">
+              <a:schemeClr val="accent1"/>
+            </a:lnRef>
+            <a:fillRef idx="0">
+              <a:schemeClr val="accent1"/>
+            </a:fillRef>
+            <a:effectRef idx="0">
+              <a:schemeClr val="accent1"/>
+            </a:effectRef>
+            <a:fontRef idx="minor">
+              <a:schemeClr val="tx1"/>
+            </a:fontRef>
+          </p:style>
+        </p:cxnSp>
+        <p:sp>
+          <p:nvSpPr>
+            <p:cNvPr id="37" name="テキスト ボックス 36">
+              <a:extLst>
+                <a:ext uri="{FF2B5EF4-FFF2-40B4-BE49-F238E27FC236}">
+                  <a16:creationId xmlns:a16="http://schemas.microsoft.com/office/drawing/2014/main" id="{CE7925F0-0EAD-4822-82EB-E3F2A614AFD8}"/>
+                </a:ext>
+              </a:extLst>
+            </p:cNvPr>
+            <p:cNvSpPr txBox="1"/>
+            <p:nvPr/>
+          </p:nvSpPr>
+          <p:spPr>
+            <a:xfrm>
+              <a:off x="4145783" y="4703138"/>
+              <a:ext cx="333746" cy="369332"/>
+            </a:xfrm>
+            <a:prstGeom prst="rect">
+              <a:avLst/>
+            </a:prstGeom>
+            <a:noFill/>
+          </p:spPr>
+          <p:txBody>
+            <a:bodyPr wrap="none" rtlCol="0">
+              <a:spAutoFit/>
+            </a:bodyPr>
+            <a:lstStyle/>
+            <a:p>
+              <a:r>
+                <a:rPr lang="en-US" altLang="ja-JP" dirty="0"/>
+                <a:t>X</a:t>
+              </a:r>
+              <a:endParaRPr kumimoji="1" lang="ja-JP" altLang="en-US" dirty="0"/>
+            </a:p>
+          </p:txBody>
+        </p:sp>
+      </p:grpSp>
+      <p:grpSp>
+        <p:nvGrpSpPr>
+          <p:cNvPr id="38" name="グループ化 37">
+            <a:extLst>
+              <a:ext uri="{FF2B5EF4-FFF2-40B4-BE49-F238E27FC236}">
+                <a16:creationId xmlns:a16="http://schemas.microsoft.com/office/drawing/2014/main" id="{04855DA7-1080-4341-BEF9-C20AD1A2090B}"/>
+              </a:ext>
+            </a:extLst>
+          </p:cNvPr>
+          <p:cNvGrpSpPr/>
+          <p:nvPr/>
+        </p:nvGrpSpPr>
+        <p:grpSpPr>
+          <a:xfrm>
+            <a:off x="1417577" y="2966441"/>
+            <a:ext cx="333746" cy="2253269"/>
+            <a:chOff x="1353775" y="2902590"/>
+            <a:chExt cx="333746" cy="2253269"/>
+          </a:xfrm>
+        </p:grpSpPr>
+        <p:cxnSp>
+          <p:nvCxnSpPr>
+            <p:cNvPr id="39" name="直線矢印コネクタ 38">
+              <a:extLst>
+                <a:ext uri="{FF2B5EF4-FFF2-40B4-BE49-F238E27FC236}">
+                  <a16:creationId xmlns:a16="http://schemas.microsoft.com/office/drawing/2014/main" id="{8793EDC5-758C-4046-A11D-904EBBCF1F20}"/>
+                </a:ext>
+              </a:extLst>
+            </p:cNvPr>
+            <p:cNvCxnSpPr>
+              <a:cxnSpLocks/>
+            </p:cNvCxnSpPr>
+            <p:nvPr/>
+          </p:nvCxnSpPr>
+          <p:spPr>
+            <a:xfrm flipV="1">
+              <a:off x="1602296" y="2902590"/>
+              <a:ext cx="0" cy="2253269"/>
+            </a:xfrm>
+            <a:prstGeom prst="straightConnector1">
+              <a:avLst/>
+            </a:prstGeom>
+            <a:ln>
+              <a:tailEnd type="triangle"/>
+            </a:ln>
+          </p:spPr>
+          <p:style>
+            <a:lnRef idx="1">
+              <a:schemeClr val="dk1"/>
+            </a:lnRef>
+            <a:fillRef idx="0">
+              <a:schemeClr val="dk1"/>
+            </a:fillRef>
+            <a:effectRef idx="0">
+              <a:schemeClr val="dk1"/>
+            </a:effectRef>
+            <a:fontRef idx="minor">
+              <a:schemeClr val="tx1"/>
+            </a:fontRef>
+          </p:style>
+        </p:cxnSp>
+        <p:sp>
+          <p:nvSpPr>
+            <p:cNvPr id="40" name="テキスト ボックス 39">
+              <a:extLst>
+                <a:ext uri="{FF2B5EF4-FFF2-40B4-BE49-F238E27FC236}">
+                  <a16:creationId xmlns:a16="http://schemas.microsoft.com/office/drawing/2014/main" id="{3DA5B5DD-5643-4AD1-891F-49783F0ACD18}"/>
+                </a:ext>
+              </a:extLst>
+            </p:cNvPr>
+            <p:cNvSpPr txBox="1"/>
+            <p:nvPr/>
+          </p:nvSpPr>
+          <p:spPr>
+            <a:xfrm>
+              <a:off x="1353775" y="3122525"/>
+              <a:ext cx="333746" cy="369332"/>
+            </a:xfrm>
+            <a:prstGeom prst="rect">
+              <a:avLst/>
+            </a:prstGeom>
+            <a:noFill/>
+          </p:spPr>
+          <p:txBody>
+            <a:bodyPr wrap="none" rtlCol="0">
+              <a:spAutoFit/>
+            </a:bodyPr>
+            <a:lstStyle/>
+            <a:p>
+              <a:r>
+                <a:rPr lang="en-US" altLang="ja-JP" dirty="0"/>
+                <a:t>Y</a:t>
+              </a:r>
+              <a:endParaRPr kumimoji="1" lang="ja-JP" altLang="en-US" dirty="0"/>
+            </a:p>
+          </p:txBody>
+        </p:sp>
+      </p:grpSp>
+      <mc:AlternateContent xmlns:mc="http://schemas.openxmlformats.org/markup-compatibility/2006">
+        <mc:Choice xmlns:a14="http://schemas.microsoft.com/office/drawing/2010/main" Requires="a14">
+          <p:sp>
+            <p:nvSpPr>
+              <p:cNvPr id="41" name="テキスト ボックス 40">
+                <a:extLst>
+                  <a:ext uri="{FF2B5EF4-FFF2-40B4-BE49-F238E27FC236}">
+                    <a16:creationId xmlns:a16="http://schemas.microsoft.com/office/drawing/2014/main" id="{D5C77475-C461-4C14-98AF-3351A5F98D88}"/>
+                  </a:ext>
+                </a:extLst>
+              </p:cNvPr>
+              <p:cNvSpPr txBox="1"/>
+              <p:nvPr/>
+            </p:nvSpPr>
+            <p:spPr>
+              <a:xfrm>
+                <a:off x="2870442" y="2247989"/>
+                <a:ext cx="999569" cy="369332"/>
+              </a:xfrm>
+              <a:prstGeom prst="rect">
+                <a:avLst/>
+              </a:prstGeom>
+              <a:noFill/>
+            </p:spPr>
+            <p:txBody>
+              <a:bodyPr wrap="none" rtlCol="0">
+                <a:spAutoFit/>
+              </a:bodyPr>
+              <a:lstStyle/>
+              <a:p>
+                <a:r>
+                  <a:rPr kumimoji="1" lang="en-US" altLang="ja-JP" dirty="0"/>
+                  <a:t>Plane </a:t>
+                </a:r>
+                <a14:m>
+                  <m:oMath xmlns:m="http://schemas.openxmlformats.org/officeDocument/2006/math">
+                    <m:r>
+                      <a:rPr kumimoji="1" lang="en-US" altLang="ja-JP" b="0" i="1" smtClean="0">
+                        <a:latin typeface="Cambria Math" panose="02040503050406030204" pitchFamily="18" charset="0"/>
+                      </a:rPr>
+                      <m:t>𝛼</m:t>
+                    </m:r>
+                  </m:oMath>
+                </a14:m>
+                <a:endParaRPr kumimoji="1" lang="en-US" altLang="ja-JP" b="0" dirty="0"/>
+              </a:p>
+            </p:txBody>
+          </p:sp>
+        </mc:Choice>
+        <mc:Fallback>
+          <p:sp>
+            <p:nvSpPr>
+              <p:cNvPr id="41" name="テキスト ボックス 40">
+                <a:extLst>
+                  <a:ext uri="{FF2B5EF4-FFF2-40B4-BE49-F238E27FC236}">
+                    <a16:creationId xmlns:a16="http://schemas.microsoft.com/office/drawing/2014/main" id="{D5C77475-C461-4C14-98AF-3351A5F98D88}"/>
+                  </a:ext>
+                </a:extLst>
+              </p:cNvPr>
+              <p:cNvSpPr txBox="1">
+                <a:spLocks noRot="1" noChangeAspect="1" noMove="1" noResize="1" noEditPoints="1" noAdjustHandles="1" noChangeArrowheads="1" noChangeShapeType="1" noTextEdit="1"/>
+              </p:cNvSpPr>
+              <p:nvPr/>
+            </p:nvSpPr>
+            <p:spPr>
+              <a:xfrm>
+                <a:off x="2870442" y="2247989"/>
+                <a:ext cx="999569" cy="369332"/>
+              </a:xfrm>
+              <a:prstGeom prst="rect">
+                <a:avLst/>
+              </a:prstGeom>
+              <a:blipFill>
+                <a:blip r:embed="rId2"/>
+                <a:stretch>
+                  <a:fillRect l="-5488" t="-8333" b="-28333"/>
+                </a:stretch>
+              </a:blipFill>
+            </p:spPr>
+            <p:txBody>
+              <a:bodyPr/>
+              <a:lstStyle/>
+              <a:p>
+                <a:r>
+                  <a:rPr lang="ja-JP" altLang="en-US">
+                    <a:noFill/>
+                  </a:rPr>
+                  <a:t> </a:t>
+                </a:r>
+              </a:p>
+            </p:txBody>
+          </p:sp>
+        </mc:Fallback>
+      </mc:AlternateContent>
+      <p:sp>
+        <p:nvSpPr>
+          <p:cNvPr id="42" name="フリーフォーム: 図形 41">
+            <a:extLst>
+              <a:ext uri="{FF2B5EF4-FFF2-40B4-BE49-F238E27FC236}">
+                <a16:creationId xmlns:a16="http://schemas.microsoft.com/office/drawing/2014/main" id="{D4734B8A-10CA-456C-B541-628CC25E0B0C}"/>
+              </a:ext>
+            </a:extLst>
+          </p:cNvPr>
+          <p:cNvSpPr/>
+          <p:nvPr/>
+        </p:nvSpPr>
+        <p:spPr>
+          <a:xfrm>
+            <a:off x="1772816" y="3321698"/>
+            <a:ext cx="2640563" cy="1332443"/>
+          </a:xfrm>
+          <a:custGeom>
+            <a:avLst/>
+            <a:gdLst>
+              <a:gd name="connsiteX0" fmla="*/ 0 w 2640563"/>
+              <a:gd name="connsiteY0" fmla="*/ 270588 h 1332443"/>
+              <a:gd name="connsiteX1" fmla="*/ 317241 w 2640563"/>
+              <a:gd name="connsiteY1" fmla="*/ 886408 h 1332443"/>
+              <a:gd name="connsiteX2" fmla="*/ 1371600 w 2640563"/>
+              <a:gd name="connsiteY2" fmla="*/ 1324947 h 1332443"/>
+              <a:gd name="connsiteX3" fmla="*/ 2192694 w 2640563"/>
+              <a:gd name="connsiteY3" fmla="*/ 1073020 h 1332443"/>
+              <a:gd name="connsiteX4" fmla="*/ 2640563 w 2640563"/>
+              <a:gd name="connsiteY4" fmla="*/ 0 h 1332443"/>
+            </a:gdLst>
+            <a:ahLst/>
+            <a:cxnLst>
+              <a:cxn ang="0">
+                <a:pos x="connsiteX0" y="connsiteY0"/>
+              </a:cxn>
+              <a:cxn ang="0">
+                <a:pos x="connsiteX1" y="connsiteY1"/>
+              </a:cxn>
+              <a:cxn ang="0">
+                <a:pos x="connsiteX2" y="connsiteY2"/>
+              </a:cxn>
+              <a:cxn ang="0">
+                <a:pos x="connsiteX3" y="connsiteY3"/>
+              </a:cxn>
+              <a:cxn ang="0">
+                <a:pos x="connsiteX4" y="connsiteY4"/>
+              </a:cxn>
+            </a:cxnLst>
+            <a:rect l="l" t="t" r="r" b="b"/>
+            <a:pathLst>
+              <a:path w="2640563" h="1332443">
+                <a:moveTo>
+                  <a:pt x="0" y="270588"/>
+                </a:moveTo>
+                <a:cubicBezTo>
+                  <a:pt x="44320" y="490634"/>
+                  <a:pt x="88641" y="710681"/>
+                  <a:pt x="317241" y="886408"/>
+                </a:cubicBezTo>
+                <a:cubicBezTo>
+                  <a:pt x="545841" y="1062135"/>
+                  <a:pt x="1059025" y="1293845"/>
+                  <a:pt x="1371600" y="1324947"/>
+                </a:cubicBezTo>
+                <a:cubicBezTo>
+                  <a:pt x="1684176" y="1356049"/>
+                  <a:pt x="1981200" y="1293844"/>
+                  <a:pt x="2192694" y="1073020"/>
+                </a:cubicBezTo>
+                <a:cubicBezTo>
+                  <a:pt x="2404188" y="852196"/>
+                  <a:pt x="2522375" y="426098"/>
+                  <a:pt x="2640563" y="0"/>
+                </a:cubicBezTo>
+              </a:path>
+            </a:pathLst>
+          </a:custGeom>
+          <a:ln w="12700">
+            <a:prstDash val="dash"/>
+          </a:ln>
+        </p:spPr>
+        <p:style>
+          <a:lnRef idx="1">
+            <a:schemeClr val="dk1"/>
+          </a:lnRef>
+          <a:fillRef idx="0">
+            <a:schemeClr val="dk1"/>
+          </a:fillRef>
+          <a:effectRef idx="0">
+            <a:schemeClr val="dk1"/>
+          </a:effectRef>
+          <a:fontRef idx="minor">
+            <a:schemeClr val="tx1"/>
+          </a:fontRef>
+        </p:style>
+        <p:txBody>
+          <a:bodyPr rtlCol="0" anchor="ctr"/>
+          <a:lstStyle/>
+          <a:p>
+            <a:pPr algn="ctr"/>
+            <a:endParaRPr kumimoji="1" lang="ja-JP" altLang="en-US"/>
+          </a:p>
+        </p:txBody>
+      </p:sp>
+      <mc:AlternateContent xmlns:mc="http://schemas.openxmlformats.org/markup-compatibility/2006">
+        <mc:Choice xmlns:a14="http://schemas.microsoft.com/office/drawing/2010/main" Requires="a14">
+          <p:sp>
+            <p:nvSpPr>
+              <p:cNvPr id="43" name="テキスト ボックス 42">
+                <a:extLst>
+                  <a:ext uri="{FF2B5EF4-FFF2-40B4-BE49-F238E27FC236}">
+                    <a16:creationId xmlns:a16="http://schemas.microsoft.com/office/drawing/2014/main" id="{538528CD-7912-455D-BD0D-B7A1742CA24E}"/>
+                  </a:ext>
+                </a:extLst>
+              </p:cNvPr>
+              <p:cNvSpPr txBox="1"/>
+              <p:nvPr/>
+            </p:nvSpPr>
+            <p:spPr>
+              <a:xfrm>
+                <a:off x="4194381" y="2432655"/>
+                <a:ext cx="1371209" cy="369332"/>
+              </a:xfrm>
+              <a:prstGeom prst="rect">
+                <a:avLst/>
+              </a:prstGeom>
+              <a:noFill/>
+            </p:spPr>
+            <p:txBody>
+              <a:bodyPr wrap="none" rtlCol="0">
+                <a:spAutoFit/>
+              </a:bodyPr>
+              <a:lstStyle/>
+              <a:p>
+                <a14:m>
+                  <m:oMathPara xmlns:m="http://schemas.openxmlformats.org/officeDocument/2006/math">
+                    <m:oMathParaPr>
+                      <m:jc m:val="centerGroup"/>
+                    </m:oMathParaPr>
+                    <m:oMath xmlns:m="http://schemas.openxmlformats.org/officeDocument/2006/math">
+                      <m:r>
+                        <a:rPr kumimoji="1" lang="en-US" altLang="ja-JP" b="0" i="1" smtClean="0">
+                          <a:latin typeface="Cambria Math" panose="02040503050406030204" pitchFamily="18" charset="0"/>
+                        </a:rPr>
+                        <m:t>(</m:t>
+                      </m:r>
+                      <m:r>
+                        <a:rPr kumimoji="1" lang="en-US" altLang="ja-JP" b="0" i="1" smtClean="0">
+                          <a:latin typeface="Cambria Math" panose="02040503050406030204" pitchFamily="18" charset="0"/>
+                        </a:rPr>
+                        <m:t>𝑋</m:t>
+                      </m:r>
+                      <m:d>
+                        <m:dPr>
+                          <m:ctrlPr>
+                            <a:rPr kumimoji="1" lang="en-US" altLang="ja-JP" b="0" i="1" smtClean="0">
+                              <a:latin typeface="Cambria Math" panose="02040503050406030204" pitchFamily="18" charset="0"/>
+                            </a:rPr>
+                          </m:ctrlPr>
+                        </m:dPr>
+                        <m:e>
+                          <m:r>
+                            <a:rPr kumimoji="1" lang="en-US" altLang="ja-JP" b="0" i="1" smtClean="0">
+                              <a:latin typeface="Cambria Math" panose="02040503050406030204" pitchFamily="18" charset="0"/>
+                            </a:rPr>
+                            <m:t>𝑙</m:t>
+                          </m:r>
+                        </m:e>
+                      </m:d>
+                      <m:r>
+                        <a:rPr kumimoji="1" lang="en-US" altLang="ja-JP" b="0" i="1" smtClean="0">
+                          <a:latin typeface="Cambria Math" panose="02040503050406030204" pitchFamily="18" charset="0"/>
+                        </a:rPr>
+                        <m:t>, </m:t>
+                      </m:r>
+                      <m:r>
+                        <a:rPr kumimoji="1" lang="en-US" altLang="ja-JP" b="0" i="1" smtClean="0">
+                          <a:latin typeface="Cambria Math" panose="02040503050406030204" pitchFamily="18" charset="0"/>
+                        </a:rPr>
+                        <m:t>𝑌</m:t>
+                      </m:r>
+                      <m:d>
+                        <m:dPr>
+                          <m:ctrlPr>
+                            <a:rPr kumimoji="1" lang="en-US" altLang="ja-JP" b="0" i="1" smtClean="0">
+                              <a:latin typeface="Cambria Math" panose="02040503050406030204" pitchFamily="18" charset="0"/>
+                            </a:rPr>
+                          </m:ctrlPr>
+                        </m:dPr>
+                        <m:e>
+                          <m:r>
+                            <a:rPr kumimoji="1" lang="en-US" altLang="ja-JP" b="0" i="1" smtClean="0">
+                              <a:latin typeface="Cambria Math" panose="02040503050406030204" pitchFamily="18" charset="0"/>
+                            </a:rPr>
+                            <m:t>𝑙</m:t>
+                          </m:r>
+                        </m:e>
+                      </m:d>
+                      <m:r>
+                        <a:rPr kumimoji="1" lang="en-US" altLang="ja-JP" b="0" i="1" smtClean="0">
+                          <a:latin typeface="Cambria Math" panose="02040503050406030204" pitchFamily="18" charset="0"/>
+                        </a:rPr>
+                        <m:t>)</m:t>
+                      </m:r>
+                    </m:oMath>
+                  </m:oMathPara>
+                </a14:m>
+                <a:endParaRPr kumimoji="1" lang="ja-JP" altLang="en-US" dirty="0"/>
+              </a:p>
+            </p:txBody>
+          </p:sp>
+        </mc:Choice>
+        <mc:Fallback>
+          <p:sp>
+            <p:nvSpPr>
+              <p:cNvPr id="43" name="テキスト ボックス 42">
+                <a:extLst>
+                  <a:ext uri="{FF2B5EF4-FFF2-40B4-BE49-F238E27FC236}">
+                    <a16:creationId xmlns:a16="http://schemas.microsoft.com/office/drawing/2014/main" id="{538528CD-7912-455D-BD0D-B7A1742CA24E}"/>
+                  </a:ext>
+                </a:extLst>
+              </p:cNvPr>
+              <p:cNvSpPr txBox="1">
+                <a:spLocks noRot="1" noChangeAspect="1" noMove="1" noResize="1" noEditPoints="1" noAdjustHandles="1" noChangeArrowheads="1" noChangeShapeType="1" noTextEdit="1"/>
+              </p:cNvSpPr>
+              <p:nvPr/>
+            </p:nvSpPr>
+            <p:spPr>
+              <a:xfrm>
+                <a:off x="4194381" y="2432655"/>
+                <a:ext cx="1371209" cy="369332"/>
+              </a:xfrm>
+              <a:prstGeom prst="rect">
+                <a:avLst/>
+              </a:prstGeom>
+              <a:blipFill>
+                <a:blip r:embed="rId3"/>
+                <a:stretch>
+                  <a:fillRect b="-13115"/>
+                </a:stretch>
+              </a:blipFill>
+            </p:spPr>
+            <p:txBody>
+              <a:bodyPr/>
+              <a:lstStyle/>
+              <a:p>
+                <a:r>
+                  <a:rPr lang="ja-JP" altLang="en-US">
+                    <a:noFill/>
+                  </a:rPr>
+                  <a:t> </a:t>
+                </a:r>
+              </a:p>
+            </p:txBody>
+          </p:sp>
+        </mc:Fallback>
+      </mc:AlternateContent>
+      <mc:AlternateContent xmlns:mc="http://schemas.openxmlformats.org/markup-compatibility/2006">
+        <mc:Choice xmlns:a14="http://schemas.microsoft.com/office/drawing/2010/main" Requires="a14">
+          <p:sp>
+            <p:nvSpPr>
+              <p:cNvPr id="46" name="テキスト ボックス 45">
+                <a:extLst>
+                  <a:ext uri="{FF2B5EF4-FFF2-40B4-BE49-F238E27FC236}">
+                    <a16:creationId xmlns:a16="http://schemas.microsoft.com/office/drawing/2014/main" id="{24FE153A-FBB7-4C75-A333-552F57DE150B}"/>
+                  </a:ext>
+                </a:extLst>
+              </p:cNvPr>
+              <p:cNvSpPr txBox="1"/>
+              <p:nvPr/>
+            </p:nvSpPr>
+            <p:spPr>
+              <a:xfrm>
+                <a:off x="6473119" y="2063323"/>
+                <a:ext cx="3697744" cy="1477328"/>
+              </a:xfrm>
+              <a:prstGeom prst="rect">
+                <a:avLst/>
+              </a:prstGeom>
+              <a:noFill/>
+            </p:spPr>
+            <p:txBody>
+              <a:bodyPr wrap="none" rtlCol="0">
+                <a:spAutoFit/>
+              </a:bodyPr>
+              <a:lstStyle/>
+              <a:p>
+                <a:r>
+                  <a:rPr lang="en-US" altLang="ja-JP" dirty="0"/>
+                  <a:t>Because </a:t>
+                </a:r>
+                <a14:m>
+                  <m:oMath xmlns:m="http://schemas.openxmlformats.org/officeDocument/2006/math">
+                    <m:r>
+                      <a:rPr lang="en-US" altLang="ja-JP" b="0" i="1" smtClean="0">
+                        <a:latin typeface="Cambria Math" panose="02040503050406030204" pitchFamily="18" charset="0"/>
+                      </a:rPr>
+                      <m:t>𝑙</m:t>
+                    </m:r>
+                  </m:oMath>
+                </a14:m>
+                <a:r>
+                  <a:rPr lang="en-US" altLang="ja-JP" dirty="0"/>
+                  <a:t> is a length parameter, </a:t>
+                </a:r>
+                <a:br>
+                  <a:rPr lang="en-US" altLang="ja-JP" dirty="0"/>
+                </a:br>
+                <a:br>
+                  <a:rPr lang="en-US" altLang="ja-JP" dirty="0"/>
+                </a:br>
+                <a14:m>
+                  <m:oMathPara xmlns:m="http://schemas.openxmlformats.org/officeDocument/2006/math">
+                    <m:oMathParaPr>
+                      <m:jc m:val="centerGroup"/>
+                    </m:oMathParaPr>
+                    <m:oMath xmlns:m="http://schemas.openxmlformats.org/officeDocument/2006/math">
+                      <m:sSup>
+                        <m:sSupPr>
+                          <m:ctrlPr>
+                            <a:rPr kumimoji="1" lang="en-US" altLang="ja-JP" b="0" i="1" smtClean="0">
+                              <a:latin typeface="Cambria Math" panose="02040503050406030204" pitchFamily="18" charset="0"/>
+                            </a:rPr>
+                          </m:ctrlPr>
+                        </m:sSupPr>
+                        <m:e>
+                          <m:r>
+                            <a:rPr kumimoji="1" lang="en-US" altLang="ja-JP" b="0" i="1" smtClean="0">
+                              <a:latin typeface="Cambria Math" panose="02040503050406030204" pitchFamily="18" charset="0"/>
+                            </a:rPr>
+                            <m:t>𝑋</m:t>
+                          </m:r>
+                        </m:e>
+                        <m:sup>
+                          <m:r>
+                            <a:rPr kumimoji="1" lang="en-US" altLang="ja-JP" b="0" i="1" smtClean="0">
+                              <a:latin typeface="Cambria Math" panose="02040503050406030204" pitchFamily="18" charset="0"/>
+                            </a:rPr>
+                            <m:t>′</m:t>
+                          </m:r>
+                        </m:sup>
+                      </m:sSup>
+                      <m:sSup>
+                        <m:sSupPr>
+                          <m:ctrlPr>
+                            <a:rPr kumimoji="1" lang="en-US" altLang="ja-JP" b="0" i="1" smtClean="0">
+                              <a:latin typeface="Cambria Math" panose="02040503050406030204" pitchFamily="18" charset="0"/>
+                            </a:rPr>
+                          </m:ctrlPr>
+                        </m:sSupPr>
+                        <m:e>
+                          <m:d>
+                            <m:dPr>
+                              <m:ctrlPr>
+                                <a:rPr kumimoji="1" lang="en-US" altLang="ja-JP" b="0" i="1" smtClean="0">
+                                  <a:latin typeface="Cambria Math" panose="02040503050406030204" pitchFamily="18" charset="0"/>
+                                </a:rPr>
+                              </m:ctrlPr>
+                            </m:dPr>
+                            <m:e>
+                              <m:r>
+                                <a:rPr kumimoji="1" lang="en-US" altLang="ja-JP" b="0" i="1" smtClean="0">
+                                  <a:latin typeface="Cambria Math" panose="02040503050406030204" pitchFamily="18" charset="0"/>
+                                </a:rPr>
+                                <m:t>𝑙</m:t>
+                              </m:r>
+                            </m:e>
+                          </m:d>
+                        </m:e>
+                        <m:sup>
+                          <m:r>
+                            <a:rPr kumimoji="1" lang="en-US" altLang="ja-JP" b="0" i="1" smtClean="0">
+                              <a:latin typeface="Cambria Math" panose="02040503050406030204" pitchFamily="18" charset="0"/>
+                            </a:rPr>
+                            <m:t>2</m:t>
+                          </m:r>
+                        </m:sup>
+                      </m:sSup>
+                      <m:r>
+                        <a:rPr kumimoji="1" lang="en-US" altLang="ja-JP" b="0" i="1" smtClean="0">
+                          <a:latin typeface="Cambria Math" panose="02040503050406030204" pitchFamily="18" charset="0"/>
+                        </a:rPr>
+                        <m:t>+</m:t>
+                      </m:r>
+                      <m:sSup>
+                        <m:sSupPr>
+                          <m:ctrlPr>
+                            <a:rPr kumimoji="1" lang="en-US" altLang="ja-JP" b="0" i="1" smtClean="0">
+                              <a:latin typeface="Cambria Math" panose="02040503050406030204" pitchFamily="18" charset="0"/>
+                            </a:rPr>
+                          </m:ctrlPr>
+                        </m:sSupPr>
+                        <m:e>
+                          <m:r>
+                            <a:rPr kumimoji="1" lang="en-US" altLang="ja-JP" b="0" i="1" smtClean="0">
+                              <a:latin typeface="Cambria Math" panose="02040503050406030204" pitchFamily="18" charset="0"/>
+                            </a:rPr>
+                            <m:t>𝑌</m:t>
+                          </m:r>
+                        </m:e>
+                        <m:sup>
+                          <m:r>
+                            <a:rPr kumimoji="1" lang="en-US" altLang="ja-JP" b="0" i="1" smtClean="0">
+                              <a:latin typeface="Cambria Math" panose="02040503050406030204" pitchFamily="18" charset="0"/>
+                            </a:rPr>
+                            <m:t>′</m:t>
+                          </m:r>
+                        </m:sup>
+                      </m:sSup>
+                      <m:sSup>
+                        <m:sSupPr>
+                          <m:ctrlPr>
+                            <a:rPr kumimoji="1" lang="en-US" altLang="ja-JP" b="0" i="1" smtClean="0">
+                              <a:latin typeface="Cambria Math" panose="02040503050406030204" pitchFamily="18" charset="0"/>
+                            </a:rPr>
+                          </m:ctrlPr>
+                        </m:sSupPr>
+                        <m:e>
+                          <m:d>
+                            <m:dPr>
+                              <m:ctrlPr>
+                                <a:rPr kumimoji="1" lang="en-US" altLang="ja-JP" b="0" i="1" smtClean="0">
+                                  <a:latin typeface="Cambria Math" panose="02040503050406030204" pitchFamily="18" charset="0"/>
+                                </a:rPr>
+                              </m:ctrlPr>
+                            </m:dPr>
+                            <m:e>
+                              <m:r>
+                                <a:rPr kumimoji="1" lang="en-US" altLang="ja-JP" b="0" i="1" smtClean="0">
+                                  <a:latin typeface="Cambria Math" panose="02040503050406030204" pitchFamily="18" charset="0"/>
+                                </a:rPr>
+                                <m:t>𝑙</m:t>
+                              </m:r>
+                            </m:e>
+                          </m:d>
+                        </m:e>
+                        <m:sup>
+                          <m:r>
+                            <a:rPr kumimoji="1" lang="en-US" altLang="ja-JP" b="0" i="1" smtClean="0">
+                              <a:latin typeface="Cambria Math" panose="02040503050406030204" pitchFamily="18" charset="0"/>
+                            </a:rPr>
+                            <m:t>2</m:t>
+                          </m:r>
+                        </m:sup>
+                      </m:sSup>
+                      <m:r>
+                        <a:rPr kumimoji="1" lang="en-US" altLang="ja-JP" b="0" i="1" smtClean="0">
+                          <a:latin typeface="Cambria Math" panose="02040503050406030204" pitchFamily="18" charset="0"/>
+                        </a:rPr>
+                        <m:t>=1</m:t>
+                      </m:r>
+                    </m:oMath>
+                  </m:oMathPara>
+                </a14:m>
+                <a:br>
+                  <a:rPr kumimoji="1" lang="en-US" altLang="ja-JP" b="0" dirty="0"/>
+                </a:br>
+                <a:br>
+                  <a:rPr kumimoji="1" lang="en-US" altLang="ja-JP" b="0" dirty="0"/>
+                </a:br>
+                <a:r>
+                  <a:rPr kumimoji="1" lang="en-US" altLang="ja-JP" b="0" dirty="0"/>
+                  <a:t>should be valid.</a:t>
+                </a:r>
+              </a:p>
+            </p:txBody>
+          </p:sp>
+        </mc:Choice>
+        <mc:Fallback>
+          <p:sp>
+            <p:nvSpPr>
+              <p:cNvPr id="46" name="テキスト ボックス 45">
+                <a:extLst>
+                  <a:ext uri="{FF2B5EF4-FFF2-40B4-BE49-F238E27FC236}">
+                    <a16:creationId xmlns:a16="http://schemas.microsoft.com/office/drawing/2014/main" id="{24FE153A-FBB7-4C75-A333-552F57DE150B}"/>
+                  </a:ext>
+                </a:extLst>
+              </p:cNvPr>
+              <p:cNvSpPr txBox="1">
+                <a:spLocks noRot="1" noChangeAspect="1" noMove="1" noResize="1" noEditPoints="1" noAdjustHandles="1" noChangeArrowheads="1" noChangeShapeType="1" noTextEdit="1"/>
+              </p:cNvSpPr>
+              <p:nvPr/>
+            </p:nvSpPr>
+            <p:spPr>
+              <a:xfrm>
+                <a:off x="6473119" y="2063323"/>
+                <a:ext cx="3697744" cy="1477328"/>
+              </a:xfrm>
+              <a:prstGeom prst="rect">
+                <a:avLst/>
+              </a:prstGeom>
+              <a:blipFill>
+                <a:blip r:embed="rId4"/>
+                <a:stretch>
+                  <a:fillRect l="-1485" t="-1646" r="-495" b="-5350"/>
+                </a:stretch>
+              </a:blipFill>
+            </p:spPr>
+            <p:txBody>
+              <a:bodyPr/>
+              <a:lstStyle/>
+              <a:p>
+                <a:r>
+                  <a:rPr lang="ja-JP" altLang="en-US">
+                    <a:noFill/>
+                  </a:rPr>
+                  <a:t> </a:t>
+                </a:r>
+              </a:p>
+            </p:txBody>
+          </p:sp>
+        </mc:Fallback>
+      </mc:AlternateContent>
+    </p:spTree>
+    <p:extLst>
+      <p:ext uri="{BB962C8B-B14F-4D97-AF65-F5344CB8AC3E}">
+        <p14:creationId xmlns:p14="http://schemas.microsoft.com/office/powerpoint/2010/main" val="184566664"/>
+      </p:ext>
+    </p:extLst>
+  </p:cSld>
+  <p:clrMapOvr>
+    <a:masterClrMapping/>
+  </p:clrMapOvr>
+</p:sld>
+</file>
+
+<file path=ppt/slides/slide5.xml><?xml version="1.0" encoding="utf-8"?>
+<p:sld xmlns:a="http://schemas.openxmlformats.org/drawingml/2006/main" xmlns:r="http://schemas.openxmlformats.org/officeDocument/2006/relationships" xmlns:p="http://schemas.openxmlformats.org/presentationml/2006/main">
+  <p:cSld>
+    <p:spTree>
+      <p:nvGrpSpPr>
+        <p:cNvPr id="1" name=""/>
+        <p:cNvGrpSpPr/>
+        <p:nvPr/>
+      </p:nvGrpSpPr>
+      <p:grpSpPr>
+        <a:xfrm>
+          <a:off x="0" y="0"/>
+          <a:ext cx="0" cy="0"/>
+          <a:chOff x="0" y="0"/>
+          <a:chExt cx="0" cy="0"/>
+        </a:xfrm>
+      </p:grpSpPr>
+      <p:sp>
+        <p:nvSpPr>
+          <p:cNvPr id="2" name="タイトル 1">
+            <a:extLst>
+              <a:ext uri="{FF2B5EF4-FFF2-40B4-BE49-F238E27FC236}">
+                <a16:creationId xmlns:a16="http://schemas.microsoft.com/office/drawing/2014/main" id="{0F830CBD-5450-4DC7-A21C-FA6D11932894}"/>
+              </a:ext>
+            </a:extLst>
+          </p:cNvPr>
+          <p:cNvSpPr>
+            <a:spLocks noGrp="1"/>
+          </p:cNvSpPr>
+          <p:nvPr>
+            <p:ph type="title"/>
+          </p:nvPr>
+        </p:nvSpPr>
+        <p:spPr/>
+        <p:txBody>
+          <a:bodyPr/>
+          <a:lstStyle/>
+          <a:p>
+            <a:r>
+              <a:rPr lang="en-US" altLang="ja-JP" dirty="0" err="1"/>
+              <a:t>edge_shape.m</a:t>
+            </a:r>
+            <a:endParaRPr kumimoji="1" lang="ja-JP" altLang="en-US" dirty="0"/>
+          </a:p>
+        </p:txBody>
+      </p:sp>
+      <p:grpSp>
+        <p:nvGrpSpPr>
+          <p:cNvPr id="21" name="グループ化 20">
+            <a:extLst>
+              <a:ext uri="{FF2B5EF4-FFF2-40B4-BE49-F238E27FC236}">
+                <a16:creationId xmlns:a16="http://schemas.microsoft.com/office/drawing/2014/main" id="{2087C726-E7A9-4AFA-805E-C285EF3E6289}"/>
+              </a:ext>
+            </a:extLst>
+          </p:cNvPr>
+          <p:cNvGrpSpPr/>
+          <p:nvPr/>
+        </p:nvGrpSpPr>
+        <p:grpSpPr>
+          <a:xfrm>
+            <a:off x="59094" y="2109099"/>
+            <a:ext cx="8166549" cy="2765702"/>
+            <a:chOff x="406180" y="2478433"/>
+            <a:chExt cx="8166549" cy="2765702"/>
+          </a:xfrm>
+        </p:grpSpPr>
+        <p:grpSp>
+          <p:nvGrpSpPr>
+            <p:cNvPr id="3" name="グループ化 2">
+              <a:extLst>
+                <a:ext uri="{FF2B5EF4-FFF2-40B4-BE49-F238E27FC236}">
+                  <a16:creationId xmlns:a16="http://schemas.microsoft.com/office/drawing/2014/main" id="{3AEF64DB-6038-43A2-8706-A0C53B9BC18B}"/>
+                </a:ext>
+              </a:extLst>
+            </p:cNvPr>
+            <p:cNvGrpSpPr/>
+            <p:nvPr/>
+          </p:nvGrpSpPr>
+          <p:grpSpPr>
+            <a:xfrm>
+              <a:off x="931244" y="4547036"/>
+              <a:ext cx="2981207" cy="369332"/>
+              <a:chOff x="1463056" y="4703138"/>
+              <a:chExt cx="2981207" cy="369332"/>
+            </a:xfrm>
+          </p:grpSpPr>
+          <p:cxnSp>
+            <p:nvCxnSpPr>
+              <p:cNvPr id="4" name="直線矢印コネクタ 3">
+                <a:extLst>
+                  <a:ext uri="{FF2B5EF4-FFF2-40B4-BE49-F238E27FC236}">
+                    <a16:creationId xmlns:a16="http://schemas.microsoft.com/office/drawing/2014/main" id="{F8B4B841-EA26-4834-928F-21299B98E97C}"/>
+                  </a:ext>
+                </a:extLst>
+              </p:cNvPr>
+              <p:cNvCxnSpPr>
+                <a:cxnSpLocks/>
+              </p:cNvCxnSpPr>
+              <p:nvPr/>
+            </p:nvCxnSpPr>
+            <p:spPr>
+              <a:xfrm>
+                <a:off x="1463056" y="4720729"/>
+                <a:ext cx="2813756" cy="0"/>
+              </a:xfrm>
+              <a:prstGeom prst="straightConnector1">
+                <a:avLst/>
+              </a:prstGeom>
+              <a:ln>
+                <a:solidFill>
+                  <a:schemeClr val="tx1"/>
+                </a:solidFill>
+                <a:tailEnd type="triangle"/>
+              </a:ln>
+            </p:spPr>
+            <p:style>
+              <a:lnRef idx="1">
+                <a:schemeClr val="accent1"/>
+              </a:lnRef>
+              <a:fillRef idx="0">
+                <a:schemeClr val="accent1"/>
+              </a:fillRef>
+              <a:effectRef idx="0">
+                <a:schemeClr val="accent1"/>
+              </a:effectRef>
+              <a:fontRef idx="minor">
+                <a:schemeClr val="tx1"/>
+              </a:fontRef>
+            </p:style>
+          </p:cxnSp>
+          <p:sp>
+            <p:nvSpPr>
+              <p:cNvPr id="5" name="テキスト ボックス 4">
+                <a:extLst>
+                  <a:ext uri="{FF2B5EF4-FFF2-40B4-BE49-F238E27FC236}">
+                    <a16:creationId xmlns:a16="http://schemas.microsoft.com/office/drawing/2014/main" id="{6F5B222F-711E-4694-9573-2B2B1B63AE1A}"/>
+                  </a:ext>
+                </a:extLst>
+              </p:cNvPr>
+              <p:cNvSpPr txBox="1"/>
+              <p:nvPr/>
+            </p:nvSpPr>
+            <p:spPr>
+              <a:xfrm>
+                <a:off x="4145783" y="4703138"/>
+                <a:ext cx="298480" cy="369332"/>
+              </a:xfrm>
+              <a:prstGeom prst="rect">
+                <a:avLst/>
+              </a:prstGeom>
+              <a:noFill/>
+            </p:spPr>
+            <p:txBody>
+              <a:bodyPr wrap="none" rtlCol="0">
+                <a:spAutoFit/>
+              </a:bodyPr>
+              <a:lstStyle/>
+              <a:p>
+                <a:r>
+                  <a:rPr lang="en-US" altLang="ja-JP" dirty="0"/>
+                  <a:t>y</a:t>
+                </a:r>
+                <a:endParaRPr kumimoji="1" lang="ja-JP" altLang="en-US" dirty="0"/>
+              </a:p>
+            </p:txBody>
+          </p:sp>
+        </p:grpSp>
+        <p:grpSp>
+          <p:nvGrpSpPr>
+            <p:cNvPr id="6" name="グループ化 5">
+              <a:extLst>
+                <a:ext uri="{FF2B5EF4-FFF2-40B4-BE49-F238E27FC236}">
+                  <a16:creationId xmlns:a16="http://schemas.microsoft.com/office/drawing/2014/main" id="{F2ECEA21-A286-4BD3-9236-E6A6EE38CD79}"/>
+                </a:ext>
+              </a:extLst>
+            </p:cNvPr>
+            <p:cNvGrpSpPr/>
+            <p:nvPr/>
+          </p:nvGrpSpPr>
+          <p:grpSpPr>
+            <a:xfrm>
+              <a:off x="837167" y="2478433"/>
+              <a:ext cx="290464" cy="2253269"/>
+              <a:chOff x="1353775" y="2902590"/>
+              <a:chExt cx="290464" cy="2253269"/>
+            </a:xfrm>
+          </p:grpSpPr>
+          <p:cxnSp>
+            <p:nvCxnSpPr>
+              <p:cNvPr id="7" name="直線矢印コネクタ 6">
+                <a:extLst>
+                  <a:ext uri="{FF2B5EF4-FFF2-40B4-BE49-F238E27FC236}">
+                    <a16:creationId xmlns:a16="http://schemas.microsoft.com/office/drawing/2014/main" id="{3792A70E-D1AA-461F-8EC4-CD4D5FA6E0E1}"/>
+                  </a:ext>
+                </a:extLst>
+              </p:cNvPr>
+              <p:cNvCxnSpPr>
+                <a:cxnSpLocks/>
+              </p:cNvCxnSpPr>
+              <p:nvPr/>
+            </p:nvCxnSpPr>
+            <p:spPr>
+              <a:xfrm flipV="1">
+                <a:off x="1602296" y="2902590"/>
+                <a:ext cx="0" cy="2253269"/>
+              </a:xfrm>
+              <a:prstGeom prst="straightConnector1">
+                <a:avLst/>
+              </a:prstGeom>
+              <a:ln>
+                <a:tailEnd type="triangle"/>
+              </a:ln>
+            </p:spPr>
+            <p:style>
+              <a:lnRef idx="1">
+                <a:schemeClr val="dk1"/>
+              </a:lnRef>
+              <a:fillRef idx="0">
+                <a:schemeClr val="dk1"/>
+              </a:fillRef>
+              <a:effectRef idx="0">
+                <a:schemeClr val="dk1"/>
+              </a:effectRef>
+              <a:fontRef idx="minor">
+                <a:schemeClr val="tx1"/>
+              </a:fontRef>
+            </p:style>
+          </p:cxnSp>
+          <p:sp>
+            <p:nvSpPr>
+              <p:cNvPr id="8" name="テキスト ボックス 7">
+                <a:extLst>
+                  <a:ext uri="{FF2B5EF4-FFF2-40B4-BE49-F238E27FC236}">
+                    <a16:creationId xmlns:a16="http://schemas.microsoft.com/office/drawing/2014/main" id="{71477F2E-D401-484D-91FC-71DBC91A74DC}"/>
+                  </a:ext>
+                </a:extLst>
+              </p:cNvPr>
+              <p:cNvSpPr txBox="1"/>
+              <p:nvPr/>
+            </p:nvSpPr>
+            <p:spPr>
+              <a:xfrm>
+                <a:off x="1353775" y="3122525"/>
+                <a:ext cx="290464" cy="369332"/>
+              </a:xfrm>
+              <a:prstGeom prst="rect">
+                <a:avLst/>
+              </a:prstGeom>
+              <a:noFill/>
+            </p:spPr>
+            <p:txBody>
+              <a:bodyPr wrap="none" rtlCol="0">
+                <a:spAutoFit/>
+              </a:bodyPr>
+              <a:lstStyle/>
+              <a:p>
+                <a:r>
+                  <a:rPr kumimoji="1" lang="en-US" altLang="ja-JP" dirty="0"/>
+                  <a:t>z</a:t>
+                </a:r>
+                <a:endParaRPr kumimoji="1" lang="ja-JP" altLang="en-US" dirty="0"/>
+              </a:p>
+            </p:txBody>
+          </p:sp>
+        </p:grpSp>
+        <p:cxnSp>
+          <p:nvCxnSpPr>
+            <p:cNvPr id="12" name="直線コネクタ 11">
+              <a:extLst>
+                <a:ext uri="{FF2B5EF4-FFF2-40B4-BE49-F238E27FC236}">
+                  <a16:creationId xmlns:a16="http://schemas.microsoft.com/office/drawing/2014/main" id="{756F0925-3F3D-4A68-B8E9-98B86C2AAA16}"/>
+                </a:ext>
+              </a:extLst>
+            </p:cNvPr>
+            <p:cNvCxnSpPr/>
+            <p:nvPr/>
+          </p:nvCxnSpPr>
+          <p:spPr>
+            <a:xfrm flipV="1">
+              <a:off x="632684" y="2981773"/>
+              <a:ext cx="3481431" cy="1820411"/>
+            </a:xfrm>
+            <a:prstGeom prst="line">
+              <a:avLst/>
+            </a:prstGeom>
+          </p:spPr>
+          <p:style>
+            <a:lnRef idx="1">
+              <a:schemeClr val="dk1"/>
+            </a:lnRef>
+            <a:fillRef idx="0">
+              <a:schemeClr val="dk1"/>
+            </a:fillRef>
+            <a:effectRef idx="0">
+              <a:schemeClr val="dk1"/>
+            </a:effectRef>
+            <a:fontRef idx="minor">
+              <a:schemeClr val="tx1"/>
+            </a:fontRef>
+          </p:style>
+        </p:cxnSp>
+        <mc:AlternateContent xmlns:mc="http://schemas.openxmlformats.org/markup-compatibility/2006">
+          <mc:Choice xmlns:a14="http://schemas.microsoft.com/office/drawing/2010/main" Requires="a14">
+            <p:sp>
+              <p:nvSpPr>
+                <p:cNvPr id="13" name="テキスト ボックス 12">
+                  <a:extLst>
+                    <a:ext uri="{FF2B5EF4-FFF2-40B4-BE49-F238E27FC236}">
+                      <a16:creationId xmlns:a16="http://schemas.microsoft.com/office/drawing/2014/main" id="{7E2361C7-5CE0-4A8E-974F-2310B19B459F}"/>
+                    </a:ext>
+                  </a:extLst>
+                </p:cNvPr>
+                <p:cNvSpPr txBox="1"/>
+                <p:nvPr/>
+              </p:nvSpPr>
+              <p:spPr>
+                <a:xfrm>
+                  <a:off x="4038614" y="2589203"/>
+                  <a:ext cx="999569" cy="369332"/>
+                </a:xfrm>
+                <a:prstGeom prst="rect">
+                  <a:avLst/>
+                </a:prstGeom>
+                <a:noFill/>
+              </p:spPr>
+              <p:txBody>
+                <a:bodyPr wrap="none" rtlCol="0">
+                  <a:spAutoFit/>
+                </a:bodyPr>
+                <a:lstStyle/>
+                <a:p>
+                  <a:r>
+                    <a:rPr kumimoji="1" lang="en-US" altLang="ja-JP" dirty="0"/>
+                    <a:t>Plane </a:t>
+                  </a:r>
+                  <a14:m>
+                    <m:oMath xmlns:m="http://schemas.openxmlformats.org/officeDocument/2006/math">
+                      <m:r>
+                        <a:rPr kumimoji="1" lang="en-US" altLang="ja-JP" b="0" i="1" smtClean="0">
+                          <a:latin typeface="Cambria Math" panose="02040503050406030204" pitchFamily="18" charset="0"/>
+                        </a:rPr>
+                        <m:t>𝛼</m:t>
+                      </m:r>
+                    </m:oMath>
+                  </a14:m>
+                  <a:endParaRPr kumimoji="1" lang="en-US" altLang="ja-JP" b="0" dirty="0"/>
+                </a:p>
+              </p:txBody>
+            </p:sp>
+          </mc:Choice>
+          <mc:Fallback>
+            <p:sp>
+              <p:nvSpPr>
+                <p:cNvPr id="13" name="テキスト ボックス 12">
+                  <a:extLst>
+                    <a:ext uri="{FF2B5EF4-FFF2-40B4-BE49-F238E27FC236}">
+                      <a16:creationId xmlns:a16="http://schemas.microsoft.com/office/drawing/2014/main" id="{7E2361C7-5CE0-4A8E-974F-2310B19B459F}"/>
+                    </a:ext>
+                  </a:extLst>
+                </p:cNvPr>
+                <p:cNvSpPr txBox="1">
+                  <a:spLocks noRot="1" noChangeAspect="1" noMove="1" noResize="1" noEditPoints="1" noAdjustHandles="1" noChangeArrowheads="1" noChangeShapeType="1" noTextEdit="1"/>
+                </p:cNvSpPr>
+                <p:nvPr/>
+              </p:nvSpPr>
+              <p:spPr>
+                <a:xfrm>
+                  <a:off x="4038614" y="2589203"/>
+                  <a:ext cx="999569" cy="369332"/>
+                </a:xfrm>
+                <a:prstGeom prst="rect">
+                  <a:avLst/>
+                </a:prstGeom>
+                <a:blipFill>
+                  <a:blip r:embed="rId2"/>
+                  <a:stretch>
+                    <a:fillRect l="-5488" t="-6557" b="-26230"/>
+                  </a:stretch>
+                </a:blipFill>
+              </p:spPr>
+              <p:txBody>
+                <a:bodyPr/>
+                <a:lstStyle/>
+                <a:p>
+                  <a:r>
+                    <a:rPr lang="ja-JP" altLang="en-US">
+                      <a:noFill/>
+                    </a:rPr>
+                    <a:t> </a:t>
+                  </a:r>
+                </a:p>
+              </p:txBody>
+            </p:sp>
+          </mc:Fallback>
+        </mc:AlternateContent>
+        <mc:AlternateContent xmlns:mc="http://schemas.openxmlformats.org/markup-compatibility/2006">
+          <mc:Choice xmlns:a14="http://schemas.microsoft.com/office/drawing/2010/main" Requires="a14">
+            <p:sp>
+              <p:nvSpPr>
+                <p:cNvPr id="14" name="テキスト ボックス 13">
+                  <a:extLst>
+                    <a:ext uri="{FF2B5EF4-FFF2-40B4-BE49-F238E27FC236}">
+                      <a16:creationId xmlns:a16="http://schemas.microsoft.com/office/drawing/2014/main" id="{15E70BD9-C61A-44CE-BE07-AFF2D2C80CA2}"/>
+                    </a:ext>
+                  </a:extLst>
+                </p:cNvPr>
+                <p:cNvSpPr txBox="1"/>
+                <p:nvPr/>
+              </p:nvSpPr>
+              <p:spPr>
+                <a:xfrm>
+                  <a:off x="1709713" y="4177704"/>
+                  <a:ext cx="395236" cy="369332"/>
+                </a:xfrm>
+                <a:prstGeom prst="rect">
+                  <a:avLst/>
+                </a:prstGeom>
+                <a:noFill/>
+              </p:spPr>
+              <p:txBody>
+                <a:bodyPr wrap="none" rtlCol="0">
+                  <a:spAutoFit/>
+                </a:bodyPr>
+                <a:lstStyle/>
+                <a:p>
+                  <a14:m>
+                    <m:oMathPara xmlns:m="http://schemas.openxmlformats.org/officeDocument/2006/math">
+                      <m:oMathParaPr>
+                        <m:jc m:val="centerGroup"/>
+                      </m:oMathParaPr>
+                      <m:oMath xmlns:m="http://schemas.openxmlformats.org/officeDocument/2006/math">
+                        <m:r>
+                          <a:rPr kumimoji="1" lang="en-US" altLang="ja-JP" b="0" i="1" smtClean="0">
+                            <a:latin typeface="Cambria Math" panose="02040503050406030204" pitchFamily="18" charset="0"/>
+                          </a:rPr>
+                          <m:t>𝛼</m:t>
+                        </m:r>
+                      </m:oMath>
+                    </m:oMathPara>
+                  </a14:m>
+                  <a:endParaRPr kumimoji="1" lang="ja-JP" altLang="en-US" dirty="0"/>
+                </a:p>
+              </p:txBody>
+            </p:sp>
+          </mc:Choice>
+          <mc:Fallback>
+            <p:sp>
+              <p:nvSpPr>
+                <p:cNvPr id="14" name="テキスト ボックス 13">
+                  <a:extLst>
+                    <a:ext uri="{FF2B5EF4-FFF2-40B4-BE49-F238E27FC236}">
+                      <a16:creationId xmlns:a16="http://schemas.microsoft.com/office/drawing/2014/main" id="{15E70BD9-C61A-44CE-BE07-AFF2D2C80CA2}"/>
+                    </a:ext>
+                  </a:extLst>
+                </p:cNvPr>
+                <p:cNvSpPr txBox="1">
+                  <a:spLocks noRot="1" noChangeAspect="1" noMove="1" noResize="1" noEditPoints="1" noAdjustHandles="1" noChangeArrowheads="1" noChangeShapeType="1" noTextEdit="1"/>
+                </p:cNvSpPr>
+                <p:nvPr/>
+              </p:nvSpPr>
+              <p:spPr>
+                <a:xfrm>
+                  <a:off x="1709713" y="4177704"/>
+                  <a:ext cx="395236" cy="369332"/>
+                </a:xfrm>
+                <a:prstGeom prst="rect">
+                  <a:avLst/>
+                </a:prstGeom>
+                <a:blipFill>
+                  <a:blip r:embed="rId3"/>
+                  <a:stretch>
+                    <a:fillRect/>
+                  </a:stretch>
+                </a:blipFill>
+              </p:spPr>
+              <p:txBody>
+                <a:bodyPr/>
+                <a:lstStyle/>
+                <a:p>
+                  <a:r>
+                    <a:rPr lang="ja-JP" altLang="en-US">
+                      <a:noFill/>
+                    </a:rPr>
+                    <a:t> </a:t>
+                  </a:r>
+                </a:p>
+              </p:txBody>
+            </p:sp>
+          </mc:Fallback>
+        </mc:AlternateContent>
+        <p:sp>
+          <p:nvSpPr>
+            <p:cNvPr id="15" name="円弧 14">
+              <a:extLst>
+                <a:ext uri="{FF2B5EF4-FFF2-40B4-BE49-F238E27FC236}">
+                  <a16:creationId xmlns:a16="http://schemas.microsoft.com/office/drawing/2014/main" id="{B2E2391F-8725-4357-8F2F-B7A383F26C09}"/>
+                </a:ext>
+              </a:extLst>
+            </p:cNvPr>
+            <p:cNvSpPr/>
+            <p:nvPr/>
+          </p:nvSpPr>
+          <p:spPr>
+            <a:xfrm>
+              <a:off x="406180" y="3885119"/>
+              <a:ext cx="1359016" cy="1359016"/>
+            </a:xfrm>
+            <a:prstGeom prst="arc">
+              <a:avLst>
+                <a:gd name="adj1" fmla="val 20001445"/>
+                <a:gd name="adj2" fmla="val 0"/>
+              </a:avLst>
+            </a:prstGeom>
+            <a:ln w="19050">
+              <a:solidFill>
+                <a:schemeClr val="tx1"/>
+              </a:solidFill>
+            </a:ln>
+          </p:spPr>
+          <p:style>
+            <a:lnRef idx="1">
+              <a:schemeClr val="accent1"/>
+            </a:lnRef>
+            <a:fillRef idx="0">
+              <a:schemeClr val="accent1"/>
+            </a:fillRef>
+            <a:effectRef idx="0">
+              <a:schemeClr val="accent1"/>
+            </a:effectRef>
+            <a:fontRef idx="minor">
+              <a:schemeClr val="tx1"/>
+            </a:fontRef>
+          </p:style>
+          <p:txBody>
+            <a:bodyPr rtlCol="0" anchor="ctr"/>
+            <a:lstStyle/>
+            <a:p>
+              <a:pPr algn="ctr"/>
+              <a:endParaRPr kumimoji="1" lang="ja-JP" altLang="en-US"/>
+            </a:p>
+          </p:txBody>
+        </p:sp>
+        <p:sp>
+          <p:nvSpPr>
+            <p:cNvPr id="16" name="楕円 15">
+              <a:extLst>
+                <a:ext uri="{FF2B5EF4-FFF2-40B4-BE49-F238E27FC236}">
+                  <a16:creationId xmlns:a16="http://schemas.microsoft.com/office/drawing/2014/main" id="{19394CBE-7050-4A3C-86DB-BFE10DFA7CB7}"/>
+                </a:ext>
+              </a:extLst>
+            </p:cNvPr>
+            <p:cNvSpPr/>
+            <p:nvPr/>
+          </p:nvSpPr>
+          <p:spPr>
+            <a:xfrm>
+              <a:off x="2453095" y="3720004"/>
+              <a:ext cx="165109" cy="165109"/>
+            </a:xfrm>
+            <a:prstGeom prst="ellipse">
+              <a:avLst/>
+            </a:prstGeom>
+            <a:pattFill prst="narHorz">
+              <a:fgClr>
+                <a:schemeClr val="dk1"/>
+              </a:fgClr>
+              <a:bgClr>
+                <a:schemeClr val="bg1"/>
+              </a:bgClr>
+            </a:pattFill>
+          </p:spPr>
+          <p:style>
+            <a:lnRef idx="2">
+              <a:schemeClr val="dk1">
+                <a:shade val="50000"/>
+              </a:schemeClr>
+            </a:lnRef>
+            <a:fillRef idx="1">
+              <a:schemeClr val="dk1"/>
+            </a:fillRef>
+            <a:effectRef idx="0">
+              <a:schemeClr val="dk1"/>
+            </a:effectRef>
+            <a:fontRef idx="minor">
+              <a:schemeClr val="lt1"/>
+            </a:fontRef>
+          </p:style>
+          <p:txBody>
+            <a:bodyPr rtlCol="0" anchor="ctr"/>
+            <a:lstStyle/>
+            <a:p>
+              <a:pPr algn="ctr"/>
+              <a:endParaRPr kumimoji="1" lang="ja-JP" altLang="en-US"/>
+            </a:p>
+          </p:txBody>
+        </p:sp>
+        <mc:AlternateContent xmlns:mc="http://schemas.openxmlformats.org/markup-compatibility/2006">
+          <mc:Choice xmlns:a14="http://schemas.microsoft.com/office/drawing/2010/main" Requires="a14">
+            <p:sp>
+              <p:nvSpPr>
+                <p:cNvPr id="17" name="テキスト ボックス 16">
+                  <a:extLst>
+                    <a:ext uri="{FF2B5EF4-FFF2-40B4-BE49-F238E27FC236}">
+                      <a16:creationId xmlns:a16="http://schemas.microsoft.com/office/drawing/2014/main" id="{43285CE9-6AA7-4780-B8D2-0CB0335B540E}"/>
+                    </a:ext>
+                  </a:extLst>
+                </p:cNvPr>
+                <p:cNvSpPr txBox="1"/>
+                <p:nvPr/>
+              </p:nvSpPr>
+              <p:spPr>
+                <a:xfrm>
+                  <a:off x="2160756" y="3226506"/>
+                  <a:ext cx="4972130" cy="369332"/>
+                </a:xfrm>
+                <a:prstGeom prst="rect">
+                  <a:avLst/>
+                </a:prstGeom>
+                <a:noFill/>
+              </p:spPr>
+              <p:txBody>
+                <a:bodyPr wrap="none" rtlCol="0">
+                  <a:spAutoFit/>
+                </a:bodyPr>
+                <a:lstStyle/>
+                <a:p>
+                  <a:r>
+                    <a:rPr lang="en-US" altLang="ja-JP" dirty="0"/>
+                    <a:t>The</a:t>
+                  </a:r>
+                  <a:r>
+                    <a:rPr kumimoji="1" lang="en-US" altLang="ja-JP" dirty="0"/>
+                    <a:t> point on the center line at the length of </a:t>
+                  </a:r>
+                  <a14:m>
+                    <m:oMath xmlns:m="http://schemas.openxmlformats.org/officeDocument/2006/math">
+                      <m:r>
+                        <a:rPr kumimoji="1" lang="en-US" altLang="ja-JP" b="0" i="1" smtClean="0">
+                          <a:latin typeface="Cambria Math" panose="02040503050406030204" pitchFamily="18" charset="0"/>
+                        </a:rPr>
+                        <m:t>𝑙</m:t>
+                      </m:r>
+                    </m:oMath>
+                  </a14:m>
+                  <a:endParaRPr kumimoji="1" lang="ja-JP" altLang="en-US" dirty="0"/>
+                </a:p>
+              </p:txBody>
+            </p:sp>
+          </mc:Choice>
+          <mc:Fallback>
+            <p:sp>
+              <p:nvSpPr>
+                <p:cNvPr id="17" name="テキスト ボックス 16">
+                  <a:extLst>
+                    <a:ext uri="{FF2B5EF4-FFF2-40B4-BE49-F238E27FC236}">
+                      <a16:creationId xmlns:a16="http://schemas.microsoft.com/office/drawing/2014/main" id="{43285CE9-6AA7-4780-B8D2-0CB0335B540E}"/>
+                    </a:ext>
+                  </a:extLst>
+                </p:cNvPr>
+                <p:cNvSpPr txBox="1">
+                  <a:spLocks noRot="1" noChangeAspect="1" noMove="1" noResize="1" noEditPoints="1" noAdjustHandles="1" noChangeArrowheads="1" noChangeShapeType="1" noTextEdit="1"/>
+                </p:cNvSpPr>
+                <p:nvPr/>
+              </p:nvSpPr>
+              <p:spPr>
+                <a:xfrm>
+                  <a:off x="2160756" y="3226506"/>
+                  <a:ext cx="4972130" cy="369332"/>
+                </a:xfrm>
+                <a:prstGeom prst="rect">
+                  <a:avLst/>
+                </a:prstGeom>
+                <a:blipFill>
+                  <a:blip r:embed="rId4"/>
+                  <a:stretch>
+                    <a:fillRect l="-1104" t="-8333" b="-28333"/>
+                  </a:stretch>
+                </a:blipFill>
+              </p:spPr>
+              <p:txBody>
+                <a:bodyPr/>
+                <a:lstStyle/>
+                <a:p>
+                  <a:r>
+                    <a:rPr lang="ja-JP" altLang="en-US">
+                      <a:noFill/>
+                    </a:rPr>
+                    <a:t> </a:t>
+                  </a:r>
+                </a:p>
+              </p:txBody>
+            </p:sp>
+          </mc:Fallback>
+        </mc:AlternateContent>
+        <p:sp>
+          <p:nvSpPr>
+            <p:cNvPr id="18" name="楕円 17">
+              <a:extLst>
+                <a:ext uri="{FF2B5EF4-FFF2-40B4-BE49-F238E27FC236}">
+                  <a16:creationId xmlns:a16="http://schemas.microsoft.com/office/drawing/2014/main" id="{D3F86FF6-EE64-4CBE-813A-2F83E6E769B7}"/>
+                </a:ext>
+              </a:extLst>
+            </p:cNvPr>
+            <p:cNvSpPr/>
+            <p:nvPr/>
+          </p:nvSpPr>
+          <p:spPr>
+            <a:xfrm>
+              <a:off x="2836130" y="4505304"/>
+              <a:ext cx="165109" cy="165109"/>
+            </a:xfrm>
+            <a:prstGeom prst="ellipse">
+              <a:avLst/>
+            </a:prstGeom>
+          </p:spPr>
+          <p:style>
+            <a:lnRef idx="2">
+              <a:schemeClr val="dk1">
+                <a:shade val="50000"/>
+              </a:schemeClr>
+            </a:lnRef>
+            <a:fillRef idx="1">
+              <a:schemeClr val="dk1"/>
+            </a:fillRef>
+            <a:effectRef idx="0">
+              <a:schemeClr val="dk1"/>
+            </a:effectRef>
+            <a:fontRef idx="minor">
+              <a:schemeClr val="lt1"/>
+            </a:fontRef>
+          </p:style>
+          <p:txBody>
+            <a:bodyPr rtlCol="0" anchor="ctr"/>
+            <a:lstStyle/>
+            <a:p>
+              <a:pPr algn="ctr"/>
+              <a:endParaRPr kumimoji="1" lang="ja-JP" altLang="en-US"/>
+            </a:p>
+          </p:txBody>
+        </p:sp>
+        <p:cxnSp>
+          <p:nvCxnSpPr>
+            <p:cNvPr id="19" name="直線コネクタ 18">
+              <a:extLst>
+                <a:ext uri="{FF2B5EF4-FFF2-40B4-BE49-F238E27FC236}">
+                  <a16:creationId xmlns:a16="http://schemas.microsoft.com/office/drawing/2014/main" id="{937A183F-D7E0-42D7-B163-858277DB4637}"/>
+                </a:ext>
+              </a:extLst>
+            </p:cNvPr>
+            <p:cNvCxnSpPr>
+              <a:cxnSpLocks/>
+            </p:cNvCxnSpPr>
+            <p:nvPr/>
+          </p:nvCxnSpPr>
+          <p:spPr>
+            <a:xfrm>
+              <a:off x="2520208" y="3802558"/>
+              <a:ext cx="398477" cy="762063"/>
+            </a:xfrm>
+            <a:prstGeom prst="line">
+              <a:avLst/>
+            </a:prstGeom>
+          </p:spPr>
+          <p:style>
+            <a:lnRef idx="1">
+              <a:schemeClr val="dk1"/>
+            </a:lnRef>
+            <a:fillRef idx="0">
+              <a:schemeClr val="dk1"/>
+            </a:fillRef>
+            <a:effectRef idx="0">
+              <a:schemeClr val="dk1"/>
+            </a:effectRef>
+            <a:fontRef idx="minor">
+              <a:schemeClr val="tx1"/>
+            </a:fontRef>
+          </p:style>
+        </p:cxnSp>
+        <mc:AlternateContent xmlns:mc="http://schemas.openxmlformats.org/markup-compatibility/2006">
+          <mc:Choice xmlns:a14="http://schemas.microsoft.com/office/drawing/2010/main" Requires="a14">
+            <p:sp>
+              <p:nvSpPr>
+                <p:cNvPr id="23" name="テキスト ボックス 22">
+                  <a:extLst>
+                    <a:ext uri="{FF2B5EF4-FFF2-40B4-BE49-F238E27FC236}">
+                      <a16:creationId xmlns:a16="http://schemas.microsoft.com/office/drawing/2014/main" id="{345ACE03-2858-4899-817B-77BD65D58FE2}"/>
+                    </a:ext>
+                  </a:extLst>
+                </p:cNvPr>
+                <p:cNvSpPr txBox="1"/>
+                <p:nvPr/>
+              </p:nvSpPr>
+              <p:spPr>
+                <a:xfrm>
+                  <a:off x="2453095" y="4825422"/>
+                  <a:ext cx="4813434" cy="369332"/>
+                </a:xfrm>
+                <a:prstGeom prst="rect">
+                  <a:avLst/>
+                </a:prstGeom>
+                <a:noFill/>
+              </p:spPr>
+              <p:txBody>
+                <a:bodyPr wrap="none" rtlCol="0">
+                  <a:spAutoFit/>
+                </a:bodyPr>
+                <a:lstStyle/>
+                <a:p>
+                  <a:r>
+                    <a:rPr lang="en-US" altLang="ja-JP" dirty="0"/>
+                    <a:t>The</a:t>
+                  </a:r>
+                  <a:r>
+                    <a:rPr kumimoji="1" lang="en-US" altLang="ja-JP" dirty="0"/>
+                    <a:t> point on </a:t>
+                  </a:r>
+                  <a:r>
+                    <a:rPr lang="en-US" altLang="ja-JP" dirty="0"/>
+                    <a:t>the</a:t>
+                  </a:r>
+                  <a:r>
+                    <a:rPr kumimoji="1" lang="en-US" altLang="ja-JP" dirty="0"/>
+                    <a:t> edge line at the length of </a:t>
+                  </a:r>
+                  <a14:m>
+                    <m:oMath xmlns:m="http://schemas.openxmlformats.org/officeDocument/2006/math">
+                      <m:r>
+                        <a:rPr kumimoji="1" lang="en-US" altLang="ja-JP" b="0" i="1" smtClean="0">
+                          <a:latin typeface="Cambria Math" panose="02040503050406030204" pitchFamily="18" charset="0"/>
+                        </a:rPr>
+                        <m:t>𝑙</m:t>
+                      </m:r>
+                    </m:oMath>
+                  </a14:m>
+                  <a:endParaRPr kumimoji="1" lang="ja-JP" altLang="en-US" dirty="0"/>
+                </a:p>
+              </p:txBody>
+            </p:sp>
+          </mc:Choice>
+          <mc:Fallback>
+            <p:sp>
+              <p:nvSpPr>
+                <p:cNvPr id="23" name="テキスト ボックス 22">
+                  <a:extLst>
+                    <a:ext uri="{FF2B5EF4-FFF2-40B4-BE49-F238E27FC236}">
+                      <a16:creationId xmlns:a16="http://schemas.microsoft.com/office/drawing/2014/main" id="{345ACE03-2858-4899-817B-77BD65D58FE2}"/>
+                    </a:ext>
+                  </a:extLst>
+                </p:cNvPr>
+                <p:cNvSpPr txBox="1">
+                  <a:spLocks noRot="1" noChangeAspect="1" noMove="1" noResize="1" noEditPoints="1" noAdjustHandles="1" noChangeArrowheads="1" noChangeShapeType="1" noTextEdit="1"/>
+                </p:cNvSpPr>
+                <p:nvPr/>
+              </p:nvSpPr>
+              <p:spPr>
+                <a:xfrm>
+                  <a:off x="2453095" y="4825422"/>
+                  <a:ext cx="4813434" cy="369332"/>
+                </a:xfrm>
+                <a:prstGeom prst="rect">
+                  <a:avLst/>
+                </a:prstGeom>
+                <a:blipFill>
+                  <a:blip r:embed="rId5"/>
+                  <a:stretch>
+                    <a:fillRect l="-1013" t="-8197" b="-26230"/>
+                  </a:stretch>
+                </a:blipFill>
+              </p:spPr>
+              <p:txBody>
+                <a:bodyPr/>
+                <a:lstStyle/>
+                <a:p>
+                  <a:r>
+                    <a:rPr lang="ja-JP" altLang="en-US">
+                      <a:noFill/>
+                    </a:rPr>
+                    <a:t> </a:t>
+                  </a:r>
+                </a:p>
+              </p:txBody>
+            </p:sp>
+          </mc:Fallback>
+        </mc:AlternateContent>
+        <p:sp>
+          <p:nvSpPr>
+            <p:cNvPr id="24" name="円弧 23">
+              <a:extLst>
+                <a:ext uri="{FF2B5EF4-FFF2-40B4-BE49-F238E27FC236}">
+                  <a16:creationId xmlns:a16="http://schemas.microsoft.com/office/drawing/2014/main" id="{7DAC2E8B-5D85-454E-811D-00BAE10CE93A}"/>
+                </a:ext>
+              </a:extLst>
+            </p:cNvPr>
+            <p:cNvSpPr/>
+            <p:nvPr/>
+          </p:nvSpPr>
+          <p:spPr>
+            <a:xfrm>
+              <a:off x="2204286" y="3502900"/>
+              <a:ext cx="631844" cy="631844"/>
+            </a:xfrm>
+            <a:prstGeom prst="arc">
+              <a:avLst>
+                <a:gd name="adj1" fmla="val 3765685"/>
+                <a:gd name="adj2" fmla="val 8966201"/>
+              </a:avLst>
+            </a:prstGeom>
+            <a:ln w="19050">
+              <a:solidFill>
+                <a:schemeClr val="tx1"/>
+              </a:solidFill>
+            </a:ln>
+          </p:spPr>
+          <p:style>
+            <a:lnRef idx="1">
+              <a:schemeClr val="accent1"/>
+            </a:lnRef>
+            <a:fillRef idx="0">
+              <a:schemeClr val="accent1"/>
+            </a:fillRef>
+            <a:effectRef idx="0">
+              <a:schemeClr val="accent1"/>
+            </a:effectRef>
+            <a:fontRef idx="minor">
+              <a:schemeClr val="tx1"/>
+            </a:fontRef>
+          </p:style>
+          <p:txBody>
+            <a:bodyPr rtlCol="0" anchor="ctr"/>
+            <a:lstStyle/>
+            <a:p>
+              <a:pPr algn="ctr"/>
+              <a:endParaRPr kumimoji="1" lang="ja-JP" altLang="en-US"/>
+            </a:p>
+          </p:txBody>
+        </p:sp>
+        <p:sp>
+          <p:nvSpPr>
+            <p:cNvPr id="25" name="テキスト ボックス 24">
+              <a:extLst>
+                <a:ext uri="{FF2B5EF4-FFF2-40B4-BE49-F238E27FC236}">
+                  <a16:creationId xmlns:a16="http://schemas.microsoft.com/office/drawing/2014/main" id="{154EBA1F-D6BD-43EA-B20F-C9BBCBB93AB5}"/>
+                </a:ext>
+              </a:extLst>
+            </p:cNvPr>
+            <p:cNvSpPr txBox="1"/>
+            <p:nvPr/>
+          </p:nvSpPr>
+          <p:spPr>
+            <a:xfrm>
+              <a:off x="4717186" y="3580503"/>
+              <a:ext cx="3855543" cy="369332"/>
+            </a:xfrm>
+            <a:prstGeom prst="rect">
+              <a:avLst/>
+            </a:prstGeom>
+            <a:noFill/>
+          </p:spPr>
+          <p:txBody>
+            <a:bodyPr wrap="none" rtlCol="0">
+              <a:spAutoFit/>
+            </a:bodyPr>
+            <a:lstStyle/>
+            <a:p>
+              <a:r>
+                <a:rPr kumimoji="1" lang="en-US" altLang="ja-JP" dirty="0"/>
+                <a:t>I decided this angle equals to 90°</a:t>
+              </a:r>
+              <a:endParaRPr kumimoji="1" lang="ja-JP" altLang="en-US" dirty="0"/>
+            </a:p>
+          </p:txBody>
+        </p:sp>
+        <p:cxnSp>
+          <p:nvCxnSpPr>
+            <p:cNvPr id="27" name="直線矢印コネクタ 26">
+              <a:extLst>
+                <a:ext uri="{FF2B5EF4-FFF2-40B4-BE49-F238E27FC236}">
+                  <a16:creationId xmlns:a16="http://schemas.microsoft.com/office/drawing/2014/main" id="{98DDB5F6-C291-4346-AA89-DE4D0844A365}"/>
+                </a:ext>
+              </a:extLst>
+            </p:cNvPr>
+            <p:cNvCxnSpPr>
+              <a:cxnSpLocks/>
+              <a:stCxn id="25" idx="1"/>
+            </p:cNvCxnSpPr>
+            <p:nvPr/>
+          </p:nvCxnSpPr>
+          <p:spPr>
+            <a:xfrm flipH="1">
+              <a:off x="2618204" y="3765169"/>
+              <a:ext cx="2098982" cy="183982"/>
+            </a:xfrm>
+            <a:prstGeom prst="straightConnector1">
+              <a:avLst/>
+            </a:prstGeom>
+            <a:ln>
+              <a:tailEnd type="triangle"/>
+            </a:ln>
+          </p:spPr>
+          <p:style>
+            <a:lnRef idx="1">
+              <a:schemeClr val="accent1"/>
+            </a:lnRef>
+            <a:fillRef idx="0">
+              <a:schemeClr val="accent1"/>
+            </a:fillRef>
+            <a:effectRef idx="0">
+              <a:schemeClr val="accent1"/>
+            </a:effectRef>
+            <a:fontRef idx="minor">
+              <a:schemeClr val="tx1"/>
+            </a:fontRef>
+          </p:style>
+        </p:cxnSp>
+        <mc:AlternateContent xmlns:mc="http://schemas.openxmlformats.org/markup-compatibility/2006">
+          <mc:Choice xmlns:a14="http://schemas.microsoft.com/office/drawing/2010/main" Requires="a14">
+            <p:sp>
+              <p:nvSpPr>
+                <p:cNvPr id="10" name="テキスト ボックス 9">
+                  <a:extLst>
+                    <a:ext uri="{FF2B5EF4-FFF2-40B4-BE49-F238E27FC236}">
+                      <a16:creationId xmlns:a16="http://schemas.microsoft.com/office/drawing/2014/main" id="{5465279D-759D-4A3B-A4DA-7D2CE34B5C4D}"/>
+                    </a:ext>
+                  </a:extLst>
+                </p:cNvPr>
+                <p:cNvSpPr txBox="1"/>
+                <p:nvPr/>
+              </p:nvSpPr>
+              <p:spPr>
+                <a:xfrm>
+                  <a:off x="1420117" y="3769369"/>
+                  <a:ext cx="482633" cy="276999"/>
+                </a:xfrm>
+                <a:prstGeom prst="rect">
+                  <a:avLst/>
+                </a:prstGeom>
+                <a:noFill/>
+              </p:spPr>
+              <p:txBody>
+                <a:bodyPr wrap="none" lIns="0" tIns="0" rIns="0" bIns="0" rtlCol="0">
+                  <a:spAutoFit/>
+                </a:bodyPr>
+                <a:lstStyle/>
+                <a:p>
+                  <a14:m>
+                    <m:oMathPara xmlns:m="http://schemas.openxmlformats.org/officeDocument/2006/math">
+                      <m:oMathParaPr>
+                        <m:jc m:val="centerGroup"/>
+                      </m:oMathParaPr>
+                      <m:oMath xmlns:m="http://schemas.openxmlformats.org/officeDocument/2006/math">
+                        <m:r>
+                          <a:rPr kumimoji="1" lang="en-US" altLang="ja-JP" b="0" i="1" smtClean="0">
+                            <a:latin typeface="Cambria Math" panose="02040503050406030204" pitchFamily="18" charset="0"/>
+                          </a:rPr>
+                          <m:t>𝑌</m:t>
+                        </m:r>
+                        <m:r>
+                          <a:rPr kumimoji="1" lang="en-US" altLang="ja-JP" b="0" i="1" smtClean="0">
+                            <a:latin typeface="Cambria Math" panose="02040503050406030204" pitchFamily="18" charset="0"/>
+                          </a:rPr>
+                          <m:t>(</m:t>
+                        </m:r>
+                        <m:r>
+                          <a:rPr kumimoji="1" lang="en-US" altLang="ja-JP" b="0" i="1" smtClean="0">
+                            <a:latin typeface="Cambria Math" panose="02040503050406030204" pitchFamily="18" charset="0"/>
+                          </a:rPr>
+                          <m:t>𝑙</m:t>
+                        </m:r>
+                        <m:r>
+                          <a:rPr kumimoji="1" lang="en-US" altLang="ja-JP" b="0" i="1" smtClean="0">
+                            <a:latin typeface="Cambria Math" panose="02040503050406030204" pitchFamily="18" charset="0"/>
+                          </a:rPr>
+                          <m:t>)</m:t>
+                        </m:r>
+                      </m:oMath>
+                    </m:oMathPara>
+                  </a14:m>
+                  <a:endParaRPr kumimoji="1" lang="ja-JP" altLang="en-US" dirty="0"/>
+                </a:p>
+              </p:txBody>
+            </p:sp>
+          </mc:Choice>
+          <mc:Fallback>
+            <p:sp>
+              <p:nvSpPr>
+                <p:cNvPr id="10" name="テキスト ボックス 9">
+                  <a:extLst>
+                    <a:ext uri="{FF2B5EF4-FFF2-40B4-BE49-F238E27FC236}">
+                      <a16:creationId xmlns:a16="http://schemas.microsoft.com/office/drawing/2014/main" id="{5465279D-759D-4A3B-A4DA-7D2CE34B5C4D}"/>
+                    </a:ext>
+                  </a:extLst>
+                </p:cNvPr>
+                <p:cNvSpPr txBox="1">
+                  <a:spLocks noRot="1" noChangeAspect="1" noMove="1" noResize="1" noEditPoints="1" noAdjustHandles="1" noChangeArrowheads="1" noChangeShapeType="1" noTextEdit="1"/>
+                </p:cNvSpPr>
+                <p:nvPr/>
+              </p:nvSpPr>
+              <p:spPr>
+                <a:xfrm>
+                  <a:off x="1420117" y="3769369"/>
+                  <a:ext cx="482633" cy="276999"/>
+                </a:xfrm>
+                <a:prstGeom prst="rect">
+                  <a:avLst/>
+                </a:prstGeom>
+                <a:blipFill>
+                  <a:blip r:embed="rId6"/>
+                  <a:stretch>
+                    <a:fillRect l="-8861" t="-4444" r="-16456" b="-35556"/>
+                  </a:stretch>
+                </a:blipFill>
+              </p:spPr>
+              <p:txBody>
+                <a:bodyPr/>
+                <a:lstStyle/>
+                <a:p>
+                  <a:r>
+                    <a:rPr lang="ja-JP" altLang="en-US">
+                      <a:noFill/>
+                    </a:rPr>
+                    <a:t> </a:t>
+                  </a:r>
+                </a:p>
+              </p:txBody>
+            </p:sp>
+          </mc:Fallback>
+        </mc:AlternateContent>
+        <mc:AlternateContent xmlns:mc="http://schemas.openxmlformats.org/markup-compatibility/2006">
+          <mc:Choice xmlns:a14="http://schemas.microsoft.com/office/drawing/2010/main" Requires="a14">
+            <p:sp>
+              <p:nvSpPr>
+                <p:cNvPr id="32" name="テキスト ボックス 31">
+                  <a:extLst>
+                    <a:ext uri="{FF2B5EF4-FFF2-40B4-BE49-F238E27FC236}">
+                      <a16:creationId xmlns:a16="http://schemas.microsoft.com/office/drawing/2014/main" id="{1A52C17C-78A1-43D9-B411-CDFD4AFFF2E3}"/>
+                    </a:ext>
+                  </a:extLst>
+                </p:cNvPr>
+                <p:cNvSpPr txBox="1"/>
+                <p:nvPr/>
+              </p:nvSpPr>
+              <p:spPr>
+                <a:xfrm>
+                  <a:off x="2889575" y="4042712"/>
+                  <a:ext cx="470898" cy="276999"/>
+                </a:xfrm>
+                <a:prstGeom prst="rect">
+                  <a:avLst/>
+                </a:prstGeom>
+                <a:noFill/>
+              </p:spPr>
+              <p:txBody>
+                <a:bodyPr wrap="none" lIns="0" tIns="0" rIns="0" bIns="0" rtlCol="0">
+                  <a:spAutoFit/>
+                </a:bodyPr>
+                <a:lstStyle/>
+                <a:p>
+                  <a14:m>
+                    <m:oMathPara xmlns:m="http://schemas.openxmlformats.org/officeDocument/2006/math">
+                      <m:oMathParaPr>
+                        <m:jc m:val="centerGroup"/>
+                      </m:oMathParaPr>
+                      <m:oMath xmlns:m="http://schemas.openxmlformats.org/officeDocument/2006/math">
+                        <m:r>
+                          <a:rPr kumimoji="1" lang="en-US" altLang="ja-JP" b="0" i="1" smtClean="0">
+                            <a:latin typeface="Cambria Math" panose="02040503050406030204" pitchFamily="18" charset="0"/>
+                          </a:rPr>
+                          <m:t>𝑓</m:t>
+                        </m:r>
+                        <m:r>
+                          <a:rPr kumimoji="1" lang="en-US" altLang="ja-JP" b="0" i="1" smtClean="0">
+                            <a:latin typeface="Cambria Math" panose="02040503050406030204" pitchFamily="18" charset="0"/>
+                          </a:rPr>
+                          <m:t>(</m:t>
+                        </m:r>
+                        <m:r>
+                          <a:rPr kumimoji="1" lang="en-US" altLang="ja-JP" b="0" i="1" smtClean="0">
+                            <a:latin typeface="Cambria Math" panose="02040503050406030204" pitchFamily="18" charset="0"/>
+                          </a:rPr>
+                          <m:t>𝑙</m:t>
+                        </m:r>
+                        <m:r>
+                          <a:rPr kumimoji="1" lang="en-US" altLang="ja-JP" b="0" i="1" smtClean="0">
+                            <a:latin typeface="Cambria Math" panose="02040503050406030204" pitchFamily="18" charset="0"/>
+                          </a:rPr>
+                          <m:t>)</m:t>
+                        </m:r>
+                      </m:oMath>
+                    </m:oMathPara>
+                  </a14:m>
+                  <a:endParaRPr kumimoji="1" lang="ja-JP" altLang="en-US" dirty="0"/>
+                </a:p>
+              </p:txBody>
+            </p:sp>
+          </mc:Choice>
+          <mc:Fallback>
+            <p:sp>
+              <p:nvSpPr>
+                <p:cNvPr id="32" name="テキスト ボックス 31">
+                  <a:extLst>
+                    <a:ext uri="{FF2B5EF4-FFF2-40B4-BE49-F238E27FC236}">
+                      <a16:creationId xmlns:a16="http://schemas.microsoft.com/office/drawing/2014/main" id="{1A52C17C-78A1-43D9-B411-CDFD4AFFF2E3}"/>
+                    </a:ext>
+                  </a:extLst>
+                </p:cNvPr>
+                <p:cNvSpPr txBox="1">
+                  <a:spLocks noRot="1" noChangeAspect="1" noMove="1" noResize="1" noEditPoints="1" noAdjustHandles="1" noChangeArrowheads="1" noChangeShapeType="1" noTextEdit="1"/>
+                </p:cNvSpPr>
+                <p:nvPr/>
+              </p:nvSpPr>
+              <p:spPr>
+                <a:xfrm>
+                  <a:off x="2889575" y="4042712"/>
+                  <a:ext cx="470898" cy="276999"/>
+                </a:xfrm>
+                <a:prstGeom prst="rect">
+                  <a:avLst/>
+                </a:prstGeom>
+                <a:blipFill>
+                  <a:blip r:embed="rId7"/>
+                  <a:stretch>
+                    <a:fillRect l="-15584" t="-4444" r="-16883" b="-35556"/>
+                  </a:stretch>
+                </a:blipFill>
+              </p:spPr>
+              <p:txBody>
+                <a:bodyPr/>
+                <a:lstStyle/>
+                <a:p>
+                  <a:r>
+                    <a:rPr lang="ja-JP" altLang="en-US">
+                      <a:noFill/>
+                    </a:rPr>
+                    <a:t> </a:t>
+                  </a:r>
+                </a:p>
+              </p:txBody>
+            </p:sp>
+          </mc:Fallback>
+        </mc:AlternateContent>
+      </p:grpSp>
+      <p:grpSp>
+        <p:nvGrpSpPr>
+          <p:cNvPr id="22" name="グループ化 21">
+            <a:extLst>
+              <a:ext uri="{FF2B5EF4-FFF2-40B4-BE49-F238E27FC236}">
+                <a16:creationId xmlns:a16="http://schemas.microsoft.com/office/drawing/2014/main" id="{02300233-6B64-4BDA-913F-52401658B0B8}"/>
+              </a:ext>
+            </a:extLst>
+          </p:cNvPr>
+          <p:cNvGrpSpPr/>
+          <p:nvPr/>
+        </p:nvGrpSpPr>
+        <p:grpSpPr>
+          <a:xfrm>
+            <a:off x="7163211" y="4284142"/>
+            <a:ext cx="4290187" cy="2014847"/>
+            <a:chOff x="7423978" y="1512093"/>
+            <a:chExt cx="4290187" cy="2014847"/>
+          </a:xfrm>
+        </p:grpSpPr>
+        <p:sp>
+          <p:nvSpPr>
+            <p:cNvPr id="11" name="矢印: 右 10">
+              <a:extLst>
+                <a:ext uri="{FF2B5EF4-FFF2-40B4-BE49-F238E27FC236}">
+                  <a16:creationId xmlns:a16="http://schemas.microsoft.com/office/drawing/2014/main" id="{64C6D169-4B2A-4EA1-8CD0-6FE9ED7DFB27}"/>
+                </a:ext>
+              </a:extLst>
+            </p:cNvPr>
+            <p:cNvSpPr/>
+            <p:nvPr/>
+          </p:nvSpPr>
+          <p:spPr>
+            <a:xfrm>
+              <a:off x="7423978" y="2220936"/>
+              <a:ext cx="989045" cy="597159"/>
+            </a:xfrm>
+            <a:prstGeom prst="rightArrow">
+              <a:avLst/>
+            </a:prstGeom>
+          </p:spPr>
+          <p:style>
+            <a:lnRef idx="2">
+              <a:schemeClr val="accent1">
+                <a:shade val="50000"/>
+              </a:schemeClr>
+            </a:lnRef>
+            <a:fillRef idx="1">
+              <a:schemeClr val="accent1"/>
+            </a:fillRef>
+            <a:effectRef idx="0">
+              <a:schemeClr val="accent1"/>
+            </a:effectRef>
+            <a:fontRef idx="minor">
+              <a:schemeClr val="lt1"/>
+            </a:fontRef>
+          </p:style>
+          <p:txBody>
+            <a:bodyPr rtlCol="0" anchor="ctr"/>
+            <a:lstStyle/>
+            <a:p>
+              <a:pPr algn="ctr"/>
+              <a:endParaRPr kumimoji="1" lang="ja-JP" altLang="en-US"/>
+            </a:p>
+          </p:txBody>
+        </p:sp>
+        <mc:AlternateContent xmlns:mc="http://schemas.openxmlformats.org/markup-compatibility/2006">
+          <mc:Choice xmlns:a14="http://schemas.microsoft.com/office/drawing/2010/main" Requires="a14">
+            <p:sp>
+              <p:nvSpPr>
+                <p:cNvPr id="20" name="テキスト ボックス 19">
+                  <a:extLst>
+                    <a:ext uri="{FF2B5EF4-FFF2-40B4-BE49-F238E27FC236}">
+                      <a16:creationId xmlns:a16="http://schemas.microsoft.com/office/drawing/2014/main" id="{753669A1-B54F-4B48-B016-A19C72E8A850}"/>
+                    </a:ext>
+                  </a:extLst>
+                </p:cNvPr>
+                <p:cNvSpPr txBox="1"/>
+                <p:nvPr/>
+              </p:nvSpPr>
+              <p:spPr>
+                <a:xfrm>
+                  <a:off x="8656790" y="1512093"/>
+                  <a:ext cx="3057375" cy="2014847"/>
+                </a:xfrm>
+                <a:prstGeom prst="rect">
+                  <a:avLst/>
+                </a:prstGeom>
+                <a:noFill/>
+              </p:spPr>
+              <p:txBody>
+                <a:bodyPr wrap="none" rtlCol="0">
+                  <a:spAutoFit/>
+                </a:bodyPr>
+                <a:lstStyle/>
+                <a:p>
+                  <a14:m>
+                    <m:oMathPara xmlns:m="http://schemas.openxmlformats.org/officeDocument/2006/math">
+                      <m:oMathParaPr>
+                        <m:jc m:val="centerGroup"/>
+                      </m:oMathParaPr>
+                      <m:oMath xmlns:m="http://schemas.openxmlformats.org/officeDocument/2006/math">
+                        <m:r>
+                          <a:rPr kumimoji="1" lang="en-US" altLang="ja-JP" b="0" i="1" smtClean="0">
+                            <a:latin typeface="Cambria Math" panose="02040503050406030204" pitchFamily="18" charset="0"/>
+                          </a:rPr>
+                          <m:t>𝑌</m:t>
+                        </m:r>
+                        <m:d>
+                          <m:dPr>
+                            <m:ctrlPr>
+                              <a:rPr kumimoji="1" lang="en-US" altLang="ja-JP" b="0" i="1" smtClean="0">
+                                <a:latin typeface="Cambria Math" panose="02040503050406030204" pitchFamily="18" charset="0"/>
+                              </a:rPr>
+                            </m:ctrlPr>
+                          </m:dPr>
+                          <m:e>
+                            <m:r>
+                              <a:rPr kumimoji="1" lang="en-US" altLang="ja-JP" b="0" i="1" smtClean="0">
+                                <a:latin typeface="Cambria Math" panose="02040503050406030204" pitchFamily="18" charset="0"/>
+                              </a:rPr>
+                              <m:t>𝑙</m:t>
+                            </m:r>
+                          </m:e>
+                        </m:d>
+                        <m:r>
+                          <a:rPr kumimoji="1" lang="en-US" altLang="ja-JP" b="0" i="1" smtClean="0">
+                            <a:latin typeface="Cambria Math" panose="02040503050406030204" pitchFamily="18" charset="0"/>
+                          </a:rPr>
+                          <m:t>×</m:t>
+                        </m:r>
+                        <m:func>
+                          <m:funcPr>
+                            <m:ctrlPr>
+                              <a:rPr kumimoji="1" lang="en-US" altLang="ja-JP" b="0" i="1" smtClean="0">
+                                <a:latin typeface="Cambria Math" panose="02040503050406030204" pitchFamily="18" charset="0"/>
+                              </a:rPr>
+                            </m:ctrlPr>
+                          </m:funcPr>
+                          <m:fName>
+                            <m:r>
+                              <m:rPr>
+                                <m:sty m:val="p"/>
+                              </m:rPr>
+                              <a:rPr kumimoji="1" lang="en-US" altLang="ja-JP" b="0" i="0" smtClean="0">
+                                <a:latin typeface="Cambria Math" panose="02040503050406030204" pitchFamily="18" charset="0"/>
+                              </a:rPr>
+                              <m:t>tan</m:t>
+                            </m:r>
+                          </m:fName>
+                          <m:e>
+                            <m:r>
+                              <a:rPr kumimoji="1" lang="en-US" altLang="ja-JP" b="0" i="1" smtClean="0">
+                                <a:latin typeface="Cambria Math" panose="02040503050406030204" pitchFamily="18" charset="0"/>
+                              </a:rPr>
+                              <m:t>𝛼</m:t>
+                            </m:r>
+                          </m:e>
+                        </m:func>
+                        <m:r>
+                          <a:rPr kumimoji="1" lang="en-US" altLang="ja-JP" b="0" i="1" smtClean="0">
+                            <a:latin typeface="Cambria Math" panose="02040503050406030204" pitchFamily="18" charset="0"/>
+                          </a:rPr>
+                          <m:t>=</m:t>
+                        </m:r>
+                        <m:r>
+                          <a:rPr kumimoji="1" lang="en-US" altLang="ja-JP" b="0" i="1" smtClean="0">
+                            <a:latin typeface="Cambria Math" panose="02040503050406030204" pitchFamily="18" charset="0"/>
+                          </a:rPr>
+                          <m:t>𝑓</m:t>
+                        </m:r>
+                        <m:r>
+                          <a:rPr kumimoji="1" lang="en-US" altLang="ja-JP" b="0" i="1" smtClean="0">
+                            <a:latin typeface="Cambria Math" panose="02040503050406030204" pitchFamily="18" charset="0"/>
+                          </a:rPr>
+                          <m:t>(</m:t>
+                        </m:r>
+                        <m:r>
+                          <a:rPr kumimoji="1" lang="en-US" altLang="ja-JP" b="0" i="1" smtClean="0">
+                            <a:latin typeface="Cambria Math" panose="02040503050406030204" pitchFamily="18" charset="0"/>
+                          </a:rPr>
+                          <m:t>𝑙</m:t>
+                        </m:r>
+                        <m:r>
+                          <a:rPr kumimoji="1" lang="en-US" altLang="ja-JP" b="0" i="1" smtClean="0">
+                            <a:latin typeface="Cambria Math" panose="02040503050406030204" pitchFamily="18" charset="0"/>
+                          </a:rPr>
+                          <m:t>)</m:t>
+                        </m:r>
+                      </m:oMath>
+                    </m:oMathPara>
+                  </a14:m>
+                  <a:endParaRPr kumimoji="1" lang="en-US" altLang="ja-JP" dirty="0"/>
+                </a:p>
+                <a:p>
+                  <a:endParaRPr lang="en-US" altLang="ja-JP" dirty="0"/>
+                </a:p>
+                <a:p>
+                  <a:r>
+                    <a:rPr lang="en-US" altLang="ja-JP" dirty="0"/>
+                    <a:t>When you decide </a:t>
+                  </a:r>
+                  <a14:m>
+                    <m:oMath xmlns:m="http://schemas.openxmlformats.org/officeDocument/2006/math">
+                      <m:r>
+                        <a:rPr lang="en-US" altLang="ja-JP" b="0" i="1" smtClean="0">
+                          <a:latin typeface="Cambria Math" panose="02040503050406030204" pitchFamily="18" charset="0"/>
+                        </a:rPr>
+                        <m:t>𝑓</m:t>
+                      </m:r>
+                      <m:r>
+                        <a:rPr lang="en-US" altLang="ja-JP" b="0" i="1" smtClean="0">
+                          <a:latin typeface="Cambria Math" panose="02040503050406030204" pitchFamily="18" charset="0"/>
+                        </a:rPr>
+                        <m:t>(</m:t>
+                      </m:r>
+                      <m:r>
+                        <a:rPr lang="en-US" altLang="ja-JP" b="0" i="1" smtClean="0">
+                          <a:latin typeface="Cambria Math" panose="02040503050406030204" pitchFamily="18" charset="0"/>
+                        </a:rPr>
+                        <m:t>𝑙</m:t>
+                      </m:r>
+                      <m:r>
+                        <a:rPr lang="en-US" altLang="ja-JP" b="0" i="1" smtClean="0">
+                          <a:latin typeface="Cambria Math" panose="02040503050406030204" pitchFamily="18" charset="0"/>
+                        </a:rPr>
+                        <m:t>)</m:t>
+                      </m:r>
+                    </m:oMath>
+                  </a14:m>
+                  <a:r>
+                    <a:rPr lang="en-US" altLang="ja-JP" dirty="0"/>
+                    <a:t>,</a:t>
+                  </a:r>
+                  <a:br>
+                    <a:rPr lang="en-US" altLang="ja-JP" dirty="0"/>
+                  </a:br>
+                  <a14:m>
+                    <m:oMathPara xmlns:m="http://schemas.openxmlformats.org/officeDocument/2006/math">
+                      <m:oMathParaPr>
+                        <m:jc m:val="centerGroup"/>
+                      </m:oMathParaPr>
+                      <m:oMath xmlns:m="http://schemas.openxmlformats.org/officeDocument/2006/math">
+                        <m:r>
+                          <a:rPr lang="en-US" altLang="ja-JP" b="0" i="1" smtClean="0">
+                            <a:latin typeface="Cambria Math" panose="02040503050406030204" pitchFamily="18" charset="0"/>
+                          </a:rPr>
+                          <m:t>𝑌</m:t>
+                        </m:r>
+                        <m:d>
+                          <m:dPr>
+                            <m:ctrlPr>
+                              <a:rPr lang="en-US" altLang="ja-JP" b="0" i="1" smtClean="0">
+                                <a:latin typeface="Cambria Math" panose="02040503050406030204" pitchFamily="18" charset="0"/>
+                              </a:rPr>
+                            </m:ctrlPr>
+                          </m:dPr>
+                          <m:e>
+                            <m:r>
+                              <a:rPr lang="en-US" altLang="ja-JP" b="0" i="1" smtClean="0">
+                                <a:latin typeface="Cambria Math" panose="02040503050406030204" pitchFamily="18" charset="0"/>
+                              </a:rPr>
+                              <m:t>𝑙</m:t>
+                            </m:r>
+                          </m:e>
+                        </m:d>
+                        <m:r>
+                          <a:rPr lang="en-US" altLang="ja-JP" b="0" i="1" smtClean="0">
+                            <a:latin typeface="Cambria Math" panose="02040503050406030204" pitchFamily="18" charset="0"/>
+                          </a:rPr>
+                          <m:t>=</m:t>
+                        </m:r>
+                        <m:f>
+                          <m:fPr>
+                            <m:ctrlPr>
+                              <a:rPr lang="en-US" altLang="ja-JP" b="0" i="1" smtClean="0">
+                                <a:latin typeface="Cambria Math" panose="02040503050406030204" pitchFamily="18" charset="0"/>
+                              </a:rPr>
+                            </m:ctrlPr>
+                          </m:fPr>
+                          <m:num>
+                            <m:r>
+                              <a:rPr lang="en-US" altLang="ja-JP" b="0" i="1" smtClean="0">
+                                <a:latin typeface="Cambria Math" panose="02040503050406030204" pitchFamily="18" charset="0"/>
+                              </a:rPr>
+                              <m:t>𝑓</m:t>
+                            </m:r>
+                            <m:d>
+                              <m:dPr>
+                                <m:ctrlPr>
+                                  <a:rPr lang="en-US" altLang="ja-JP" b="0" i="1" smtClean="0">
+                                    <a:latin typeface="Cambria Math" panose="02040503050406030204" pitchFamily="18" charset="0"/>
+                                  </a:rPr>
+                                </m:ctrlPr>
+                              </m:dPr>
+                              <m:e>
+                                <m:r>
+                                  <a:rPr lang="en-US" altLang="ja-JP" b="0" i="1" smtClean="0">
+                                    <a:latin typeface="Cambria Math" panose="02040503050406030204" pitchFamily="18" charset="0"/>
+                                  </a:rPr>
+                                  <m:t>𝑙</m:t>
+                                </m:r>
+                              </m:e>
+                            </m:d>
+                          </m:num>
+                          <m:den>
+                            <m:func>
+                              <m:funcPr>
+                                <m:ctrlPr>
+                                  <a:rPr lang="en-US" altLang="ja-JP" b="0" i="1" smtClean="0">
+                                    <a:latin typeface="Cambria Math" panose="02040503050406030204" pitchFamily="18" charset="0"/>
+                                  </a:rPr>
+                                </m:ctrlPr>
+                              </m:funcPr>
+                              <m:fName>
+                                <m:r>
+                                  <m:rPr>
+                                    <m:sty m:val="p"/>
+                                  </m:rPr>
+                                  <a:rPr lang="en-US" altLang="ja-JP" b="0" i="0" smtClean="0">
+                                    <a:latin typeface="Cambria Math" panose="02040503050406030204" pitchFamily="18" charset="0"/>
+                                  </a:rPr>
+                                  <m:t>tan</m:t>
+                                </m:r>
+                              </m:fName>
+                              <m:e>
+                                <m:r>
+                                  <a:rPr lang="en-US" altLang="ja-JP" b="0" i="1" smtClean="0">
+                                    <a:latin typeface="Cambria Math" panose="02040503050406030204" pitchFamily="18" charset="0"/>
+                                  </a:rPr>
+                                  <m:t>𝛼</m:t>
+                                </m:r>
+                              </m:e>
+                            </m:func>
+                          </m:den>
+                        </m:f>
+                        <m:r>
+                          <a:rPr lang="en-US" altLang="ja-JP" b="0" i="1" smtClean="0">
+                            <a:latin typeface="Cambria Math" panose="02040503050406030204" pitchFamily="18" charset="0"/>
+                          </a:rPr>
+                          <m:t>.</m:t>
+                        </m:r>
+                      </m:oMath>
+                    </m:oMathPara>
+                  </a14:m>
+                  <a:endParaRPr kumimoji="1" lang="en-US" altLang="ja-JP" dirty="0"/>
+                </a:p>
+                <a:p>
+                  <a:r>
+                    <a:rPr kumimoji="1" lang="en-US" altLang="ja-JP" dirty="0"/>
+                    <a:t>Since </a:t>
+                  </a:r>
+                  <a14:m>
+                    <m:oMath xmlns:m="http://schemas.openxmlformats.org/officeDocument/2006/math">
+                      <m:sSup>
+                        <m:sSupPr>
+                          <m:ctrlPr>
+                            <a:rPr kumimoji="1" lang="en-US" altLang="ja-JP" b="0" i="1" smtClean="0">
+                              <a:latin typeface="Cambria Math" panose="02040503050406030204" pitchFamily="18" charset="0"/>
+                            </a:rPr>
+                          </m:ctrlPr>
+                        </m:sSupPr>
+                        <m:e>
+                          <m:r>
+                            <a:rPr kumimoji="1" lang="en-US" altLang="ja-JP" b="0" i="1" smtClean="0">
+                              <a:latin typeface="Cambria Math" panose="02040503050406030204" pitchFamily="18" charset="0"/>
+                            </a:rPr>
+                            <m:t>𝑋</m:t>
+                          </m:r>
+                        </m:e>
+                        <m:sup>
+                          <m:r>
+                            <a:rPr kumimoji="1" lang="en-US" altLang="ja-JP" b="0" i="1" smtClean="0">
+                              <a:latin typeface="Cambria Math" panose="02040503050406030204" pitchFamily="18" charset="0"/>
+                            </a:rPr>
+                            <m:t>′</m:t>
+                          </m:r>
+                        </m:sup>
+                      </m:sSup>
+                      <m:sSup>
+                        <m:sSupPr>
+                          <m:ctrlPr>
+                            <a:rPr kumimoji="1" lang="en-US" altLang="ja-JP" b="0" i="1" smtClean="0">
+                              <a:latin typeface="Cambria Math" panose="02040503050406030204" pitchFamily="18" charset="0"/>
+                            </a:rPr>
+                          </m:ctrlPr>
+                        </m:sSupPr>
+                        <m:e>
+                          <m:d>
+                            <m:dPr>
+                              <m:ctrlPr>
+                                <a:rPr kumimoji="1" lang="en-US" altLang="ja-JP" b="0" i="1" smtClean="0">
+                                  <a:latin typeface="Cambria Math" panose="02040503050406030204" pitchFamily="18" charset="0"/>
+                                </a:rPr>
+                              </m:ctrlPr>
+                            </m:dPr>
+                            <m:e>
+                              <m:r>
+                                <a:rPr kumimoji="1" lang="en-US" altLang="ja-JP" b="0" i="1" smtClean="0">
+                                  <a:latin typeface="Cambria Math" panose="02040503050406030204" pitchFamily="18" charset="0"/>
+                                </a:rPr>
+                                <m:t>𝑙</m:t>
+                              </m:r>
+                            </m:e>
+                          </m:d>
+                        </m:e>
+                        <m:sup>
+                          <m:r>
+                            <a:rPr kumimoji="1" lang="en-US" altLang="ja-JP" b="0" i="1" smtClean="0">
+                              <a:latin typeface="Cambria Math" panose="02040503050406030204" pitchFamily="18" charset="0"/>
+                            </a:rPr>
+                            <m:t>2</m:t>
+                          </m:r>
+                        </m:sup>
+                      </m:sSup>
+                      <m:r>
+                        <a:rPr kumimoji="1" lang="en-US" altLang="ja-JP" b="0" i="1" smtClean="0">
+                          <a:latin typeface="Cambria Math" panose="02040503050406030204" pitchFamily="18" charset="0"/>
+                        </a:rPr>
+                        <m:t>+</m:t>
+                      </m:r>
+                      <m:sSup>
+                        <m:sSupPr>
+                          <m:ctrlPr>
+                            <a:rPr kumimoji="1" lang="en-US" altLang="ja-JP" b="0" i="1" smtClean="0">
+                              <a:latin typeface="Cambria Math" panose="02040503050406030204" pitchFamily="18" charset="0"/>
+                            </a:rPr>
+                          </m:ctrlPr>
+                        </m:sSupPr>
+                        <m:e>
+                          <m:r>
+                            <a:rPr kumimoji="1" lang="en-US" altLang="ja-JP" b="0" i="1" smtClean="0">
+                              <a:latin typeface="Cambria Math" panose="02040503050406030204" pitchFamily="18" charset="0"/>
+                            </a:rPr>
+                            <m:t>𝑌</m:t>
+                          </m:r>
+                        </m:e>
+                        <m:sup>
+                          <m:r>
+                            <a:rPr kumimoji="1" lang="en-US" altLang="ja-JP" b="0" i="1" smtClean="0">
+                              <a:latin typeface="Cambria Math" panose="02040503050406030204" pitchFamily="18" charset="0"/>
+                            </a:rPr>
+                            <m:t>′</m:t>
+                          </m:r>
+                        </m:sup>
+                      </m:sSup>
+                      <m:sSup>
+                        <m:sSupPr>
+                          <m:ctrlPr>
+                            <a:rPr kumimoji="1" lang="en-US" altLang="ja-JP" b="0" i="1" smtClean="0">
+                              <a:latin typeface="Cambria Math" panose="02040503050406030204" pitchFamily="18" charset="0"/>
+                            </a:rPr>
+                          </m:ctrlPr>
+                        </m:sSupPr>
+                        <m:e>
+                          <m:d>
+                            <m:dPr>
+                              <m:ctrlPr>
+                                <a:rPr kumimoji="1" lang="en-US" altLang="ja-JP" b="0" i="1" smtClean="0">
+                                  <a:latin typeface="Cambria Math" panose="02040503050406030204" pitchFamily="18" charset="0"/>
+                                </a:rPr>
+                              </m:ctrlPr>
+                            </m:dPr>
+                            <m:e>
+                              <m:r>
+                                <a:rPr kumimoji="1" lang="en-US" altLang="ja-JP" b="0" i="1" smtClean="0">
+                                  <a:latin typeface="Cambria Math" panose="02040503050406030204" pitchFamily="18" charset="0"/>
+                                </a:rPr>
+                                <m:t>𝑙</m:t>
+                              </m:r>
+                            </m:e>
+                          </m:d>
+                        </m:e>
+                        <m:sup>
+                          <m:r>
+                            <a:rPr kumimoji="1" lang="en-US" altLang="ja-JP" b="0" i="1" smtClean="0">
+                              <a:latin typeface="Cambria Math" panose="02040503050406030204" pitchFamily="18" charset="0"/>
+                            </a:rPr>
+                            <m:t>2</m:t>
+                          </m:r>
+                        </m:sup>
+                      </m:sSup>
+                      <m:r>
+                        <a:rPr kumimoji="1" lang="en-US" altLang="ja-JP" b="0" i="1" smtClean="0">
+                          <a:latin typeface="Cambria Math" panose="02040503050406030204" pitchFamily="18" charset="0"/>
+                        </a:rPr>
+                        <m:t>=1</m:t>
+                      </m:r>
+                    </m:oMath>
+                  </a14:m>
+                  <a:r>
+                    <a:rPr kumimoji="1" lang="en-US" altLang="ja-JP" dirty="0"/>
+                    <a:t>,</a:t>
+                  </a:r>
+                  <a:br>
+                    <a:rPr kumimoji="1" lang="en-US" altLang="ja-JP" dirty="0"/>
+                  </a:br>
+                  <a14:m>
+                    <m:oMath xmlns:m="http://schemas.openxmlformats.org/officeDocument/2006/math">
+                      <m:r>
+                        <a:rPr kumimoji="1" lang="en-US" altLang="ja-JP" b="0" i="1" smtClean="0">
+                          <a:latin typeface="Cambria Math" panose="02040503050406030204" pitchFamily="18" charset="0"/>
+                        </a:rPr>
+                        <m:t>𝑋</m:t>
+                      </m:r>
+                      <m:r>
+                        <a:rPr kumimoji="1" lang="en-US" altLang="ja-JP" b="0" i="1" smtClean="0">
+                          <a:latin typeface="Cambria Math" panose="02040503050406030204" pitchFamily="18" charset="0"/>
+                        </a:rPr>
+                        <m:t>(</m:t>
+                      </m:r>
+                      <m:r>
+                        <a:rPr kumimoji="1" lang="en-US" altLang="ja-JP" b="0" i="1" smtClean="0">
+                          <a:latin typeface="Cambria Math" panose="02040503050406030204" pitchFamily="18" charset="0"/>
+                        </a:rPr>
+                        <m:t>𝑙</m:t>
+                      </m:r>
+                      <m:r>
+                        <a:rPr kumimoji="1" lang="en-US" altLang="ja-JP" b="0" i="1" smtClean="0">
+                          <a:latin typeface="Cambria Math" panose="02040503050406030204" pitchFamily="18" charset="0"/>
+                        </a:rPr>
+                        <m:t>)</m:t>
+                      </m:r>
+                    </m:oMath>
+                  </a14:m>
+                  <a:r>
+                    <a:rPr kumimoji="1" lang="en-US" altLang="ja-JP" dirty="0"/>
+                    <a:t> should be determined.</a:t>
+                  </a:r>
+                </a:p>
+              </p:txBody>
+            </p:sp>
+          </mc:Choice>
+          <mc:Fallback>
+            <p:sp>
+              <p:nvSpPr>
+                <p:cNvPr id="20" name="テキスト ボックス 19">
+                  <a:extLst>
+                    <a:ext uri="{FF2B5EF4-FFF2-40B4-BE49-F238E27FC236}">
+                      <a16:creationId xmlns:a16="http://schemas.microsoft.com/office/drawing/2014/main" id="{753669A1-B54F-4B48-B016-A19C72E8A850}"/>
+                    </a:ext>
+                  </a:extLst>
+                </p:cNvPr>
+                <p:cNvSpPr txBox="1">
+                  <a:spLocks noRot="1" noChangeAspect="1" noMove="1" noResize="1" noEditPoints="1" noAdjustHandles="1" noChangeArrowheads="1" noChangeShapeType="1" noTextEdit="1"/>
+                </p:cNvSpPr>
+                <p:nvPr/>
+              </p:nvSpPr>
+              <p:spPr>
+                <a:xfrm>
+                  <a:off x="8656790" y="1512093"/>
+                  <a:ext cx="3057375" cy="2014847"/>
+                </a:xfrm>
+                <a:prstGeom prst="rect">
+                  <a:avLst/>
+                </a:prstGeom>
+                <a:blipFill>
+                  <a:blip r:embed="rId8"/>
+                  <a:stretch>
+                    <a:fillRect l="-1594" r="-996" b="-4242"/>
+                  </a:stretch>
+                </a:blipFill>
+              </p:spPr>
+              <p:txBody>
+                <a:bodyPr/>
+                <a:lstStyle/>
+                <a:p>
+                  <a:r>
+                    <a:rPr lang="ja-JP" altLang="en-US">
+                      <a:noFill/>
+                    </a:rPr>
+                    <a:t> </a:t>
+                  </a:r>
+                </a:p>
+              </p:txBody>
+            </p:sp>
+          </mc:Fallback>
+        </mc:AlternateContent>
+      </p:grpSp>
+    </p:spTree>
+    <p:extLst>
+      <p:ext uri="{BB962C8B-B14F-4D97-AF65-F5344CB8AC3E}">
+        <p14:creationId xmlns:p14="http://schemas.microsoft.com/office/powerpoint/2010/main" val="2441691867"/>
+      </p:ext>
+    </p:extLst>
+  </p:cSld>
+  <p:clrMapOvr>
+    <a:masterClrMapping/>
+  </p:clrMapOvr>
+</p:sld>
+</file>
+
+<file path=ppt/slides/slide6.xml><?xml version="1.0" encoding="utf-8"?>
+<p:sld xmlns:a="http://schemas.openxmlformats.org/drawingml/2006/main" xmlns:r="http://schemas.openxmlformats.org/officeDocument/2006/relationships" xmlns:p="http://schemas.openxmlformats.org/presentationml/2006/main">
+  <p:cSld>
+    <p:spTree>
+      <p:nvGrpSpPr>
+        <p:cNvPr id="1" name=""/>
+        <p:cNvGrpSpPr/>
+        <p:nvPr/>
+      </p:nvGrpSpPr>
+      <p:grpSpPr>
+        <a:xfrm>
+          <a:off x="0" y="0"/>
+          <a:ext cx="0" cy="0"/>
+          <a:chOff x="0" y="0"/>
+          <a:chExt cx="0" cy="0"/>
+        </a:xfrm>
+      </p:grpSpPr>
+      <p:sp>
+        <p:nvSpPr>
+          <p:cNvPr id="2" name="タイトル 1">
+            <a:extLst>
+              <a:ext uri="{FF2B5EF4-FFF2-40B4-BE49-F238E27FC236}">
+                <a16:creationId xmlns:a16="http://schemas.microsoft.com/office/drawing/2014/main" id="{62E1A18F-FD80-4C27-8381-C7807154E3A7}"/>
+              </a:ext>
+            </a:extLst>
+          </p:cNvPr>
+          <p:cNvSpPr>
+            <a:spLocks noGrp="1"/>
+          </p:cNvSpPr>
+          <p:nvPr>
+            <p:ph type="title"/>
+          </p:nvPr>
+        </p:nvSpPr>
+        <p:spPr/>
+        <p:txBody>
+          <a:bodyPr/>
+          <a:lstStyle/>
+          <a:p>
+            <a:r>
+              <a:rPr lang="en-US" altLang="ja-JP" dirty="0" err="1"/>
+              <a:t>edge_shape.m</a:t>
+            </a:r>
+            <a:endParaRPr kumimoji="1" lang="ja-JP" altLang="en-US" dirty="0"/>
+          </a:p>
+        </p:txBody>
+      </p:sp>
+      <p:pic>
+        <p:nvPicPr>
+          <p:cNvPr id="6" name="図 5" descr="グラフ, レーダー チャート&#10;&#10;自動的に生成された説明">
+            <a:extLst>
+              <a:ext uri="{FF2B5EF4-FFF2-40B4-BE49-F238E27FC236}">
+                <a16:creationId xmlns:a16="http://schemas.microsoft.com/office/drawing/2014/main" id="{7ECFF5D1-B712-4D24-873D-6A974A19C8E7}"/>
+              </a:ext>
+            </a:extLst>
+          </p:cNvPr>
+          <p:cNvPicPr>
+            <a:picLocks noChangeAspect="1"/>
+          </p:cNvPicPr>
+          <p:nvPr/>
+        </p:nvPicPr>
+        <p:blipFill>
+          <a:blip r:embed="rId2">
+            <a:extLst>
+              <a:ext uri="{28A0092B-C50C-407E-A947-70E740481C1C}">
+                <a14:useLocalDpi xmlns:a14="http://schemas.microsoft.com/office/drawing/2010/main" val="0"/>
+              </a:ext>
+            </a:extLst>
+          </a:blip>
+          <a:stretch>
+            <a:fillRect/>
+          </a:stretch>
+        </p:blipFill>
+        <p:spPr>
+          <a:xfrm>
+            <a:off x="838200" y="1582836"/>
+            <a:ext cx="10241902" cy="5136954"/>
+          </a:xfrm>
+          <a:prstGeom prst="rect">
+            <a:avLst/>
+          </a:prstGeom>
+        </p:spPr>
+      </p:pic>
+    </p:spTree>
+    <p:extLst>
+      <p:ext uri="{BB962C8B-B14F-4D97-AF65-F5344CB8AC3E}">
+        <p14:creationId xmlns:p14="http://schemas.microsoft.com/office/powerpoint/2010/main" val="2857400519"/>
       </p:ext>
     </p:extLst>
   </p:cSld>

--- a/Version Image.pptx
+++ b/Version Image.pptx
@@ -4939,8 +4939,8 @@
           <a:chExt cx="0" cy="0"/>
         </a:xfrm>
       </p:grpSpPr>
-      <mc:AlternateContent xmlns:mc="http://schemas.openxmlformats.org/markup-compatibility/2006">
-        <mc:Choice xmlns:a14="http://schemas.microsoft.com/office/drawing/2010/main" Requires="a14">
+      <mc:AlternateContent xmlns:mc="http://schemas.openxmlformats.org/markup-compatibility/2006" xmlns:a14="http://schemas.microsoft.com/office/drawing/2010/main">
+        <mc:Choice Requires="a14">
           <p:sp>
             <p:nvSpPr>
               <p:cNvPr id="7" name="テキスト ボックス 6">
@@ -4969,6 +4969,7 @@
               </a:bodyPr>
               <a:lstStyle/>
               <a:p>
+                <a:pPr/>
                 <a14:m>
                   <m:oMathPara xmlns:m="http://schemas.openxmlformats.org/officeDocument/2006/math">
                     <m:oMathParaPr>
@@ -4989,7 +4990,7 @@
             </p:txBody>
           </p:sp>
         </mc:Choice>
-        <mc:Fallback>
+        <mc:Fallback xmlns="">
           <p:sp>
             <p:nvSpPr>
               <p:cNvPr id="7" name="テキスト ボックス 6">
@@ -5221,8 +5222,8 @@
           </a:p>
         </p:txBody>
       </p:sp>
-      <mc:AlternateContent xmlns:mc="http://schemas.openxmlformats.org/markup-compatibility/2006">
-        <mc:Choice xmlns:a14="http://schemas.microsoft.com/office/drawing/2010/main" Requires="a14">
+      <mc:AlternateContent xmlns:mc="http://schemas.openxmlformats.org/markup-compatibility/2006" xmlns:a14="http://schemas.microsoft.com/office/drawing/2010/main">
+        <mc:Choice Requires="a14">
           <p:sp>
             <p:nvSpPr>
               <p:cNvPr id="8" name="テキスト ボックス 7">
@@ -5270,7 +5271,7 @@
             </p:txBody>
           </p:sp>
         </mc:Choice>
-        <mc:Fallback>
+        <mc:Fallback xmlns="">
           <p:sp>
             <p:nvSpPr>
               <p:cNvPr id="8" name="テキスト ボックス 7">
@@ -5756,8 +5757,8 @@
           </a:p>
         </p:txBody>
       </p:sp>
-      <mc:AlternateContent xmlns:mc="http://schemas.openxmlformats.org/markup-compatibility/2006">
-        <mc:Choice xmlns:a14="http://schemas.microsoft.com/office/drawing/2010/main" Requires="a14">
+      <mc:AlternateContent xmlns:mc="http://schemas.openxmlformats.org/markup-compatibility/2006" xmlns:a14="http://schemas.microsoft.com/office/drawing/2010/main">
+        <mc:Choice Requires="a14">
           <p:sp>
             <p:nvSpPr>
               <p:cNvPr id="19" name="テキスト ボックス 18">
@@ -5829,7 +5830,7 @@
             </p:txBody>
           </p:sp>
         </mc:Choice>
-        <mc:Fallback>
+        <mc:Fallback xmlns="">
           <p:sp>
             <p:nvSpPr>
               <p:cNvPr id="19" name="テキスト ボックス 18">
@@ -6005,8 +6006,8 @@
           </a:p>
         </p:txBody>
       </p:sp>
-      <mc:AlternateContent xmlns:mc="http://schemas.openxmlformats.org/markup-compatibility/2006">
-        <mc:Choice xmlns:a14="http://schemas.microsoft.com/office/drawing/2010/main" Requires="a14">
+      <mc:AlternateContent xmlns:mc="http://schemas.openxmlformats.org/markup-compatibility/2006" xmlns:a14="http://schemas.microsoft.com/office/drawing/2010/main">
+        <mc:Choice Requires="a14">
           <p:sp>
             <p:nvSpPr>
               <p:cNvPr id="23" name="テキスト ボックス 22">
@@ -6035,6 +6036,7 @@
               </a:bodyPr>
               <a:lstStyle/>
               <a:p>
+                <a:pPr/>
                 <a14:m>
                   <m:oMathPara xmlns:m="http://schemas.openxmlformats.org/officeDocument/2006/math">
                     <m:oMathParaPr>
@@ -6055,7 +6057,7 @@
             </p:txBody>
           </p:sp>
         </mc:Choice>
-        <mc:Fallback>
+        <mc:Fallback xmlns="">
           <p:sp>
             <p:nvSpPr>
               <p:cNvPr id="23" name="テキスト ボックス 22">
@@ -6100,8 +6102,8 @@
           </p:sp>
         </mc:Fallback>
       </mc:AlternateContent>
-      <mc:AlternateContent xmlns:mc="http://schemas.openxmlformats.org/markup-compatibility/2006">
-        <mc:Choice xmlns:a14="http://schemas.microsoft.com/office/drawing/2010/main" Requires="a14">
+      <mc:AlternateContent xmlns:mc="http://schemas.openxmlformats.org/markup-compatibility/2006" xmlns:a14="http://schemas.microsoft.com/office/drawing/2010/main">
+        <mc:Choice Requires="a14">
           <p:sp>
             <p:nvSpPr>
               <p:cNvPr id="24" name="テキスト ボックス 23">
@@ -6130,6 +6132,7 @@
               </a:bodyPr>
               <a:lstStyle/>
               <a:p>
+                <a:pPr/>
                 <a14:m>
                   <m:oMathPara xmlns:m="http://schemas.openxmlformats.org/officeDocument/2006/math">
                     <m:oMathParaPr>
@@ -6168,7 +6171,7 @@
             </p:txBody>
           </p:sp>
         </mc:Choice>
-        <mc:Fallback>
+        <mc:Fallback xmlns="">
           <p:sp>
             <p:nvSpPr>
               <p:cNvPr id="24" name="テキスト ボックス 23">
@@ -6586,8 +6589,8 @@
           </a:fontRef>
         </p:style>
       </p:cxnSp>
-      <mc:AlternateContent xmlns:mc="http://schemas.openxmlformats.org/markup-compatibility/2006">
-        <mc:Choice xmlns:a14="http://schemas.microsoft.com/office/drawing/2010/main" Requires="a14">
+      <mc:AlternateContent xmlns:mc="http://schemas.openxmlformats.org/markup-compatibility/2006" xmlns:a14="http://schemas.microsoft.com/office/drawing/2010/main">
+        <mc:Choice Requires="a14">
           <p:sp>
             <p:nvSpPr>
               <p:cNvPr id="40" name="テキスト ボックス 39">
@@ -6616,6 +6619,7 @@
               </a:bodyPr>
               <a:lstStyle/>
               <a:p>
+                <a:pPr/>
                 <a14:m>
                   <m:oMathPara xmlns:m="http://schemas.openxmlformats.org/officeDocument/2006/math">
                     <m:oMathParaPr>
@@ -6654,7 +6658,7 @@
             </p:txBody>
           </p:sp>
         </mc:Choice>
-        <mc:Fallback>
+        <mc:Fallback xmlns="">
           <p:sp>
             <p:nvSpPr>
               <p:cNvPr id="40" name="テキスト ボックス 39">
@@ -7398,8 +7402,8 @@
           </p:txBody>
         </p:sp>
       </p:grpSp>
-      <mc:AlternateContent xmlns:mc="http://schemas.openxmlformats.org/markup-compatibility/2006">
-        <mc:Choice xmlns:a14="http://schemas.microsoft.com/office/drawing/2010/main" Requires="a14">
+      <mc:AlternateContent xmlns:mc="http://schemas.openxmlformats.org/markup-compatibility/2006" xmlns:a14="http://schemas.microsoft.com/office/drawing/2010/main">
+        <mc:Choice Requires="a14">
           <p:sp>
             <p:nvSpPr>
               <p:cNvPr id="41" name="テキスト ボックス 40">
@@ -7447,7 +7451,7 @@
             </p:txBody>
           </p:sp>
         </mc:Choice>
-        <mc:Fallback>
+        <mc:Fallback xmlns="">
           <p:sp>
             <p:nvSpPr>
               <p:cNvPr id="41" name="テキスト ボックス 40">
@@ -7597,8 +7601,8 @@
           </a:p>
         </p:txBody>
       </p:sp>
-      <mc:AlternateContent xmlns:mc="http://schemas.openxmlformats.org/markup-compatibility/2006">
-        <mc:Choice xmlns:a14="http://schemas.microsoft.com/office/drawing/2010/main" Requires="a14">
+      <mc:AlternateContent xmlns:mc="http://schemas.openxmlformats.org/markup-compatibility/2006" xmlns:a14="http://schemas.microsoft.com/office/drawing/2010/main">
+        <mc:Choice Requires="a14">
           <p:sp>
             <p:nvSpPr>
               <p:cNvPr id="43" name="テキスト ボックス 42">
@@ -7627,6 +7631,7 @@
               </a:bodyPr>
               <a:lstStyle/>
               <a:p>
+                <a:pPr/>
                 <a14:m>
                   <m:oMathPara xmlns:m="http://schemas.openxmlformats.org/officeDocument/2006/math">
                     <m:oMathParaPr>
@@ -7705,7 +7710,7 @@
             </p:txBody>
           </p:sp>
         </mc:Choice>
-        <mc:Fallback>
+        <mc:Fallback xmlns="">
           <p:sp>
             <p:nvSpPr>
               <p:cNvPr id="43" name="テキスト ボックス 42">
@@ -7750,8 +7755,8 @@
           </p:sp>
         </mc:Fallback>
       </mc:AlternateContent>
-      <mc:AlternateContent xmlns:mc="http://schemas.openxmlformats.org/markup-compatibility/2006">
-        <mc:Choice xmlns:a14="http://schemas.microsoft.com/office/drawing/2010/main" Requires="a14">
+      <mc:AlternateContent xmlns:mc="http://schemas.openxmlformats.org/markup-compatibility/2006" xmlns:a14="http://schemas.microsoft.com/office/drawing/2010/main">
+        <mc:Choice Requires="a14">
           <p:sp>
             <p:nvSpPr>
               <p:cNvPr id="46" name="テキスト ボックス 45">
@@ -7780,6 +7785,7 @@
               </a:bodyPr>
               <a:lstStyle/>
               <a:p>
+                <a:pPr/>
                 <a:r>
                   <a:rPr lang="en-US" altLang="ja-JP" dirty="0"/>
                   <a:t>Because </a:t>
@@ -7961,7 +7967,7 @@
             </p:txBody>
           </p:sp>
         </mc:Choice>
-        <mc:Fallback>
+        <mc:Fallback xmlns="">
           <p:sp>
             <p:nvSpPr>
               <p:cNvPr id="46" name="テキスト ボックス 45">
@@ -8320,8 +8326,8 @@
             </a:fontRef>
           </p:style>
         </p:cxnSp>
-        <mc:AlternateContent xmlns:mc="http://schemas.openxmlformats.org/markup-compatibility/2006">
-          <mc:Choice xmlns:a14="http://schemas.microsoft.com/office/drawing/2010/main" Requires="a14">
+        <mc:AlternateContent xmlns:mc="http://schemas.openxmlformats.org/markup-compatibility/2006" xmlns:a14="http://schemas.microsoft.com/office/drawing/2010/main">
+          <mc:Choice Requires="a14">
             <p:sp>
               <p:nvSpPr>
                 <p:cNvPr id="13" name="テキスト ボックス 12">
@@ -8369,7 +8375,7 @@
               </p:txBody>
             </p:sp>
           </mc:Choice>
-          <mc:Fallback>
+          <mc:Fallback xmlns="">
             <p:sp>
               <p:nvSpPr>
                 <p:cNvPr id="13" name="テキスト ボックス 12">
@@ -8414,8 +8420,8 @@
             </p:sp>
           </mc:Fallback>
         </mc:AlternateContent>
-        <mc:AlternateContent xmlns:mc="http://schemas.openxmlformats.org/markup-compatibility/2006">
-          <mc:Choice xmlns:a14="http://schemas.microsoft.com/office/drawing/2010/main" Requires="a14">
+        <mc:AlternateContent xmlns:mc="http://schemas.openxmlformats.org/markup-compatibility/2006" xmlns:a14="http://schemas.microsoft.com/office/drawing/2010/main">
+          <mc:Choice Requires="a14">
             <p:sp>
               <p:nvSpPr>
                 <p:cNvPr id="14" name="テキスト ボックス 13">
@@ -8444,6 +8450,7 @@
                 </a:bodyPr>
                 <a:lstStyle/>
                 <a:p>
+                  <a:pPr/>
                   <a14:m>
                     <m:oMathPara xmlns:m="http://schemas.openxmlformats.org/officeDocument/2006/math">
                       <m:oMathParaPr>
@@ -8464,7 +8471,7 @@
               </p:txBody>
             </p:sp>
           </mc:Choice>
-          <mc:Fallback>
+          <mc:Fallback xmlns="">
             <p:sp>
               <p:nvSpPr>
                 <p:cNvPr id="14" name="テキスト ボックス 13">
@@ -8615,8 +8622,8 @@
             </a:p>
           </p:txBody>
         </p:sp>
-        <mc:AlternateContent xmlns:mc="http://schemas.openxmlformats.org/markup-compatibility/2006">
-          <mc:Choice xmlns:a14="http://schemas.microsoft.com/office/drawing/2010/main" Requires="a14">
+        <mc:AlternateContent xmlns:mc="http://schemas.openxmlformats.org/markup-compatibility/2006" xmlns:a14="http://schemas.microsoft.com/office/drawing/2010/main">
+          <mc:Choice Requires="a14">
             <p:sp>
               <p:nvSpPr>
                 <p:cNvPr id="17" name="テキスト ボックス 16">
@@ -8668,7 +8675,7 @@
               </p:txBody>
             </p:sp>
           </mc:Choice>
-          <mc:Fallback>
+          <mc:Fallback xmlns="">
             <p:sp>
               <p:nvSpPr>
                 <p:cNvPr id="17" name="テキスト ボックス 16">
@@ -8797,8 +8804,8 @@
             </a:fontRef>
           </p:style>
         </p:cxnSp>
-        <mc:AlternateContent xmlns:mc="http://schemas.openxmlformats.org/markup-compatibility/2006">
-          <mc:Choice xmlns:a14="http://schemas.microsoft.com/office/drawing/2010/main" Requires="a14">
+        <mc:AlternateContent xmlns:mc="http://schemas.openxmlformats.org/markup-compatibility/2006" xmlns:a14="http://schemas.microsoft.com/office/drawing/2010/main">
+          <mc:Choice Requires="a14">
             <p:sp>
               <p:nvSpPr>
                 <p:cNvPr id="23" name="テキスト ボックス 22">
@@ -8858,7 +8865,7 @@
               </p:txBody>
             </p:sp>
           </mc:Choice>
-          <mc:Fallback>
+          <mc:Fallback xmlns="">
             <p:sp>
               <p:nvSpPr>
                 <p:cNvPr id="23" name="テキスト ボックス 22">
@@ -9033,8 +9040,8 @@
             </a:fontRef>
           </p:style>
         </p:cxnSp>
-        <mc:AlternateContent xmlns:mc="http://schemas.openxmlformats.org/markup-compatibility/2006">
-          <mc:Choice xmlns:a14="http://schemas.microsoft.com/office/drawing/2010/main" Requires="a14">
+        <mc:AlternateContent xmlns:mc="http://schemas.openxmlformats.org/markup-compatibility/2006" xmlns:a14="http://schemas.microsoft.com/office/drawing/2010/main">
+          <mc:Choice Requires="a14">
             <p:sp>
               <p:nvSpPr>
                 <p:cNvPr id="10" name="テキスト ボックス 9">
@@ -9063,6 +9070,7 @@
                 </a:bodyPr>
                 <a:lstStyle/>
                 <a:p>
+                  <a:pPr/>
                   <a14:m>
                     <m:oMathPara xmlns:m="http://schemas.openxmlformats.org/officeDocument/2006/math">
                       <m:oMathParaPr>
@@ -9101,7 +9109,7 @@
               </p:txBody>
             </p:sp>
           </mc:Choice>
-          <mc:Fallback>
+          <mc:Fallback xmlns="">
             <p:sp>
               <p:nvSpPr>
                 <p:cNvPr id="10" name="テキスト ボックス 9">
@@ -9146,8 +9154,8 @@
             </p:sp>
           </mc:Fallback>
         </mc:AlternateContent>
-        <mc:AlternateContent xmlns:mc="http://schemas.openxmlformats.org/markup-compatibility/2006">
-          <mc:Choice xmlns:a14="http://schemas.microsoft.com/office/drawing/2010/main" Requires="a14">
+        <mc:AlternateContent xmlns:mc="http://schemas.openxmlformats.org/markup-compatibility/2006" xmlns:a14="http://schemas.microsoft.com/office/drawing/2010/main">
+          <mc:Choice Requires="a14">
             <p:sp>
               <p:nvSpPr>
                 <p:cNvPr id="32" name="テキスト ボックス 31">
@@ -9176,6 +9184,7 @@
                 </a:bodyPr>
                 <a:lstStyle/>
                 <a:p>
+                  <a:pPr/>
                   <a14:m>
                     <m:oMathPara xmlns:m="http://schemas.openxmlformats.org/officeDocument/2006/math">
                       <m:oMathParaPr>
@@ -9214,7 +9223,7 @@
               </p:txBody>
             </p:sp>
           </mc:Choice>
-          <mc:Fallback>
+          <mc:Fallback xmlns="">
             <p:sp>
               <p:nvSpPr>
                 <p:cNvPr id="32" name="テキスト ボックス 31">
@@ -9326,8 +9335,8 @@
             </a:p>
           </p:txBody>
         </p:sp>
-        <mc:AlternateContent xmlns:mc="http://schemas.openxmlformats.org/markup-compatibility/2006">
-          <mc:Choice xmlns:a14="http://schemas.microsoft.com/office/drawing/2010/main" Requires="a14">
+        <mc:AlternateContent xmlns:mc="http://schemas.openxmlformats.org/markup-compatibility/2006" xmlns:a14="http://schemas.microsoft.com/office/drawing/2010/main">
+          <mc:Choice Requires="a14">
             <p:sp>
               <p:nvSpPr>
                 <p:cNvPr id="20" name="テキスト ボックス 19">
@@ -9356,6 +9365,7 @@
                 </a:bodyPr>
                 <a:lstStyle/>
                 <a:p>
+                  <a:pPr/>
                   <a14:m>
                     <m:oMathPara xmlns:m="http://schemas.openxmlformats.org/officeDocument/2006/math">
                       <m:oMathParaPr>
@@ -9458,6 +9468,7 @@
                   <a:endParaRPr lang="en-US" altLang="ja-JP" dirty="0"/>
                 </a:p>
                 <a:p>
+                  <a:pPr/>
                   <a:r>
                     <a:rPr lang="en-US" altLang="ja-JP" dirty="0"/>
                     <a:t>When you decide </a:t>
@@ -9793,7 +9804,7 @@
               </p:txBody>
             </p:sp>
           </mc:Choice>
-          <mc:Fallback>
+          <mc:Fallback xmlns="">
             <p:sp>
               <p:nvSpPr>
                 <p:cNvPr id="20" name="テキスト ボックス 19">
@@ -9839,6 +9850,160 @@
           </mc:Fallback>
         </mc:AlternateContent>
       </p:grpSp>
+      <mc:AlternateContent xmlns:mc="http://schemas.openxmlformats.org/markup-compatibility/2006">
+        <mc:Choice xmlns:a14="http://schemas.microsoft.com/office/drawing/2010/main" Requires="a14">
+          <p:sp>
+            <p:nvSpPr>
+              <p:cNvPr id="28" name="テキスト ボックス 27">
+                <a:extLst>
+                  <a:ext uri="{FF2B5EF4-FFF2-40B4-BE49-F238E27FC236}">
+                    <a16:creationId xmlns:a16="http://schemas.microsoft.com/office/drawing/2014/main" id="{E317C530-C02C-43B7-B32D-DD856E06C936}"/>
+                  </a:ext>
+                </a:extLst>
+              </p:cNvPr>
+              <p:cNvSpPr txBox="1"/>
+              <p:nvPr/>
+            </p:nvSpPr>
+            <p:spPr>
+              <a:xfrm>
+                <a:off x="1334826" y="4349371"/>
+                <a:ext cx="571246" cy="537519"/>
+              </a:xfrm>
+              <a:prstGeom prst="rect">
+                <a:avLst/>
+              </a:prstGeom>
+              <a:noFill/>
+            </p:spPr>
+            <p:txBody>
+              <a:bodyPr wrap="none" lIns="0" tIns="0" rIns="0" bIns="0" rtlCol="0">
+                <a:spAutoFit/>
+              </a:bodyPr>
+              <a:lstStyle/>
+              <a:p>
+                <a:pPr/>
+                <a14:m>
+                  <m:oMathPara xmlns:m="http://schemas.openxmlformats.org/officeDocument/2006/math">
+                    <m:oMathParaPr>
+                      <m:jc m:val="centerGroup"/>
+                    </m:oMathParaPr>
+                    <m:oMath xmlns:m="http://schemas.openxmlformats.org/officeDocument/2006/math">
+                      <m:f>
+                        <m:fPr>
+                          <m:ctrlPr>
+                            <a:rPr kumimoji="1" lang="en-US" altLang="ja-JP" b="0" i="1" smtClean="0">
+                              <a:latin typeface="Cambria Math" panose="02040503050406030204" pitchFamily="18" charset="0"/>
+                            </a:rPr>
+                          </m:ctrlPr>
+                        </m:fPr>
+                        <m:num>
+                          <m:r>
+                            <a:rPr kumimoji="1" lang="en-US" altLang="ja-JP" b="0" i="1" smtClean="0">
+                              <a:latin typeface="Cambria Math" panose="02040503050406030204" pitchFamily="18" charset="0"/>
+                            </a:rPr>
+                            <m:t>𝑌</m:t>
+                          </m:r>
+                          <m:d>
+                            <m:dPr>
+                              <m:ctrlPr>
+                                <a:rPr kumimoji="1" lang="en-US" altLang="ja-JP" b="0" i="1" smtClean="0">
+                                  <a:latin typeface="Cambria Math" panose="02040503050406030204" pitchFamily="18" charset="0"/>
+                                </a:rPr>
+                              </m:ctrlPr>
+                            </m:dPr>
+                            <m:e>
+                              <m:r>
+                                <a:rPr kumimoji="1" lang="en-US" altLang="ja-JP" b="0" i="1" smtClean="0">
+                                  <a:latin typeface="Cambria Math" panose="02040503050406030204" pitchFamily="18" charset="0"/>
+                                </a:rPr>
+                                <m:t>𝑙</m:t>
+                              </m:r>
+                            </m:e>
+                          </m:d>
+                        </m:num>
+                        <m:den>
+                          <m:func>
+                            <m:funcPr>
+                              <m:ctrlPr>
+                                <a:rPr kumimoji="1" lang="en-US" altLang="ja-JP" b="0" i="1" smtClean="0">
+                                  <a:latin typeface="Cambria Math" panose="02040503050406030204" pitchFamily="18" charset="0"/>
+                                </a:rPr>
+                              </m:ctrlPr>
+                            </m:funcPr>
+                            <m:fName>
+                              <m:r>
+                                <m:rPr>
+                                  <m:sty m:val="p"/>
+                                </m:rPr>
+                                <a:rPr kumimoji="1" lang="en-US" altLang="ja-JP" b="0" i="0" smtClean="0">
+                                  <a:latin typeface="Cambria Math" panose="02040503050406030204" pitchFamily="18" charset="0"/>
+                                </a:rPr>
+                                <m:t>cos</m:t>
+                              </m:r>
+                            </m:fName>
+                            <m:e>
+                              <m:r>
+                                <a:rPr kumimoji="1" lang="en-US" altLang="ja-JP" b="0" i="1" smtClean="0">
+                                  <a:latin typeface="Cambria Math" panose="02040503050406030204" pitchFamily="18" charset="0"/>
+                                </a:rPr>
+                                <m:t>𝛼</m:t>
+                              </m:r>
+                            </m:e>
+                          </m:func>
+                        </m:den>
+                      </m:f>
+                    </m:oMath>
+                  </m:oMathPara>
+                </a14:m>
+                <a:endParaRPr kumimoji="1" lang="ja-JP" altLang="en-US" dirty="0"/>
+              </a:p>
+            </p:txBody>
+          </p:sp>
+        </mc:Choice>
+        <mc:Fallback>
+          <p:sp>
+            <p:nvSpPr>
+              <p:cNvPr id="28" name="テキスト ボックス 27">
+                <a:extLst>
+                  <a:ext uri="{FF2B5EF4-FFF2-40B4-BE49-F238E27FC236}">
+                    <a16:creationId xmlns:a16="http://schemas.microsoft.com/office/drawing/2014/main" id="{E317C530-C02C-43B7-B32D-DD856E06C936}"/>
+                  </a:ext>
+                </a:extLst>
+              </p:cNvPr>
+              <p:cNvSpPr txBox="1">
+                <a:spLocks noRot="1" noChangeAspect="1" noMove="1" noResize="1" noEditPoints="1" noAdjustHandles="1" noChangeArrowheads="1" noChangeShapeType="1" noTextEdit="1"/>
+              </p:cNvSpPr>
+              <p:nvPr/>
+            </p:nvSpPr>
+            <p:spPr>
+              <a:xfrm>
+                <a:off x="1334826" y="4349371"/>
+                <a:ext cx="571246" cy="537519"/>
+              </a:xfrm>
+              <a:prstGeom prst="rect">
+                <a:avLst/>
+              </a:prstGeom>
+              <a:blipFill>
+                <a:blip r:embed="rId9"/>
+                <a:stretch>
+                  <a:fillRect/>
+                </a:stretch>
+              </a:blipFill>
+            </p:spPr>
+            <p:txBody>
+              <a:bodyPr/>
+              <a:lstStyle/>
+              <a:p>
+                <a:r>
+                  <a:rPr lang="ja-JP" altLang="en-US">
+                    <a:noFill/>
+                  </a:rPr>
+                  <a:t> </a:t>
+                </a:r>
+              </a:p>
+            </p:txBody>
+          </p:sp>
+        </mc:Fallback>
+      </mc:AlternateContent>
     </p:spTree>
     <p:extLst>
       <p:ext uri="{BB962C8B-B14F-4D97-AF65-F5344CB8AC3E}">
